--- a/Figures.pptx
+++ b/Figures.pptx
@@ -4,6 +4,9 @@
   <p:sldMasterIdLst>
     <p:sldMasterId id="2147483648" r:id="rId1"/>
   </p:sldMasterIdLst>
+  <p:notesMasterIdLst>
+    <p:notesMasterId r:id="rId4"/>
+  </p:notesMasterIdLst>
   <p:sldIdLst>
     <p:sldId id="256" r:id="rId2"/>
     <p:sldId id="257" r:id="rId3"/>
@@ -113,6 +116,439 @@
 </p:presentation>
 </file>
 
+<file path=ppt/notesMasters/notesMaster1.xml><?xml version="1.0" encoding="utf-8"?>
+<p:notesMaster xmlns:a="http://schemas.openxmlformats.org/drawingml/2006/main" xmlns:r="http://schemas.openxmlformats.org/officeDocument/2006/relationships" xmlns:p="http://schemas.openxmlformats.org/presentationml/2006/main">
+  <p:cSld>
+    <p:bg>
+      <p:bgRef idx="1001">
+        <a:schemeClr val="bg1"/>
+      </p:bgRef>
+    </p:bg>
+    <p:spTree>
+      <p:nvGrpSpPr>
+        <p:cNvPr id="1" name=""/>
+        <p:cNvGrpSpPr/>
+        <p:nvPr/>
+      </p:nvGrpSpPr>
+      <p:grpSpPr>
+        <a:xfrm>
+          <a:off x="0" y="0"/>
+          <a:ext cx="0" cy="0"/>
+          <a:chOff x="0" y="0"/>
+          <a:chExt cx="0" cy="0"/>
+        </a:xfrm>
+      </p:grpSpPr>
+      <p:sp>
+        <p:nvSpPr>
+          <p:cNvPr id="2" name="Header Placeholder 1"/>
+          <p:cNvSpPr>
+            <a:spLocks noGrp="1"/>
+          </p:cNvSpPr>
+          <p:nvPr>
+            <p:ph type="hdr" sz="quarter"/>
+          </p:nvPr>
+        </p:nvSpPr>
+        <p:spPr>
+          <a:xfrm>
+            <a:off x="0" y="0"/>
+            <a:ext cx="2971800" cy="458788"/>
+          </a:xfrm>
+          <a:prstGeom prst="rect">
+            <a:avLst/>
+          </a:prstGeom>
+        </p:spPr>
+        <p:txBody>
+          <a:bodyPr vert="horz" lIns="91440" tIns="45720" rIns="91440" bIns="45720" rtlCol="0"/>
+          <a:lstStyle>
+            <a:lvl1pPr algn="l">
+              <a:defRPr sz="1200"/>
+            </a:lvl1pPr>
+          </a:lstStyle>
+          <a:p>
+            <a:endParaRPr lang="en-US"/>
+          </a:p>
+        </p:txBody>
+      </p:sp>
+      <p:sp>
+        <p:nvSpPr>
+          <p:cNvPr id="3" name="Date Placeholder 2"/>
+          <p:cNvSpPr>
+            <a:spLocks noGrp="1"/>
+          </p:cNvSpPr>
+          <p:nvPr>
+            <p:ph type="dt" idx="1"/>
+          </p:nvPr>
+        </p:nvSpPr>
+        <p:spPr>
+          <a:xfrm>
+            <a:off x="3884613" y="0"/>
+            <a:ext cx="2971800" cy="458788"/>
+          </a:xfrm>
+          <a:prstGeom prst="rect">
+            <a:avLst/>
+          </a:prstGeom>
+        </p:spPr>
+        <p:txBody>
+          <a:bodyPr vert="horz" lIns="91440" tIns="45720" rIns="91440" bIns="45720" rtlCol="0"/>
+          <a:lstStyle>
+            <a:lvl1pPr algn="r">
+              <a:defRPr sz="1200"/>
+            </a:lvl1pPr>
+          </a:lstStyle>
+          <a:p>
+            <a:fld id="{DEFAA967-0ABF-4065-B760-47CF75B8387E}" type="datetimeFigureOut">
+              <a:rPr lang="en-US" smtClean="0"/>
+              <a:t>6/15/2020</a:t>
+            </a:fld>
+            <a:endParaRPr lang="en-US"/>
+          </a:p>
+        </p:txBody>
+      </p:sp>
+      <p:sp>
+        <p:nvSpPr>
+          <p:cNvPr id="4" name="Slide Image Placeholder 3"/>
+          <p:cNvSpPr>
+            <a:spLocks noGrp="1" noRot="1" noChangeAspect="1"/>
+          </p:cNvSpPr>
+          <p:nvPr>
+            <p:ph type="sldImg" idx="2"/>
+          </p:nvPr>
+        </p:nvSpPr>
+        <p:spPr>
+          <a:xfrm>
+            <a:off x="685800" y="1143000"/>
+            <a:ext cx="5486400" cy="3086100"/>
+          </a:xfrm>
+          <a:prstGeom prst="rect">
+            <a:avLst/>
+          </a:prstGeom>
+          <a:noFill/>
+          <a:ln w="12700">
+            <a:solidFill>
+              <a:prstClr val="black"/>
+            </a:solidFill>
+          </a:ln>
+        </p:spPr>
+        <p:txBody>
+          <a:bodyPr vert="horz" lIns="91440" tIns="45720" rIns="91440" bIns="45720" rtlCol="0" anchor="ctr"/>
+          <a:lstStyle/>
+          <a:p>
+            <a:endParaRPr lang="en-US"/>
+          </a:p>
+        </p:txBody>
+      </p:sp>
+      <p:sp>
+        <p:nvSpPr>
+          <p:cNvPr id="5" name="Notes Placeholder 4"/>
+          <p:cNvSpPr>
+            <a:spLocks noGrp="1"/>
+          </p:cNvSpPr>
+          <p:nvPr>
+            <p:ph type="body" sz="quarter" idx="3"/>
+          </p:nvPr>
+        </p:nvSpPr>
+        <p:spPr>
+          <a:xfrm>
+            <a:off x="685800" y="4400550"/>
+            <a:ext cx="5486400" cy="3600450"/>
+          </a:xfrm>
+          <a:prstGeom prst="rect">
+            <a:avLst/>
+          </a:prstGeom>
+        </p:spPr>
+        <p:txBody>
+          <a:bodyPr vert="horz" lIns="91440" tIns="45720" rIns="91440" bIns="45720" rtlCol="0"/>
+          <a:lstStyle/>
+          <a:p>
+            <a:pPr lvl="0"/>
+            <a:r>
+              <a:rPr lang="en-US"/>
+              <a:t>Click to edit Master text styles</a:t>
+            </a:r>
+          </a:p>
+          <a:p>
+            <a:pPr lvl="1"/>
+            <a:r>
+              <a:rPr lang="en-US"/>
+              <a:t>Second level</a:t>
+            </a:r>
+          </a:p>
+          <a:p>
+            <a:pPr lvl="2"/>
+            <a:r>
+              <a:rPr lang="en-US"/>
+              <a:t>Third level</a:t>
+            </a:r>
+          </a:p>
+          <a:p>
+            <a:pPr lvl="3"/>
+            <a:r>
+              <a:rPr lang="en-US"/>
+              <a:t>Fourth level</a:t>
+            </a:r>
+          </a:p>
+          <a:p>
+            <a:pPr lvl="4"/>
+            <a:r>
+              <a:rPr lang="en-US"/>
+              <a:t>Fifth level</a:t>
+            </a:r>
+          </a:p>
+        </p:txBody>
+      </p:sp>
+      <p:sp>
+        <p:nvSpPr>
+          <p:cNvPr id="6" name="Footer Placeholder 5"/>
+          <p:cNvSpPr>
+            <a:spLocks noGrp="1"/>
+          </p:cNvSpPr>
+          <p:nvPr>
+            <p:ph type="ftr" sz="quarter" idx="4"/>
+          </p:nvPr>
+        </p:nvSpPr>
+        <p:spPr>
+          <a:xfrm>
+            <a:off x="0" y="8685213"/>
+            <a:ext cx="2971800" cy="458787"/>
+          </a:xfrm>
+          <a:prstGeom prst="rect">
+            <a:avLst/>
+          </a:prstGeom>
+        </p:spPr>
+        <p:txBody>
+          <a:bodyPr vert="horz" lIns="91440" tIns="45720" rIns="91440" bIns="45720" rtlCol="0" anchor="b"/>
+          <a:lstStyle>
+            <a:lvl1pPr algn="l">
+              <a:defRPr sz="1200"/>
+            </a:lvl1pPr>
+          </a:lstStyle>
+          <a:p>
+            <a:endParaRPr lang="en-US"/>
+          </a:p>
+        </p:txBody>
+      </p:sp>
+      <p:sp>
+        <p:nvSpPr>
+          <p:cNvPr id="7" name="Slide Number Placeholder 6"/>
+          <p:cNvSpPr>
+            <a:spLocks noGrp="1"/>
+          </p:cNvSpPr>
+          <p:nvPr>
+            <p:ph type="sldNum" sz="quarter" idx="5"/>
+          </p:nvPr>
+        </p:nvSpPr>
+        <p:spPr>
+          <a:xfrm>
+            <a:off x="3884613" y="8685213"/>
+            <a:ext cx="2971800" cy="458787"/>
+          </a:xfrm>
+          <a:prstGeom prst="rect">
+            <a:avLst/>
+          </a:prstGeom>
+        </p:spPr>
+        <p:txBody>
+          <a:bodyPr vert="horz" lIns="91440" tIns="45720" rIns="91440" bIns="45720" rtlCol="0" anchor="b"/>
+          <a:lstStyle>
+            <a:lvl1pPr algn="r">
+              <a:defRPr sz="1200"/>
+            </a:lvl1pPr>
+          </a:lstStyle>
+          <a:p>
+            <a:fld id="{95989AB7-EB72-4DC4-AC3A-D16730C11328}" type="slidenum">
+              <a:rPr lang="en-US" smtClean="0"/>
+              <a:t>‹#›</a:t>
+            </a:fld>
+            <a:endParaRPr lang="en-US"/>
+          </a:p>
+        </p:txBody>
+      </p:sp>
+    </p:spTree>
+    <p:extLst>
+      <p:ext uri="{BB962C8B-B14F-4D97-AF65-F5344CB8AC3E}">
+        <p14:creationId xmlns:p14="http://schemas.microsoft.com/office/powerpoint/2010/main" val="4061327987"/>
+      </p:ext>
+    </p:extLst>
+  </p:cSld>
+  <p:clrMap bg1="lt1" tx1="dk1" bg2="lt2" tx2="dk2" accent1="accent1" accent2="accent2" accent3="accent3" accent4="accent4" accent5="accent5" accent6="accent6" hlink="hlink" folHlink="folHlink"/>
+  <p:notesStyle>
+    <a:lvl1pPr marL="0" algn="l" defTabSz="914400" rtl="0" eaLnBrk="1" latinLnBrk="0" hangingPunct="1">
+      <a:defRPr sz="1200" kern="1200">
+        <a:solidFill>
+          <a:schemeClr val="tx1"/>
+        </a:solidFill>
+        <a:latin typeface="+mn-lt"/>
+        <a:ea typeface="+mn-ea"/>
+        <a:cs typeface="+mn-cs"/>
+      </a:defRPr>
+    </a:lvl1pPr>
+    <a:lvl2pPr marL="457200" algn="l" defTabSz="914400" rtl="0" eaLnBrk="1" latinLnBrk="0" hangingPunct="1">
+      <a:defRPr sz="1200" kern="1200">
+        <a:solidFill>
+          <a:schemeClr val="tx1"/>
+        </a:solidFill>
+        <a:latin typeface="+mn-lt"/>
+        <a:ea typeface="+mn-ea"/>
+        <a:cs typeface="+mn-cs"/>
+      </a:defRPr>
+    </a:lvl2pPr>
+    <a:lvl3pPr marL="914400" algn="l" defTabSz="914400" rtl="0" eaLnBrk="1" latinLnBrk="0" hangingPunct="1">
+      <a:defRPr sz="1200" kern="1200">
+        <a:solidFill>
+          <a:schemeClr val="tx1"/>
+        </a:solidFill>
+        <a:latin typeface="+mn-lt"/>
+        <a:ea typeface="+mn-ea"/>
+        <a:cs typeface="+mn-cs"/>
+      </a:defRPr>
+    </a:lvl3pPr>
+    <a:lvl4pPr marL="1371600" algn="l" defTabSz="914400" rtl="0" eaLnBrk="1" latinLnBrk="0" hangingPunct="1">
+      <a:defRPr sz="1200" kern="1200">
+        <a:solidFill>
+          <a:schemeClr val="tx1"/>
+        </a:solidFill>
+        <a:latin typeface="+mn-lt"/>
+        <a:ea typeface="+mn-ea"/>
+        <a:cs typeface="+mn-cs"/>
+      </a:defRPr>
+    </a:lvl4pPr>
+    <a:lvl5pPr marL="1828800" algn="l" defTabSz="914400" rtl="0" eaLnBrk="1" latinLnBrk="0" hangingPunct="1">
+      <a:defRPr sz="1200" kern="1200">
+        <a:solidFill>
+          <a:schemeClr val="tx1"/>
+        </a:solidFill>
+        <a:latin typeface="+mn-lt"/>
+        <a:ea typeface="+mn-ea"/>
+        <a:cs typeface="+mn-cs"/>
+      </a:defRPr>
+    </a:lvl5pPr>
+    <a:lvl6pPr marL="2286000" algn="l" defTabSz="914400" rtl="0" eaLnBrk="1" latinLnBrk="0" hangingPunct="1">
+      <a:defRPr sz="1200" kern="1200">
+        <a:solidFill>
+          <a:schemeClr val="tx1"/>
+        </a:solidFill>
+        <a:latin typeface="+mn-lt"/>
+        <a:ea typeface="+mn-ea"/>
+        <a:cs typeface="+mn-cs"/>
+      </a:defRPr>
+    </a:lvl6pPr>
+    <a:lvl7pPr marL="2743200" algn="l" defTabSz="914400" rtl="0" eaLnBrk="1" latinLnBrk="0" hangingPunct="1">
+      <a:defRPr sz="1200" kern="1200">
+        <a:solidFill>
+          <a:schemeClr val="tx1"/>
+        </a:solidFill>
+        <a:latin typeface="+mn-lt"/>
+        <a:ea typeface="+mn-ea"/>
+        <a:cs typeface="+mn-cs"/>
+      </a:defRPr>
+    </a:lvl7pPr>
+    <a:lvl8pPr marL="3200400" algn="l" defTabSz="914400" rtl="0" eaLnBrk="1" latinLnBrk="0" hangingPunct="1">
+      <a:defRPr sz="1200" kern="1200">
+        <a:solidFill>
+          <a:schemeClr val="tx1"/>
+        </a:solidFill>
+        <a:latin typeface="+mn-lt"/>
+        <a:ea typeface="+mn-ea"/>
+        <a:cs typeface="+mn-cs"/>
+      </a:defRPr>
+    </a:lvl8pPr>
+    <a:lvl9pPr marL="3657600" algn="l" defTabSz="914400" rtl="0" eaLnBrk="1" latinLnBrk="0" hangingPunct="1">
+      <a:defRPr sz="1200" kern="1200">
+        <a:solidFill>
+          <a:schemeClr val="tx1"/>
+        </a:solidFill>
+        <a:latin typeface="+mn-lt"/>
+        <a:ea typeface="+mn-ea"/>
+        <a:cs typeface="+mn-cs"/>
+      </a:defRPr>
+    </a:lvl9pPr>
+  </p:notesStyle>
+</p:notesMaster>
+</file>
+
+<file path=ppt/notesSlides/notesSlide1.xml><?xml version="1.0" encoding="utf-8"?>
+<p:notes xmlns:a="http://schemas.openxmlformats.org/drawingml/2006/main" xmlns:r="http://schemas.openxmlformats.org/officeDocument/2006/relationships" xmlns:p="http://schemas.openxmlformats.org/presentationml/2006/main">
+  <p:cSld>
+    <p:spTree>
+      <p:nvGrpSpPr>
+        <p:cNvPr id="1" name=""/>
+        <p:cNvGrpSpPr/>
+        <p:nvPr/>
+      </p:nvGrpSpPr>
+      <p:grpSpPr>
+        <a:xfrm>
+          <a:off x="0" y="0"/>
+          <a:ext cx="0" cy="0"/>
+          <a:chOff x="0" y="0"/>
+          <a:chExt cx="0" cy="0"/>
+        </a:xfrm>
+      </p:grpSpPr>
+      <p:sp>
+        <p:nvSpPr>
+          <p:cNvPr id="2" name="Slide Image Placeholder 1"/>
+          <p:cNvSpPr>
+            <a:spLocks noGrp="1" noRot="1" noChangeAspect="1"/>
+          </p:cNvSpPr>
+          <p:nvPr>
+            <p:ph type="sldImg"/>
+          </p:nvPr>
+        </p:nvSpPr>
+        <p:spPr/>
+      </p:sp>
+      <p:sp>
+        <p:nvSpPr>
+          <p:cNvPr id="3" name="Notes Placeholder 2"/>
+          <p:cNvSpPr>
+            <a:spLocks noGrp="1"/>
+          </p:cNvSpPr>
+          <p:nvPr>
+            <p:ph type="body" idx="1"/>
+          </p:nvPr>
+        </p:nvSpPr>
+        <p:spPr/>
+        <p:txBody>
+          <a:bodyPr/>
+          <a:lstStyle/>
+          <a:p>
+            <a:endParaRPr lang="en-US" dirty="0"/>
+          </a:p>
+        </p:txBody>
+      </p:sp>
+      <p:sp>
+        <p:nvSpPr>
+          <p:cNvPr id="4" name="Slide Number Placeholder 3"/>
+          <p:cNvSpPr>
+            <a:spLocks noGrp="1"/>
+          </p:cNvSpPr>
+          <p:nvPr>
+            <p:ph type="sldNum" sz="quarter" idx="5"/>
+          </p:nvPr>
+        </p:nvSpPr>
+        <p:spPr/>
+        <p:txBody>
+          <a:bodyPr/>
+          <a:lstStyle/>
+          <a:p>
+            <a:fld id="{95989AB7-EB72-4DC4-AC3A-D16730C11328}" type="slidenum">
+              <a:rPr lang="en-US" smtClean="0"/>
+              <a:t>1</a:t>
+            </a:fld>
+            <a:endParaRPr lang="en-US"/>
+          </a:p>
+        </p:txBody>
+      </p:sp>
+    </p:spTree>
+    <p:extLst>
+      <p:ext uri="{BB962C8B-B14F-4D97-AF65-F5344CB8AC3E}">
+        <p14:creationId xmlns:p14="http://schemas.microsoft.com/office/powerpoint/2010/main" val="2394537556"/>
+      </p:ext>
+    </p:extLst>
+  </p:cSld>
+  <p:clrMapOvr>
+    <a:masterClrMapping/>
+  </p:clrMapOvr>
+</p:notes>
+</file>
+
 <file path=ppt/slideLayouts/slideLayout1.xml><?xml version="1.0" encoding="utf-8"?>
 <p:sldLayout xmlns:a="http://schemas.openxmlformats.org/drawingml/2006/main" xmlns:r="http://schemas.openxmlformats.org/officeDocument/2006/relationships" xmlns:p="http://schemas.openxmlformats.org/presentationml/2006/main" type="title" preserve="1">
   <p:cSld name="Title Slide">
@@ -260,7 +696,7 @@
           <a:p>
             <a:fld id="{827ADAB3-46CF-49B2-A95A-71DC14D6E9D6}" type="datetimeFigureOut">
               <a:rPr lang="en-US" smtClean="0"/>
-              <a:t>6/14/2020</a:t>
+              <a:t>6/15/2020</a:t>
             </a:fld>
             <a:endParaRPr lang="en-US"/>
           </a:p>
@@ -458,7 +894,7 @@
           <a:p>
             <a:fld id="{827ADAB3-46CF-49B2-A95A-71DC14D6E9D6}" type="datetimeFigureOut">
               <a:rPr lang="en-US" smtClean="0"/>
-              <a:t>6/14/2020</a:t>
+              <a:t>6/15/2020</a:t>
             </a:fld>
             <a:endParaRPr lang="en-US"/>
           </a:p>
@@ -666,7 +1102,7 @@
           <a:p>
             <a:fld id="{827ADAB3-46CF-49B2-A95A-71DC14D6E9D6}" type="datetimeFigureOut">
               <a:rPr lang="en-US" smtClean="0"/>
-              <a:t>6/14/2020</a:t>
+              <a:t>6/15/2020</a:t>
             </a:fld>
             <a:endParaRPr lang="en-US"/>
           </a:p>
@@ -864,7 +1300,7 @@
           <a:p>
             <a:fld id="{827ADAB3-46CF-49B2-A95A-71DC14D6E9D6}" type="datetimeFigureOut">
               <a:rPr lang="en-US" smtClean="0"/>
-              <a:t>6/14/2020</a:t>
+              <a:t>6/15/2020</a:t>
             </a:fld>
             <a:endParaRPr lang="en-US"/>
           </a:p>
@@ -1139,7 +1575,7 @@
           <a:p>
             <a:fld id="{827ADAB3-46CF-49B2-A95A-71DC14D6E9D6}" type="datetimeFigureOut">
               <a:rPr lang="en-US" smtClean="0"/>
-              <a:t>6/14/2020</a:t>
+              <a:t>6/15/2020</a:t>
             </a:fld>
             <a:endParaRPr lang="en-US"/>
           </a:p>
@@ -1404,7 +1840,7 @@
           <a:p>
             <a:fld id="{827ADAB3-46CF-49B2-A95A-71DC14D6E9D6}" type="datetimeFigureOut">
               <a:rPr lang="en-US" smtClean="0"/>
-              <a:t>6/14/2020</a:t>
+              <a:t>6/15/2020</a:t>
             </a:fld>
             <a:endParaRPr lang="en-US"/>
           </a:p>
@@ -1816,7 +2252,7 @@
           <a:p>
             <a:fld id="{827ADAB3-46CF-49B2-A95A-71DC14D6E9D6}" type="datetimeFigureOut">
               <a:rPr lang="en-US" smtClean="0"/>
-              <a:t>6/14/2020</a:t>
+              <a:t>6/15/2020</a:t>
             </a:fld>
             <a:endParaRPr lang="en-US"/>
           </a:p>
@@ -1957,7 +2393,7 @@
           <a:p>
             <a:fld id="{827ADAB3-46CF-49B2-A95A-71DC14D6E9D6}" type="datetimeFigureOut">
               <a:rPr lang="en-US" smtClean="0"/>
-              <a:t>6/14/2020</a:t>
+              <a:t>6/15/2020</a:t>
             </a:fld>
             <a:endParaRPr lang="en-US"/>
           </a:p>
@@ -2070,7 +2506,7 @@
           <a:p>
             <a:fld id="{827ADAB3-46CF-49B2-A95A-71DC14D6E9D6}" type="datetimeFigureOut">
               <a:rPr lang="en-US" smtClean="0"/>
-              <a:t>6/14/2020</a:t>
+              <a:t>6/15/2020</a:t>
             </a:fld>
             <a:endParaRPr lang="en-US"/>
           </a:p>
@@ -2381,7 +2817,7 @@
           <a:p>
             <a:fld id="{827ADAB3-46CF-49B2-A95A-71DC14D6E9D6}" type="datetimeFigureOut">
               <a:rPr lang="en-US" smtClean="0"/>
-              <a:t>6/14/2020</a:t>
+              <a:t>6/15/2020</a:t>
             </a:fld>
             <a:endParaRPr lang="en-US"/>
           </a:p>
@@ -2669,7 +3105,7 @@
           <a:p>
             <a:fld id="{827ADAB3-46CF-49B2-A95A-71DC14D6E9D6}" type="datetimeFigureOut">
               <a:rPr lang="en-US" smtClean="0"/>
-              <a:t>6/14/2020</a:t>
+              <a:t>6/15/2020</a:t>
             </a:fld>
             <a:endParaRPr lang="en-US"/>
           </a:p>
@@ -2910,7 +3346,7 @@
           <a:p>
             <a:fld id="{827ADAB3-46CF-49B2-A95A-71DC14D6E9D6}" type="datetimeFigureOut">
               <a:rPr lang="en-US" smtClean="0"/>
-              <a:t>6/14/2020</a:t>
+              <a:t>6/15/2020</a:t>
             </a:fld>
             <a:endParaRPr lang="en-US"/>
           </a:p>
@@ -3329,10 +3765,10 @@
       </p:grpSpPr>
       <p:grpSp>
         <p:nvGrpSpPr>
-          <p:cNvPr id="330" name="Group 329">
+          <p:cNvPr id="47" name="Group 46">
             <a:extLst>
               <a:ext uri="{FF2B5EF4-FFF2-40B4-BE49-F238E27FC236}">
-                <a16:creationId xmlns:a16="http://schemas.microsoft.com/office/drawing/2014/main" id="{49AD84FD-FE0E-4F63-B39F-CFA6944F0040}"/>
+                <a16:creationId xmlns:a16="http://schemas.microsoft.com/office/drawing/2014/main" id="{5065B81C-AE67-45BA-8C9A-734EF5E83254}"/>
               </a:ext>
             </a:extLst>
           </p:cNvPr>
@@ -3341,9 +3777,9 @@
         </p:nvGrpSpPr>
         <p:grpSpPr>
           <a:xfrm>
-            <a:off x="789963" y="-8090"/>
+            <a:off x="789963" y="-1740"/>
             <a:ext cx="10828789" cy="3392197"/>
-            <a:chOff x="789963" y="-8090"/>
+            <a:chOff x="789963" y="-1740"/>
             <a:chExt cx="10828789" cy="3392197"/>
           </a:xfrm>
         </p:grpSpPr>
@@ -3361,7 +3797,7 @@
           </p:nvGrpSpPr>
           <p:grpSpPr>
             <a:xfrm>
-              <a:off x="1544352" y="1105078"/>
+              <a:off x="1544352" y="1111428"/>
               <a:ext cx="384621" cy="512548"/>
               <a:chOff x="1542858" y="1095092"/>
               <a:chExt cx="384621" cy="512548"/>
@@ -3444,12 +3880,3692 @@
             </p:style>
           </p:cxnSp>
         </p:grpSp>
+        <p:cxnSp>
+          <p:nvCxnSpPr>
+            <p:cNvPr id="8" name="Straight Connector 7">
+              <a:extLst>
+                <a:ext uri="{FF2B5EF4-FFF2-40B4-BE49-F238E27FC236}">
+                  <a16:creationId xmlns:a16="http://schemas.microsoft.com/office/drawing/2014/main" id="{F673B00A-4171-4E40-A5E5-9B7B21F6ECF8}"/>
+                </a:ext>
+              </a:extLst>
+            </p:cNvPr>
+            <p:cNvCxnSpPr>
+              <a:cxnSpLocks/>
+            </p:cNvCxnSpPr>
+            <p:nvPr/>
+          </p:nvCxnSpPr>
+          <p:spPr>
+            <a:xfrm>
+              <a:off x="1409350" y="862027"/>
+              <a:ext cx="0" cy="2188131"/>
+            </a:xfrm>
+            <a:prstGeom prst="line">
+              <a:avLst/>
+            </a:prstGeom>
+          </p:spPr>
+          <p:style>
+            <a:lnRef idx="3">
+              <a:schemeClr val="dk1"/>
+            </a:lnRef>
+            <a:fillRef idx="0">
+              <a:schemeClr val="dk1"/>
+            </a:fillRef>
+            <a:effectRef idx="2">
+              <a:schemeClr val="dk1"/>
+            </a:effectRef>
+            <a:fontRef idx="minor">
+              <a:schemeClr val="tx1"/>
+            </a:fontRef>
+          </p:style>
+        </p:cxnSp>
+        <p:cxnSp>
+          <p:nvCxnSpPr>
+            <p:cNvPr id="10" name="Straight Connector 9">
+              <a:extLst>
+                <a:ext uri="{FF2B5EF4-FFF2-40B4-BE49-F238E27FC236}">
+                  <a16:creationId xmlns:a16="http://schemas.microsoft.com/office/drawing/2014/main" id="{DECDF23D-2882-4919-ADC8-4DBC0CE5502C}"/>
+                </a:ext>
+              </a:extLst>
+            </p:cNvPr>
+            <p:cNvCxnSpPr>
+              <a:cxnSpLocks/>
+            </p:cNvCxnSpPr>
+            <p:nvPr/>
+          </p:nvCxnSpPr>
+          <p:spPr>
+            <a:xfrm>
+              <a:off x="822121" y="1172420"/>
+              <a:ext cx="5863905" cy="0"/>
+            </a:xfrm>
+            <a:prstGeom prst="line">
+              <a:avLst/>
+            </a:prstGeom>
+          </p:spPr>
+          <p:style>
+            <a:lnRef idx="2">
+              <a:schemeClr val="dk1"/>
+            </a:lnRef>
+            <a:fillRef idx="0">
+              <a:schemeClr val="dk1"/>
+            </a:fillRef>
+            <a:effectRef idx="1">
+              <a:schemeClr val="dk1"/>
+            </a:effectRef>
+            <a:fontRef idx="minor">
+              <a:schemeClr val="tx1"/>
+            </a:fontRef>
+          </p:style>
+        </p:cxnSp>
+        <p:cxnSp>
+          <p:nvCxnSpPr>
+            <p:cNvPr id="11" name="Straight Connector 10">
+              <a:extLst>
+                <a:ext uri="{FF2B5EF4-FFF2-40B4-BE49-F238E27FC236}">
+                  <a16:creationId xmlns:a16="http://schemas.microsoft.com/office/drawing/2014/main" id="{23703DC3-111F-4A7A-ADC1-C25CC958F22E}"/>
+                </a:ext>
+              </a:extLst>
+            </p:cNvPr>
+            <p:cNvCxnSpPr>
+              <a:cxnSpLocks/>
+            </p:cNvCxnSpPr>
+            <p:nvPr/>
+          </p:nvCxnSpPr>
+          <p:spPr>
+            <a:xfrm>
+              <a:off x="822121" y="1777827"/>
+              <a:ext cx="5863905" cy="0"/>
+            </a:xfrm>
+            <a:prstGeom prst="line">
+              <a:avLst/>
+            </a:prstGeom>
+          </p:spPr>
+          <p:style>
+            <a:lnRef idx="2">
+              <a:schemeClr val="dk1"/>
+            </a:lnRef>
+            <a:fillRef idx="0">
+              <a:schemeClr val="dk1"/>
+            </a:fillRef>
+            <a:effectRef idx="1">
+              <a:schemeClr val="dk1"/>
+            </a:effectRef>
+            <a:fontRef idx="minor">
+              <a:schemeClr val="tx1"/>
+            </a:fontRef>
+          </p:style>
+        </p:cxnSp>
+        <p:cxnSp>
+          <p:nvCxnSpPr>
+            <p:cNvPr id="12" name="Straight Connector 11">
+              <a:extLst>
+                <a:ext uri="{FF2B5EF4-FFF2-40B4-BE49-F238E27FC236}">
+                  <a16:creationId xmlns:a16="http://schemas.microsoft.com/office/drawing/2014/main" id="{D11B67D0-66E8-46DE-8998-A710C64CECC3}"/>
+                </a:ext>
+              </a:extLst>
+            </p:cNvPr>
+            <p:cNvCxnSpPr>
+              <a:cxnSpLocks/>
+            </p:cNvCxnSpPr>
+            <p:nvPr/>
+          </p:nvCxnSpPr>
+          <p:spPr>
+            <a:xfrm>
+              <a:off x="789963" y="2349677"/>
+              <a:ext cx="5896063" cy="0"/>
+            </a:xfrm>
+            <a:prstGeom prst="line">
+              <a:avLst/>
+            </a:prstGeom>
+          </p:spPr>
+          <p:style>
+            <a:lnRef idx="2">
+              <a:schemeClr val="dk1"/>
+            </a:lnRef>
+            <a:fillRef idx="0">
+              <a:schemeClr val="dk1"/>
+            </a:fillRef>
+            <a:effectRef idx="1">
+              <a:schemeClr val="dk1"/>
+            </a:effectRef>
+            <a:fontRef idx="minor">
+              <a:schemeClr val="tx1"/>
+            </a:fontRef>
+          </p:style>
+        </p:cxnSp>
+        <p:cxnSp>
+          <p:nvCxnSpPr>
+            <p:cNvPr id="13" name="Straight Connector 12">
+              <a:extLst>
+                <a:ext uri="{FF2B5EF4-FFF2-40B4-BE49-F238E27FC236}">
+                  <a16:creationId xmlns:a16="http://schemas.microsoft.com/office/drawing/2014/main" id="{4D2D8497-5C95-4D08-BCD8-99A75122512D}"/>
+                </a:ext>
+              </a:extLst>
+            </p:cNvPr>
+            <p:cNvCxnSpPr>
+              <a:cxnSpLocks/>
+            </p:cNvCxnSpPr>
+            <p:nvPr/>
+          </p:nvCxnSpPr>
+          <p:spPr>
+            <a:xfrm>
+              <a:off x="789963" y="2702015"/>
+              <a:ext cx="5896063" cy="0"/>
+            </a:xfrm>
+            <a:prstGeom prst="line">
+              <a:avLst/>
+            </a:prstGeom>
+          </p:spPr>
+          <p:style>
+            <a:lnRef idx="2">
+              <a:schemeClr val="dk1"/>
+            </a:lnRef>
+            <a:fillRef idx="0">
+              <a:schemeClr val="dk1"/>
+            </a:fillRef>
+            <a:effectRef idx="1">
+              <a:schemeClr val="dk1"/>
+            </a:effectRef>
+            <a:fontRef idx="minor">
+              <a:schemeClr val="tx1"/>
+            </a:fontRef>
+          </p:style>
+        </p:cxnSp>
+        <p:cxnSp>
+          <p:nvCxnSpPr>
+            <p:cNvPr id="24" name="Straight Connector 23">
+              <a:extLst>
+                <a:ext uri="{FF2B5EF4-FFF2-40B4-BE49-F238E27FC236}">
+                  <a16:creationId xmlns:a16="http://schemas.microsoft.com/office/drawing/2014/main" id="{6D1F89CE-173B-4711-930F-655DAB2E6A50}"/>
+                </a:ext>
+              </a:extLst>
+            </p:cNvPr>
+            <p:cNvCxnSpPr>
+              <a:cxnSpLocks/>
+            </p:cNvCxnSpPr>
+            <p:nvPr/>
+          </p:nvCxnSpPr>
+          <p:spPr>
+            <a:xfrm>
+              <a:off x="1409350" y="1516368"/>
+              <a:ext cx="5276676" cy="2798"/>
+            </a:xfrm>
+            <a:prstGeom prst="line">
+              <a:avLst/>
+            </a:prstGeom>
+          </p:spPr>
+          <p:style>
+            <a:lnRef idx="1">
+              <a:schemeClr val="dk1"/>
+            </a:lnRef>
+            <a:fillRef idx="0">
+              <a:schemeClr val="dk1"/>
+            </a:fillRef>
+            <a:effectRef idx="0">
+              <a:schemeClr val="dk1"/>
+            </a:effectRef>
+            <a:fontRef idx="minor">
+              <a:schemeClr val="tx1"/>
+            </a:fontRef>
+          </p:style>
+        </p:cxnSp>
+        <p:cxnSp>
+          <p:nvCxnSpPr>
+            <p:cNvPr id="27" name="Straight Connector 26">
+              <a:extLst>
+                <a:ext uri="{FF2B5EF4-FFF2-40B4-BE49-F238E27FC236}">
+                  <a16:creationId xmlns:a16="http://schemas.microsoft.com/office/drawing/2014/main" id="{0738860A-584A-470B-AB4B-8CE31D728295}"/>
+                </a:ext>
+              </a:extLst>
+            </p:cNvPr>
+            <p:cNvCxnSpPr>
+              <a:cxnSpLocks/>
+            </p:cNvCxnSpPr>
+            <p:nvPr/>
+          </p:nvCxnSpPr>
+          <p:spPr>
+            <a:xfrm>
+              <a:off x="1409350" y="2086820"/>
+              <a:ext cx="5276676" cy="22372"/>
+            </a:xfrm>
+            <a:prstGeom prst="line">
+              <a:avLst/>
+            </a:prstGeom>
+          </p:spPr>
+          <p:style>
+            <a:lnRef idx="1">
+              <a:schemeClr val="dk1"/>
+            </a:lnRef>
+            <a:fillRef idx="0">
+              <a:schemeClr val="dk1"/>
+            </a:fillRef>
+            <a:effectRef idx="0">
+              <a:schemeClr val="dk1"/>
+            </a:effectRef>
+            <a:fontRef idx="minor">
+              <a:schemeClr val="tx1"/>
+            </a:fontRef>
+          </p:style>
+        </p:cxnSp>
+        <p:cxnSp>
+          <p:nvCxnSpPr>
+            <p:cNvPr id="31" name="Straight Connector 30">
+              <a:extLst>
+                <a:ext uri="{FF2B5EF4-FFF2-40B4-BE49-F238E27FC236}">
+                  <a16:creationId xmlns:a16="http://schemas.microsoft.com/office/drawing/2014/main" id="{9F3ADEC9-DEA7-42EC-B11C-D5A6BDEF0ADA}"/>
+                </a:ext>
+              </a:extLst>
+            </p:cNvPr>
+            <p:cNvCxnSpPr>
+              <a:cxnSpLocks/>
+            </p:cNvCxnSpPr>
+            <p:nvPr/>
+          </p:nvCxnSpPr>
+          <p:spPr>
+            <a:xfrm flipV="1">
+              <a:off x="808139" y="3031983"/>
+              <a:ext cx="5877887" cy="6990"/>
+            </a:xfrm>
+            <a:prstGeom prst="line">
+              <a:avLst/>
+            </a:prstGeom>
+          </p:spPr>
+          <p:style>
+            <a:lnRef idx="2">
+              <a:schemeClr val="dk1"/>
+            </a:lnRef>
+            <a:fillRef idx="0">
+              <a:schemeClr val="dk1"/>
+            </a:fillRef>
+            <a:effectRef idx="1">
+              <a:schemeClr val="dk1"/>
+            </a:effectRef>
+            <a:fontRef idx="minor">
+              <a:schemeClr val="tx1"/>
+            </a:fontRef>
+          </p:style>
+        </p:cxnSp>
+        <p:sp>
+          <p:nvSpPr>
+            <p:cNvPr id="14" name="Rectangle 13">
+              <a:extLst>
+                <a:ext uri="{FF2B5EF4-FFF2-40B4-BE49-F238E27FC236}">
+                  <a16:creationId xmlns:a16="http://schemas.microsoft.com/office/drawing/2014/main" id="{2949CA46-82B8-4B9E-8082-3D8AACE8D730}"/>
+                </a:ext>
+              </a:extLst>
+            </p:cNvPr>
+            <p:cNvSpPr/>
+            <p:nvPr/>
+          </p:nvSpPr>
+          <p:spPr>
+            <a:xfrm>
+              <a:off x="3053591" y="977374"/>
+              <a:ext cx="973121" cy="185957"/>
+            </a:xfrm>
+            <a:prstGeom prst="rect">
+              <a:avLst/>
+            </a:prstGeom>
+          </p:spPr>
+          <p:style>
+            <a:lnRef idx="2">
+              <a:schemeClr val="accent2">
+                <a:shade val="50000"/>
+              </a:schemeClr>
+            </a:lnRef>
+            <a:fillRef idx="1">
+              <a:schemeClr val="accent2"/>
+            </a:fillRef>
+            <a:effectRef idx="0">
+              <a:schemeClr val="accent2"/>
+            </a:effectRef>
+            <a:fontRef idx="minor">
+              <a:schemeClr val="lt1"/>
+            </a:fontRef>
+          </p:style>
+          <p:txBody>
+            <a:bodyPr rtlCol="0" anchor="ctr"/>
+            <a:lstStyle/>
+            <a:p>
+              <a:pPr algn="ctr"/>
+              <a:endParaRPr lang="en-US"/>
+            </a:p>
+          </p:txBody>
+        </p:sp>
+        <p:sp>
+          <p:nvSpPr>
+            <p:cNvPr id="16" name="Rectangle 15">
+              <a:extLst>
+                <a:ext uri="{FF2B5EF4-FFF2-40B4-BE49-F238E27FC236}">
+                  <a16:creationId xmlns:a16="http://schemas.microsoft.com/office/drawing/2014/main" id="{EDBB0EA4-98DF-4FE7-B742-667177D26DE5}"/>
+                </a:ext>
+              </a:extLst>
+            </p:cNvPr>
+            <p:cNvSpPr/>
+            <p:nvPr/>
+          </p:nvSpPr>
+          <p:spPr>
+            <a:xfrm>
+              <a:off x="2081868" y="1593268"/>
+              <a:ext cx="973121" cy="185957"/>
+            </a:xfrm>
+            <a:prstGeom prst="rect">
+              <a:avLst/>
+            </a:prstGeom>
+          </p:spPr>
+          <p:style>
+            <a:lnRef idx="2">
+              <a:schemeClr val="accent1">
+                <a:shade val="50000"/>
+              </a:schemeClr>
+            </a:lnRef>
+            <a:fillRef idx="1">
+              <a:schemeClr val="accent1"/>
+            </a:fillRef>
+            <a:effectRef idx="0">
+              <a:schemeClr val="accent1"/>
+            </a:effectRef>
+            <a:fontRef idx="minor">
+              <a:schemeClr val="lt1"/>
+            </a:fontRef>
+          </p:style>
+          <p:txBody>
+            <a:bodyPr rtlCol="0" anchor="ctr"/>
+            <a:lstStyle/>
+            <a:p>
+              <a:pPr algn="ctr"/>
+              <a:endParaRPr lang="en-US"/>
+            </a:p>
+          </p:txBody>
+        </p:sp>
+        <p:sp>
+          <p:nvSpPr>
+            <p:cNvPr id="18" name="Rectangle 17">
+              <a:extLst>
+                <a:ext uri="{FF2B5EF4-FFF2-40B4-BE49-F238E27FC236}">
+                  <a16:creationId xmlns:a16="http://schemas.microsoft.com/office/drawing/2014/main" id="{AB7E13F2-31C6-4840-8AC1-06DDA6C81C84}"/>
+                </a:ext>
+              </a:extLst>
+            </p:cNvPr>
+            <p:cNvSpPr/>
+            <p:nvPr/>
+          </p:nvSpPr>
+          <p:spPr>
+            <a:xfrm>
+              <a:off x="2286641" y="2162323"/>
+              <a:ext cx="973121" cy="185957"/>
+            </a:xfrm>
+            <a:prstGeom prst="rect">
+              <a:avLst/>
+            </a:prstGeom>
+          </p:spPr>
+          <p:style>
+            <a:lnRef idx="2">
+              <a:schemeClr val="accent6">
+                <a:shade val="50000"/>
+              </a:schemeClr>
+            </a:lnRef>
+            <a:fillRef idx="1">
+              <a:schemeClr val="accent6"/>
+            </a:fillRef>
+            <a:effectRef idx="0">
+              <a:schemeClr val="accent6"/>
+            </a:effectRef>
+            <a:fontRef idx="minor">
+              <a:schemeClr val="lt1"/>
+            </a:fontRef>
+          </p:style>
+          <p:txBody>
+            <a:bodyPr rtlCol="0" anchor="ctr"/>
+            <a:lstStyle/>
+            <a:p>
+              <a:pPr algn="ctr"/>
+              <a:endParaRPr lang="en-US"/>
+            </a:p>
+          </p:txBody>
+        </p:sp>
+        <p:sp>
+          <p:nvSpPr>
+            <p:cNvPr id="19" name="Rectangle 18">
+              <a:extLst>
+                <a:ext uri="{FF2B5EF4-FFF2-40B4-BE49-F238E27FC236}">
+                  <a16:creationId xmlns:a16="http://schemas.microsoft.com/office/drawing/2014/main" id="{3EA473F3-E9E2-46B5-ABBC-72C96C98E3B0}"/>
+                </a:ext>
+              </a:extLst>
+            </p:cNvPr>
+            <p:cNvSpPr/>
+            <p:nvPr/>
+          </p:nvSpPr>
+          <p:spPr>
+            <a:xfrm>
+              <a:off x="2485936" y="2504990"/>
+              <a:ext cx="973121" cy="185957"/>
+            </a:xfrm>
+            <a:prstGeom prst="rect">
+              <a:avLst/>
+            </a:prstGeom>
+          </p:spPr>
+          <p:style>
+            <a:lnRef idx="2">
+              <a:schemeClr val="accent4">
+                <a:shade val="50000"/>
+              </a:schemeClr>
+            </a:lnRef>
+            <a:fillRef idx="1">
+              <a:schemeClr val="accent4"/>
+            </a:fillRef>
+            <a:effectRef idx="0">
+              <a:schemeClr val="accent4"/>
+            </a:effectRef>
+            <a:fontRef idx="minor">
+              <a:schemeClr val="lt1"/>
+            </a:fontRef>
+          </p:style>
+          <p:txBody>
+            <a:bodyPr rtlCol="0" anchor="ctr"/>
+            <a:lstStyle/>
+            <a:p>
+              <a:pPr algn="ctr"/>
+              <a:endParaRPr lang="en-US"/>
+            </a:p>
+          </p:txBody>
+        </p:sp>
+        <p:cxnSp>
+          <p:nvCxnSpPr>
+            <p:cNvPr id="32" name="Straight Connector 31">
+              <a:extLst>
+                <a:ext uri="{FF2B5EF4-FFF2-40B4-BE49-F238E27FC236}">
+                  <a16:creationId xmlns:a16="http://schemas.microsoft.com/office/drawing/2014/main" id="{EB2C2667-5A8E-4FC9-8DF7-0FF562A67065}"/>
+                </a:ext>
+              </a:extLst>
+            </p:cNvPr>
+            <p:cNvCxnSpPr>
+              <a:cxnSpLocks/>
+            </p:cNvCxnSpPr>
+            <p:nvPr/>
+          </p:nvCxnSpPr>
+          <p:spPr>
+            <a:xfrm>
+              <a:off x="2066488" y="977374"/>
+              <a:ext cx="0" cy="2061599"/>
+            </a:xfrm>
+            <a:prstGeom prst="line">
+              <a:avLst/>
+            </a:prstGeom>
+            <a:ln w="9525" cap="flat" cmpd="sng" algn="ctr">
+              <a:solidFill>
+                <a:schemeClr val="accent1"/>
+              </a:solidFill>
+              <a:prstDash val="dash"/>
+              <a:round/>
+              <a:headEnd type="none" w="med" len="med"/>
+              <a:tailEnd type="none" w="med" len="med"/>
+            </a:ln>
+          </p:spPr>
+          <p:style>
+            <a:lnRef idx="0">
+              <a:scrgbClr r="0" g="0" b="0"/>
+            </a:lnRef>
+            <a:fillRef idx="0">
+              <a:scrgbClr r="0" g="0" b="0"/>
+            </a:fillRef>
+            <a:effectRef idx="0">
+              <a:scrgbClr r="0" g="0" b="0"/>
+            </a:effectRef>
+            <a:fontRef idx="minor">
+              <a:schemeClr val="tx1"/>
+            </a:fontRef>
+          </p:style>
+        </p:cxnSp>
+        <p:cxnSp>
+          <p:nvCxnSpPr>
+            <p:cNvPr id="37" name="Straight Connector 36">
+              <a:extLst>
+                <a:ext uri="{FF2B5EF4-FFF2-40B4-BE49-F238E27FC236}">
+                  <a16:creationId xmlns:a16="http://schemas.microsoft.com/office/drawing/2014/main" id="{4F5C990C-F589-4360-9AB3-4E2532C8834E}"/>
+                </a:ext>
+              </a:extLst>
+            </p:cNvPr>
+            <p:cNvCxnSpPr>
+              <a:cxnSpLocks/>
+            </p:cNvCxnSpPr>
+            <p:nvPr/>
+          </p:nvCxnSpPr>
+          <p:spPr>
+            <a:xfrm>
+              <a:off x="3053591" y="977374"/>
+              <a:ext cx="0" cy="2061599"/>
+            </a:xfrm>
+            <a:prstGeom prst="line">
+              <a:avLst/>
+            </a:prstGeom>
+            <a:ln w="9525" cap="flat" cmpd="sng" algn="ctr">
+              <a:solidFill>
+                <a:schemeClr val="accent1"/>
+              </a:solidFill>
+              <a:prstDash val="dash"/>
+              <a:round/>
+              <a:headEnd type="none" w="med" len="med"/>
+              <a:tailEnd type="none" w="med" len="med"/>
+            </a:ln>
+          </p:spPr>
+          <p:style>
+            <a:lnRef idx="0">
+              <a:scrgbClr r="0" g="0" b="0"/>
+            </a:lnRef>
+            <a:fillRef idx="0">
+              <a:scrgbClr r="0" g="0" b="0"/>
+            </a:fillRef>
+            <a:effectRef idx="0">
+              <a:scrgbClr r="0" g="0" b="0"/>
+            </a:effectRef>
+            <a:fontRef idx="minor">
+              <a:schemeClr val="tx1"/>
+            </a:fontRef>
+          </p:style>
+        </p:cxnSp>
+        <p:sp>
+          <p:nvSpPr>
+            <p:cNvPr id="40" name="Rectangle 39">
+              <a:extLst>
+                <a:ext uri="{FF2B5EF4-FFF2-40B4-BE49-F238E27FC236}">
+                  <a16:creationId xmlns:a16="http://schemas.microsoft.com/office/drawing/2014/main" id="{6AE37E97-F302-47B4-985A-07033ED279C6}"/>
+                </a:ext>
+              </a:extLst>
+            </p:cNvPr>
+            <p:cNvSpPr/>
+            <p:nvPr/>
+          </p:nvSpPr>
+          <p:spPr>
+            <a:xfrm>
+              <a:off x="2076273" y="2852391"/>
+              <a:ext cx="973121" cy="179592"/>
+            </a:xfrm>
+            <a:prstGeom prst="rect">
+              <a:avLst/>
+            </a:prstGeom>
+          </p:spPr>
+          <p:style>
+            <a:lnRef idx="2">
+              <a:schemeClr val="accent3">
+                <a:shade val="50000"/>
+              </a:schemeClr>
+            </a:lnRef>
+            <a:fillRef idx="1">
+              <a:schemeClr val="accent3"/>
+            </a:fillRef>
+            <a:effectRef idx="0">
+              <a:schemeClr val="accent3"/>
+            </a:effectRef>
+            <a:fontRef idx="minor">
+              <a:schemeClr val="lt1"/>
+            </a:fontRef>
+          </p:style>
+          <p:txBody>
+            <a:bodyPr rtlCol="0" anchor="ctr"/>
+            <a:lstStyle/>
+            <a:p>
+              <a:pPr algn="ctr"/>
+              <a:r>
+                <a:rPr lang="en-US" sz="900" dirty="0"/>
+                <a:t>Guard Band</a:t>
+              </a:r>
+            </a:p>
+          </p:txBody>
+        </p:sp>
+        <p:sp>
+          <p:nvSpPr>
+            <p:cNvPr id="42" name="Rectangle 41">
+              <a:extLst>
+                <a:ext uri="{FF2B5EF4-FFF2-40B4-BE49-F238E27FC236}">
+                  <a16:creationId xmlns:a16="http://schemas.microsoft.com/office/drawing/2014/main" id="{216016B4-59F1-48D5-99BF-97F2A9A1FEEF}"/>
+                </a:ext>
+              </a:extLst>
+            </p:cNvPr>
+            <p:cNvSpPr/>
+            <p:nvPr/>
+          </p:nvSpPr>
+          <p:spPr>
+            <a:xfrm>
+              <a:off x="3053591" y="2850220"/>
+              <a:ext cx="973121" cy="185957"/>
+            </a:xfrm>
+            <a:prstGeom prst="rect">
+              <a:avLst/>
+            </a:prstGeom>
+          </p:spPr>
+          <p:style>
+            <a:lnRef idx="2">
+              <a:schemeClr val="accent2">
+                <a:shade val="50000"/>
+              </a:schemeClr>
+            </a:lnRef>
+            <a:fillRef idx="1">
+              <a:schemeClr val="accent2"/>
+            </a:fillRef>
+            <a:effectRef idx="0">
+              <a:schemeClr val="accent2"/>
+            </a:effectRef>
+            <a:fontRef idx="minor">
+              <a:schemeClr val="lt1"/>
+            </a:fontRef>
+          </p:style>
+          <p:txBody>
+            <a:bodyPr rtlCol="0" anchor="ctr"/>
+            <a:lstStyle/>
+            <a:p>
+              <a:pPr algn="ctr"/>
+              <a:endParaRPr lang="en-US"/>
+            </a:p>
+          </p:txBody>
+        </p:sp>
+        <p:cxnSp>
+          <p:nvCxnSpPr>
+            <p:cNvPr id="43" name="Straight Connector 42">
+              <a:extLst>
+                <a:ext uri="{FF2B5EF4-FFF2-40B4-BE49-F238E27FC236}">
+                  <a16:creationId xmlns:a16="http://schemas.microsoft.com/office/drawing/2014/main" id="{C0884B1F-9032-4B43-BD0A-B68DD2AD0001}"/>
+                </a:ext>
+              </a:extLst>
+            </p:cNvPr>
+            <p:cNvCxnSpPr>
+              <a:cxnSpLocks/>
+            </p:cNvCxnSpPr>
+            <p:nvPr/>
+          </p:nvCxnSpPr>
+          <p:spPr>
+            <a:xfrm>
+              <a:off x="4036502" y="1020717"/>
+              <a:ext cx="0" cy="2061599"/>
+            </a:xfrm>
+            <a:prstGeom prst="line">
+              <a:avLst/>
+            </a:prstGeom>
+            <a:ln w="9525" cap="flat" cmpd="sng" algn="ctr">
+              <a:solidFill>
+                <a:schemeClr val="accent1"/>
+              </a:solidFill>
+              <a:prstDash val="dash"/>
+              <a:round/>
+              <a:headEnd type="none" w="med" len="med"/>
+              <a:tailEnd type="none" w="med" len="med"/>
+            </a:ln>
+          </p:spPr>
+          <p:style>
+            <a:lnRef idx="0">
+              <a:scrgbClr r="0" g="0" b="0"/>
+            </a:lnRef>
+            <a:fillRef idx="0">
+              <a:scrgbClr r="0" g="0" b="0"/>
+            </a:fillRef>
+            <a:effectRef idx="0">
+              <a:scrgbClr r="0" g="0" b="0"/>
+            </a:effectRef>
+            <a:fontRef idx="minor">
+              <a:schemeClr val="tx1"/>
+            </a:fontRef>
+          </p:style>
+        </p:cxnSp>
+        <p:sp>
+          <p:nvSpPr>
+            <p:cNvPr id="44" name="Rectangle 43">
+              <a:extLst>
+                <a:ext uri="{FF2B5EF4-FFF2-40B4-BE49-F238E27FC236}">
+                  <a16:creationId xmlns:a16="http://schemas.microsoft.com/office/drawing/2014/main" id="{BE5D4E2F-B50D-4865-A721-30E2FA42D517}"/>
+                </a:ext>
+              </a:extLst>
+            </p:cNvPr>
+            <p:cNvSpPr/>
+            <p:nvPr/>
+          </p:nvSpPr>
+          <p:spPr>
+            <a:xfrm>
+              <a:off x="4038672" y="2852391"/>
+              <a:ext cx="973121" cy="178962"/>
+            </a:xfrm>
+            <a:prstGeom prst="rect">
+              <a:avLst/>
+            </a:prstGeom>
+          </p:spPr>
+          <p:style>
+            <a:lnRef idx="2">
+              <a:schemeClr val="accent1">
+                <a:shade val="50000"/>
+              </a:schemeClr>
+            </a:lnRef>
+            <a:fillRef idx="1">
+              <a:schemeClr val="accent1"/>
+            </a:fillRef>
+            <a:effectRef idx="0">
+              <a:schemeClr val="accent1"/>
+            </a:effectRef>
+            <a:fontRef idx="minor">
+              <a:schemeClr val="lt1"/>
+            </a:fontRef>
+          </p:style>
+          <p:txBody>
+            <a:bodyPr rtlCol="0" anchor="ctr"/>
+            <a:lstStyle/>
+            <a:p>
+              <a:pPr algn="ctr"/>
+              <a:endParaRPr lang="en-US"/>
+            </a:p>
+          </p:txBody>
+        </p:sp>
+        <p:sp>
+          <p:nvSpPr>
+            <p:cNvPr id="45" name="Rectangle 44">
+              <a:extLst>
+                <a:ext uri="{FF2B5EF4-FFF2-40B4-BE49-F238E27FC236}">
+                  <a16:creationId xmlns:a16="http://schemas.microsoft.com/office/drawing/2014/main" id="{8975170F-4E0A-4442-8683-69C6C88EBDCA}"/>
+                </a:ext>
+              </a:extLst>
+            </p:cNvPr>
+            <p:cNvSpPr/>
+            <p:nvPr/>
+          </p:nvSpPr>
+          <p:spPr>
+            <a:xfrm>
+              <a:off x="5024441" y="2851619"/>
+              <a:ext cx="973121" cy="185957"/>
+            </a:xfrm>
+            <a:prstGeom prst="rect">
+              <a:avLst/>
+            </a:prstGeom>
+          </p:spPr>
+          <p:style>
+            <a:lnRef idx="2">
+              <a:schemeClr val="accent6">
+                <a:shade val="50000"/>
+              </a:schemeClr>
+            </a:lnRef>
+            <a:fillRef idx="1">
+              <a:schemeClr val="accent6"/>
+            </a:fillRef>
+            <a:effectRef idx="0">
+              <a:schemeClr val="accent6"/>
+            </a:effectRef>
+            <a:fontRef idx="minor">
+              <a:schemeClr val="lt1"/>
+            </a:fontRef>
+          </p:style>
+          <p:txBody>
+            <a:bodyPr rtlCol="0" anchor="ctr"/>
+            <a:lstStyle/>
+            <a:p>
+              <a:pPr algn="ctr"/>
+              <a:endParaRPr lang="en-US"/>
+            </a:p>
+          </p:txBody>
+        </p:sp>
+        <p:cxnSp>
+          <p:nvCxnSpPr>
+            <p:cNvPr id="46" name="Straight Connector 45">
+              <a:extLst>
+                <a:ext uri="{FF2B5EF4-FFF2-40B4-BE49-F238E27FC236}">
+                  <a16:creationId xmlns:a16="http://schemas.microsoft.com/office/drawing/2014/main" id="{80962A85-8539-4529-93B4-B723E93DFB0E}"/>
+                </a:ext>
+              </a:extLst>
+            </p:cNvPr>
+            <p:cNvCxnSpPr>
+              <a:cxnSpLocks/>
+            </p:cNvCxnSpPr>
+            <p:nvPr/>
+          </p:nvCxnSpPr>
+          <p:spPr>
+            <a:xfrm>
+              <a:off x="5027802" y="988559"/>
+              <a:ext cx="0" cy="2061599"/>
+            </a:xfrm>
+            <a:prstGeom prst="line">
+              <a:avLst/>
+            </a:prstGeom>
+            <a:ln w="9525" cap="flat" cmpd="sng" algn="ctr">
+              <a:solidFill>
+                <a:schemeClr val="accent1"/>
+              </a:solidFill>
+              <a:prstDash val="dash"/>
+              <a:round/>
+              <a:headEnd type="none" w="med" len="med"/>
+              <a:tailEnd type="none" w="med" len="med"/>
+            </a:ln>
+          </p:spPr>
+          <p:style>
+            <a:lnRef idx="0">
+              <a:scrgbClr r="0" g="0" b="0"/>
+            </a:lnRef>
+            <a:fillRef idx="0">
+              <a:scrgbClr r="0" g="0" b="0"/>
+            </a:fillRef>
+            <a:effectRef idx="0">
+              <a:scrgbClr r="0" g="0" b="0"/>
+            </a:effectRef>
+            <a:fontRef idx="minor">
+              <a:schemeClr val="tx1"/>
+            </a:fontRef>
+          </p:style>
+        </p:cxnSp>
+        <p:cxnSp>
+          <p:nvCxnSpPr>
+            <p:cNvPr id="48" name="Straight Connector 47">
+              <a:extLst>
+                <a:ext uri="{FF2B5EF4-FFF2-40B4-BE49-F238E27FC236}">
+                  <a16:creationId xmlns:a16="http://schemas.microsoft.com/office/drawing/2014/main" id="{399C83DB-6B8F-4CEC-A91A-DDCA985E1D78}"/>
+                </a:ext>
+              </a:extLst>
+            </p:cNvPr>
+            <p:cNvCxnSpPr>
+              <a:cxnSpLocks/>
+            </p:cNvCxnSpPr>
+            <p:nvPr/>
+          </p:nvCxnSpPr>
+          <p:spPr>
+            <a:xfrm flipV="1">
+              <a:off x="2053203" y="1321329"/>
+              <a:ext cx="1005982" cy="7567"/>
+            </a:xfrm>
+            <a:prstGeom prst="line">
+              <a:avLst/>
+            </a:prstGeom>
+          </p:spPr>
+          <p:style>
+            <a:lnRef idx="2">
+              <a:schemeClr val="accent1"/>
+            </a:lnRef>
+            <a:fillRef idx="0">
+              <a:schemeClr val="accent1"/>
+            </a:fillRef>
+            <a:effectRef idx="1">
+              <a:schemeClr val="accent1"/>
+            </a:effectRef>
+            <a:fontRef idx="minor">
+              <a:schemeClr val="tx1"/>
+            </a:fontRef>
+          </p:style>
+        </p:cxnSp>
+        <p:cxnSp>
+          <p:nvCxnSpPr>
+            <p:cNvPr id="51" name="Straight Connector 50">
+              <a:extLst>
+                <a:ext uri="{FF2B5EF4-FFF2-40B4-BE49-F238E27FC236}">
+                  <a16:creationId xmlns:a16="http://schemas.microsoft.com/office/drawing/2014/main" id="{BF53DB64-4E6C-4773-8DD8-14E52E7C9AA5}"/>
+                </a:ext>
+              </a:extLst>
+            </p:cNvPr>
+            <p:cNvCxnSpPr>
+              <a:cxnSpLocks/>
+            </p:cNvCxnSpPr>
+            <p:nvPr/>
+          </p:nvCxnSpPr>
+          <p:spPr>
+            <a:xfrm>
+              <a:off x="4026712" y="1323297"/>
+              <a:ext cx="994874" cy="186902"/>
+            </a:xfrm>
+            <a:prstGeom prst="line">
+              <a:avLst/>
+            </a:prstGeom>
+          </p:spPr>
+          <p:style>
+            <a:lnRef idx="2">
+              <a:schemeClr val="accent1"/>
+            </a:lnRef>
+            <a:fillRef idx="0">
+              <a:schemeClr val="accent1"/>
+            </a:fillRef>
+            <a:effectRef idx="1">
+              <a:schemeClr val="accent1"/>
+            </a:effectRef>
+            <a:fontRef idx="minor">
+              <a:schemeClr val="tx1"/>
+            </a:fontRef>
+          </p:style>
+        </p:cxnSp>
+        <p:cxnSp>
+          <p:nvCxnSpPr>
+            <p:cNvPr id="88" name="Straight Connector 87">
+              <a:extLst>
+                <a:ext uri="{FF2B5EF4-FFF2-40B4-BE49-F238E27FC236}">
+                  <a16:creationId xmlns:a16="http://schemas.microsoft.com/office/drawing/2014/main" id="{3D871D16-D010-428F-9264-73BBDA7A0D92}"/>
+                </a:ext>
+              </a:extLst>
+            </p:cNvPr>
+            <p:cNvCxnSpPr/>
+            <p:nvPr/>
+          </p:nvCxnSpPr>
+          <p:spPr>
+            <a:xfrm>
+              <a:off x="3049775" y="1320916"/>
+              <a:ext cx="980116" cy="0"/>
+            </a:xfrm>
+            <a:prstGeom prst="line">
+              <a:avLst/>
+            </a:prstGeom>
+          </p:spPr>
+          <p:style>
+            <a:lnRef idx="2">
+              <a:schemeClr val="accent1"/>
+            </a:lnRef>
+            <a:fillRef idx="0">
+              <a:schemeClr val="accent1"/>
+            </a:fillRef>
+            <a:effectRef idx="1">
+              <a:schemeClr val="accent1"/>
+            </a:effectRef>
+            <a:fontRef idx="minor">
+              <a:schemeClr val="tx1"/>
+            </a:fontRef>
+          </p:style>
+        </p:cxnSp>
+        <p:sp>
+          <p:nvSpPr>
+            <p:cNvPr id="120" name="TextBox 119">
+              <a:extLst>
+                <a:ext uri="{FF2B5EF4-FFF2-40B4-BE49-F238E27FC236}">
+                  <a16:creationId xmlns:a16="http://schemas.microsoft.com/office/drawing/2014/main" id="{F2E383BF-C603-4DF4-A5A1-1533B068A96E}"/>
+                </a:ext>
+              </a:extLst>
+            </p:cNvPr>
+            <p:cNvSpPr txBox="1"/>
+            <p:nvPr/>
+          </p:nvSpPr>
+          <p:spPr>
+            <a:xfrm rot="738514">
+              <a:off x="4198465" y="1208355"/>
+              <a:ext cx="668773" cy="230832"/>
+            </a:xfrm>
+            <a:prstGeom prst="rect">
+              <a:avLst/>
+            </a:prstGeom>
+            <a:noFill/>
+          </p:spPr>
+          <p:txBody>
+            <a:bodyPr wrap="none" rtlCol="0">
+              <a:spAutoFit/>
+            </a:bodyPr>
+            <a:lstStyle/>
+            <a:p>
+              <a:r>
+                <a:rPr lang="en-US" sz="900" dirty="0" err="1"/>
+                <a:t>sendSlope</a:t>
+              </a:r>
+              <a:endParaRPr lang="en-US" sz="900" dirty="0"/>
+            </a:p>
+          </p:txBody>
+        </p:sp>
+        <p:cxnSp>
+          <p:nvCxnSpPr>
+            <p:cNvPr id="122" name="Straight Connector 121">
+              <a:extLst>
+                <a:ext uri="{FF2B5EF4-FFF2-40B4-BE49-F238E27FC236}">
+                  <a16:creationId xmlns:a16="http://schemas.microsoft.com/office/drawing/2014/main" id="{D8D568FB-B7D4-40F6-A42B-ECB79D3CDEB4}"/>
+                </a:ext>
+              </a:extLst>
+            </p:cNvPr>
+            <p:cNvCxnSpPr>
+              <a:cxnSpLocks/>
+            </p:cNvCxnSpPr>
+            <p:nvPr/>
+          </p:nvCxnSpPr>
+          <p:spPr>
+            <a:xfrm flipV="1">
+              <a:off x="2276213" y="1785516"/>
+              <a:ext cx="0" cy="554026"/>
+            </a:xfrm>
+            <a:prstGeom prst="line">
+              <a:avLst/>
+            </a:prstGeom>
+            <a:ln w="9525" cap="flat" cmpd="sng" algn="ctr">
+              <a:solidFill>
+                <a:schemeClr val="accent6"/>
+              </a:solidFill>
+              <a:prstDash val="dash"/>
+              <a:round/>
+              <a:headEnd type="none" w="med" len="med"/>
+              <a:tailEnd type="none" w="med" len="med"/>
+            </a:ln>
+          </p:spPr>
+          <p:style>
+            <a:lnRef idx="0">
+              <a:scrgbClr r="0" g="0" b="0"/>
+            </a:lnRef>
+            <a:fillRef idx="0">
+              <a:scrgbClr r="0" g="0" b="0"/>
+            </a:fillRef>
+            <a:effectRef idx="0">
+              <a:scrgbClr r="0" g="0" b="0"/>
+            </a:effectRef>
+            <a:fontRef idx="minor">
+              <a:schemeClr val="tx1"/>
+            </a:fontRef>
+          </p:style>
+        </p:cxnSp>
+        <p:cxnSp>
+          <p:nvCxnSpPr>
+            <p:cNvPr id="131" name="Straight Connector 130">
+              <a:extLst>
+                <a:ext uri="{FF2B5EF4-FFF2-40B4-BE49-F238E27FC236}">
+                  <a16:creationId xmlns:a16="http://schemas.microsoft.com/office/drawing/2014/main" id="{E5AF9C10-A6AC-4AB4-AAC6-3CB78BA210B9}"/>
+                </a:ext>
+              </a:extLst>
+            </p:cNvPr>
+            <p:cNvCxnSpPr/>
+            <p:nvPr/>
+          </p:nvCxnSpPr>
+          <p:spPr>
+            <a:xfrm>
+              <a:off x="3053591" y="1999784"/>
+              <a:ext cx="989903" cy="0"/>
+            </a:xfrm>
+            <a:prstGeom prst="line">
+              <a:avLst/>
+            </a:prstGeom>
+          </p:spPr>
+          <p:style>
+            <a:lnRef idx="2">
+              <a:schemeClr val="accent6"/>
+            </a:lnRef>
+            <a:fillRef idx="0">
+              <a:schemeClr val="accent6"/>
+            </a:fillRef>
+            <a:effectRef idx="1">
+              <a:schemeClr val="accent6"/>
+            </a:effectRef>
+            <a:fontRef idx="minor">
+              <a:schemeClr val="tx1"/>
+            </a:fontRef>
+          </p:style>
+        </p:cxnSp>
+        <p:cxnSp>
+          <p:nvCxnSpPr>
+            <p:cNvPr id="133" name="Straight Connector 132">
+              <a:extLst>
+                <a:ext uri="{FF2B5EF4-FFF2-40B4-BE49-F238E27FC236}">
+                  <a16:creationId xmlns:a16="http://schemas.microsoft.com/office/drawing/2014/main" id="{4D66AB3E-6E54-4950-9B64-F8C0DF142F2E}"/>
+                </a:ext>
+              </a:extLst>
+            </p:cNvPr>
+            <p:cNvCxnSpPr/>
+            <p:nvPr/>
+          </p:nvCxnSpPr>
+          <p:spPr>
+            <a:xfrm flipV="1">
+              <a:off x="4043494" y="1885484"/>
+              <a:ext cx="991298" cy="114300"/>
+            </a:xfrm>
+            <a:prstGeom prst="line">
+              <a:avLst/>
+            </a:prstGeom>
+          </p:spPr>
+          <p:style>
+            <a:lnRef idx="2">
+              <a:schemeClr val="accent6"/>
+            </a:lnRef>
+            <a:fillRef idx="0">
+              <a:schemeClr val="accent6"/>
+            </a:fillRef>
+            <a:effectRef idx="1">
+              <a:schemeClr val="accent6"/>
+            </a:effectRef>
+            <a:fontRef idx="minor">
+              <a:schemeClr val="tx1"/>
+            </a:fontRef>
+          </p:style>
+        </p:cxnSp>
+        <p:cxnSp>
+          <p:nvCxnSpPr>
+            <p:cNvPr id="135" name="Straight Connector 134">
+              <a:extLst>
+                <a:ext uri="{FF2B5EF4-FFF2-40B4-BE49-F238E27FC236}">
+                  <a16:creationId xmlns:a16="http://schemas.microsoft.com/office/drawing/2014/main" id="{180746A2-AA25-4AB8-A8A1-E192794F656C}"/>
+                </a:ext>
+              </a:extLst>
+            </p:cNvPr>
+            <p:cNvCxnSpPr>
+              <a:cxnSpLocks/>
+            </p:cNvCxnSpPr>
+            <p:nvPr/>
+          </p:nvCxnSpPr>
+          <p:spPr>
+            <a:xfrm>
+              <a:off x="5027802" y="1885484"/>
+              <a:ext cx="980111" cy="148205"/>
+            </a:xfrm>
+            <a:prstGeom prst="line">
+              <a:avLst/>
+            </a:prstGeom>
+          </p:spPr>
+          <p:style>
+            <a:lnRef idx="2">
+              <a:schemeClr val="accent6"/>
+            </a:lnRef>
+            <a:fillRef idx="0">
+              <a:schemeClr val="accent6"/>
+            </a:fillRef>
+            <a:effectRef idx="1">
+              <a:schemeClr val="accent6"/>
+            </a:effectRef>
+            <a:fontRef idx="minor">
+              <a:schemeClr val="tx1"/>
+            </a:fontRef>
+          </p:style>
+        </p:cxnSp>
+        <p:sp>
+          <p:nvSpPr>
+            <p:cNvPr id="145" name="Rectangle 144">
+              <a:extLst>
+                <a:ext uri="{FF2B5EF4-FFF2-40B4-BE49-F238E27FC236}">
+                  <a16:creationId xmlns:a16="http://schemas.microsoft.com/office/drawing/2014/main" id="{F1384AEE-F223-4072-B79A-D1EDC39F2D5B}"/>
+                </a:ext>
+              </a:extLst>
+            </p:cNvPr>
+            <p:cNvSpPr/>
+            <p:nvPr/>
+          </p:nvSpPr>
+          <p:spPr>
+            <a:xfrm>
+              <a:off x="6004363" y="2852391"/>
+              <a:ext cx="750814" cy="179592"/>
+            </a:xfrm>
+            <a:prstGeom prst="rect">
+              <a:avLst/>
+            </a:prstGeom>
+          </p:spPr>
+          <p:style>
+            <a:lnRef idx="2">
+              <a:schemeClr val="accent4">
+                <a:shade val="50000"/>
+              </a:schemeClr>
+            </a:lnRef>
+            <a:fillRef idx="1">
+              <a:schemeClr val="accent4"/>
+            </a:fillRef>
+            <a:effectRef idx="0">
+              <a:schemeClr val="accent4"/>
+            </a:effectRef>
+            <a:fontRef idx="minor">
+              <a:schemeClr val="lt1"/>
+            </a:fontRef>
+          </p:style>
+          <p:txBody>
+            <a:bodyPr rtlCol="0" anchor="ctr"/>
+            <a:lstStyle/>
+            <a:p>
+              <a:pPr algn="ctr"/>
+              <a:endParaRPr lang="en-US"/>
+            </a:p>
+          </p:txBody>
+        </p:sp>
+        <p:sp>
+          <p:nvSpPr>
+            <p:cNvPr id="146" name="TextBox 145">
+              <a:extLst>
+                <a:ext uri="{FF2B5EF4-FFF2-40B4-BE49-F238E27FC236}">
+                  <a16:creationId xmlns:a16="http://schemas.microsoft.com/office/drawing/2014/main" id="{BE9C4427-0D69-4646-9368-821C7CE5F1E8}"/>
+                </a:ext>
+              </a:extLst>
+            </p:cNvPr>
+            <p:cNvSpPr txBox="1"/>
+            <p:nvPr/>
+          </p:nvSpPr>
+          <p:spPr>
+            <a:xfrm>
+              <a:off x="789965" y="1313393"/>
+              <a:ext cx="598411" cy="430887"/>
+            </a:xfrm>
+            <a:prstGeom prst="rect">
+              <a:avLst/>
+            </a:prstGeom>
+            <a:noFill/>
+          </p:spPr>
+          <p:txBody>
+            <a:bodyPr wrap="square" rtlCol="0">
+              <a:spAutoFit/>
+            </a:bodyPr>
+            <a:lstStyle/>
+            <a:p>
+              <a:r>
+                <a:rPr lang="en-US" sz="1100" dirty="0"/>
+                <a:t>CBS Class A</a:t>
+              </a:r>
+            </a:p>
+          </p:txBody>
+        </p:sp>
+        <p:sp>
+          <p:nvSpPr>
+            <p:cNvPr id="149" name="TextBox 148">
+              <a:extLst>
+                <a:ext uri="{FF2B5EF4-FFF2-40B4-BE49-F238E27FC236}">
+                  <a16:creationId xmlns:a16="http://schemas.microsoft.com/office/drawing/2014/main" id="{60937A2C-3879-498D-AAEE-4D84D8E7E1FF}"/>
+                </a:ext>
+              </a:extLst>
+            </p:cNvPr>
+            <p:cNvSpPr txBox="1"/>
+            <p:nvPr/>
+          </p:nvSpPr>
+          <p:spPr>
+            <a:xfrm>
+              <a:off x="791363" y="1876854"/>
+              <a:ext cx="598411" cy="430887"/>
+            </a:xfrm>
+            <a:prstGeom prst="rect">
+              <a:avLst/>
+            </a:prstGeom>
+            <a:noFill/>
+          </p:spPr>
+          <p:txBody>
+            <a:bodyPr wrap="square" rtlCol="0">
+              <a:spAutoFit/>
+            </a:bodyPr>
+            <a:lstStyle/>
+            <a:p>
+              <a:r>
+                <a:rPr lang="en-US" sz="1100" dirty="0"/>
+                <a:t>CBS Class B</a:t>
+              </a:r>
+            </a:p>
+          </p:txBody>
+        </p:sp>
+        <p:sp>
+          <p:nvSpPr>
+            <p:cNvPr id="150" name="TextBox 149">
+              <a:extLst>
+                <a:ext uri="{FF2B5EF4-FFF2-40B4-BE49-F238E27FC236}">
+                  <a16:creationId xmlns:a16="http://schemas.microsoft.com/office/drawing/2014/main" id="{7F18FE8C-1F4F-4B79-9034-848F3AA16D58}"/>
+                </a:ext>
+              </a:extLst>
+            </p:cNvPr>
+            <p:cNvSpPr txBox="1"/>
+            <p:nvPr/>
+          </p:nvSpPr>
+          <p:spPr>
+            <a:xfrm>
+              <a:off x="812342" y="2346293"/>
+              <a:ext cx="566252" cy="430887"/>
+            </a:xfrm>
+            <a:prstGeom prst="rect">
+              <a:avLst/>
+            </a:prstGeom>
+            <a:noFill/>
+          </p:spPr>
+          <p:txBody>
+            <a:bodyPr wrap="square" rtlCol="0">
+              <a:spAutoFit/>
+            </a:bodyPr>
+            <a:lstStyle/>
+            <a:p>
+              <a:r>
+                <a:rPr lang="en-US" sz="1050" dirty="0"/>
+                <a:t>Best Effort</a:t>
+              </a:r>
+            </a:p>
+          </p:txBody>
+        </p:sp>
+        <p:sp>
+          <p:nvSpPr>
+            <p:cNvPr id="151" name="TextBox 150">
+              <a:extLst>
+                <a:ext uri="{FF2B5EF4-FFF2-40B4-BE49-F238E27FC236}">
+                  <a16:creationId xmlns:a16="http://schemas.microsoft.com/office/drawing/2014/main" id="{B8E1DA9A-7AF7-4C6E-86B2-55D584605679}"/>
+                </a:ext>
+              </a:extLst>
+            </p:cNvPr>
+            <p:cNvSpPr txBox="1"/>
+            <p:nvPr/>
+          </p:nvSpPr>
+          <p:spPr>
+            <a:xfrm>
+              <a:off x="821787" y="881985"/>
+              <a:ext cx="598411" cy="261610"/>
+            </a:xfrm>
+            <a:prstGeom prst="rect">
+              <a:avLst/>
+            </a:prstGeom>
+            <a:noFill/>
+          </p:spPr>
+          <p:txBody>
+            <a:bodyPr wrap="square" rtlCol="0">
+              <a:spAutoFit/>
+            </a:bodyPr>
+            <a:lstStyle/>
+            <a:p>
+              <a:r>
+                <a:rPr lang="en-US" sz="1100" dirty="0"/>
+                <a:t>TAS</a:t>
+              </a:r>
+            </a:p>
+          </p:txBody>
+        </p:sp>
+        <p:sp>
+          <p:nvSpPr>
+            <p:cNvPr id="152" name="TextBox 151">
+              <a:extLst>
+                <a:ext uri="{FF2B5EF4-FFF2-40B4-BE49-F238E27FC236}">
+                  <a16:creationId xmlns:a16="http://schemas.microsoft.com/office/drawing/2014/main" id="{E98EC128-E5E9-4B8D-9C2C-DFFA59DE7B18}"/>
+                </a:ext>
+              </a:extLst>
+            </p:cNvPr>
+            <p:cNvSpPr txBox="1"/>
+            <p:nvPr/>
+          </p:nvSpPr>
+          <p:spPr>
+            <a:xfrm>
+              <a:off x="809539" y="2648096"/>
+              <a:ext cx="598411" cy="430887"/>
+            </a:xfrm>
+            <a:prstGeom prst="rect">
+              <a:avLst/>
+            </a:prstGeom>
+            <a:noFill/>
+          </p:spPr>
+          <p:txBody>
+            <a:bodyPr wrap="square" rtlCol="0">
+              <a:spAutoFit/>
+            </a:bodyPr>
+            <a:lstStyle/>
+            <a:p>
+              <a:r>
+                <a:rPr lang="en-US" sz="1100" dirty="0"/>
+                <a:t>Output Port</a:t>
+              </a:r>
+            </a:p>
+          </p:txBody>
+        </p:sp>
+        <p:sp>
+          <p:nvSpPr>
+            <p:cNvPr id="155" name="Rectangle 154">
+              <a:extLst>
+                <a:ext uri="{FF2B5EF4-FFF2-40B4-BE49-F238E27FC236}">
+                  <a16:creationId xmlns:a16="http://schemas.microsoft.com/office/drawing/2014/main" id="{EA249E53-85FB-43CC-9399-18E5CE2262BE}"/>
+                </a:ext>
+              </a:extLst>
+            </p:cNvPr>
+            <p:cNvSpPr/>
+            <p:nvPr/>
+          </p:nvSpPr>
+          <p:spPr>
+            <a:xfrm>
+              <a:off x="7840331" y="986636"/>
+              <a:ext cx="973121" cy="185957"/>
+            </a:xfrm>
+            <a:prstGeom prst="rect">
+              <a:avLst/>
+            </a:prstGeom>
+          </p:spPr>
+          <p:style>
+            <a:lnRef idx="2">
+              <a:schemeClr val="accent2">
+                <a:shade val="50000"/>
+              </a:schemeClr>
+            </a:lnRef>
+            <a:fillRef idx="1">
+              <a:schemeClr val="accent2"/>
+            </a:fillRef>
+            <a:effectRef idx="0">
+              <a:schemeClr val="accent2"/>
+            </a:effectRef>
+            <a:fontRef idx="minor">
+              <a:schemeClr val="lt1"/>
+            </a:fontRef>
+          </p:style>
+          <p:txBody>
+            <a:bodyPr rtlCol="0" anchor="ctr"/>
+            <a:lstStyle/>
+            <a:p>
+              <a:pPr algn="ctr"/>
+              <a:endParaRPr lang="en-US"/>
+            </a:p>
+          </p:txBody>
+        </p:sp>
+        <p:sp>
+          <p:nvSpPr>
+            <p:cNvPr id="156" name="Rectangle 155">
+              <a:extLst>
+                <a:ext uri="{FF2B5EF4-FFF2-40B4-BE49-F238E27FC236}">
+                  <a16:creationId xmlns:a16="http://schemas.microsoft.com/office/drawing/2014/main" id="{448F13C2-DB62-4BB3-845A-AD3D44CFBACB}"/>
+                </a:ext>
+              </a:extLst>
+            </p:cNvPr>
+            <p:cNvSpPr/>
+            <p:nvPr/>
+          </p:nvSpPr>
+          <p:spPr>
+            <a:xfrm>
+              <a:off x="6860219" y="1602530"/>
+              <a:ext cx="973121" cy="185957"/>
+            </a:xfrm>
+            <a:prstGeom prst="rect">
+              <a:avLst/>
+            </a:prstGeom>
+          </p:spPr>
+          <p:style>
+            <a:lnRef idx="2">
+              <a:schemeClr val="accent1">
+                <a:shade val="50000"/>
+              </a:schemeClr>
+            </a:lnRef>
+            <a:fillRef idx="1">
+              <a:schemeClr val="accent1"/>
+            </a:fillRef>
+            <a:effectRef idx="0">
+              <a:schemeClr val="accent1"/>
+            </a:effectRef>
+            <a:fontRef idx="minor">
+              <a:schemeClr val="lt1"/>
+            </a:fontRef>
+          </p:style>
+          <p:txBody>
+            <a:bodyPr rtlCol="0" anchor="ctr"/>
+            <a:lstStyle/>
+            <a:p>
+              <a:pPr algn="ctr"/>
+              <a:endParaRPr lang="en-US"/>
+            </a:p>
+          </p:txBody>
+        </p:sp>
+        <p:sp>
+          <p:nvSpPr>
+            <p:cNvPr id="157" name="Rectangle 156">
+              <a:extLst>
+                <a:ext uri="{FF2B5EF4-FFF2-40B4-BE49-F238E27FC236}">
+                  <a16:creationId xmlns:a16="http://schemas.microsoft.com/office/drawing/2014/main" id="{18721B08-3346-4BDB-8BA8-572C71D0DDFA}"/>
+                </a:ext>
+              </a:extLst>
+            </p:cNvPr>
+            <p:cNvSpPr/>
+            <p:nvPr/>
+          </p:nvSpPr>
+          <p:spPr>
+            <a:xfrm>
+              <a:off x="7079731" y="2171585"/>
+              <a:ext cx="973121" cy="185957"/>
+            </a:xfrm>
+            <a:prstGeom prst="rect">
+              <a:avLst/>
+            </a:prstGeom>
+          </p:spPr>
+          <p:style>
+            <a:lnRef idx="2">
+              <a:schemeClr val="accent6">
+                <a:shade val="50000"/>
+              </a:schemeClr>
+            </a:lnRef>
+            <a:fillRef idx="1">
+              <a:schemeClr val="accent6"/>
+            </a:fillRef>
+            <a:effectRef idx="0">
+              <a:schemeClr val="accent6"/>
+            </a:effectRef>
+            <a:fontRef idx="minor">
+              <a:schemeClr val="lt1"/>
+            </a:fontRef>
+          </p:style>
+          <p:txBody>
+            <a:bodyPr rtlCol="0" anchor="ctr"/>
+            <a:lstStyle/>
+            <a:p>
+              <a:pPr algn="ctr"/>
+              <a:endParaRPr lang="en-US"/>
+            </a:p>
+          </p:txBody>
+        </p:sp>
+        <p:sp>
+          <p:nvSpPr>
+            <p:cNvPr id="158" name="Rectangle 157">
+              <a:extLst>
+                <a:ext uri="{FF2B5EF4-FFF2-40B4-BE49-F238E27FC236}">
+                  <a16:creationId xmlns:a16="http://schemas.microsoft.com/office/drawing/2014/main" id="{0C697FD7-EE4C-4702-A4D0-AF85FEBF7A91}"/>
+                </a:ext>
+              </a:extLst>
+            </p:cNvPr>
+            <p:cNvSpPr/>
+            <p:nvPr/>
+          </p:nvSpPr>
+          <p:spPr>
+            <a:xfrm>
+              <a:off x="7272676" y="2501552"/>
+              <a:ext cx="973121" cy="185957"/>
+            </a:xfrm>
+            <a:prstGeom prst="rect">
+              <a:avLst/>
+            </a:prstGeom>
+          </p:spPr>
+          <p:style>
+            <a:lnRef idx="2">
+              <a:schemeClr val="accent4">
+                <a:shade val="50000"/>
+              </a:schemeClr>
+            </a:lnRef>
+            <a:fillRef idx="1">
+              <a:schemeClr val="accent4"/>
+            </a:fillRef>
+            <a:effectRef idx="0">
+              <a:schemeClr val="accent4"/>
+            </a:effectRef>
+            <a:fontRef idx="minor">
+              <a:schemeClr val="lt1"/>
+            </a:fontRef>
+          </p:style>
+          <p:txBody>
+            <a:bodyPr rtlCol="0" anchor="ctr"/>
+            <a:lstStyle/>
+            <a:p>
+              <a:pPr algn="ctr"/>
+              <a:endParaRPr lang="en-US"/>
+            </a:p>
+          </p:txBody>
+        </p:sp>
+        <p:cxnSp>
+          <p:nvCxnSpPr>
+            <p:cNvPr id="159" name="Straight Connector 158">
+              <a:extLst>
+                <a:ext uri="{FF2B5EF4-FFF2-40B4-BE49-F238E27FC236}">
+                  <a16:creationId xmlns:a16="http://schemas.microsoft.com/office/drawing/2014/main" id="{7E7E509F-9FE1-4223-94C9-61748A80DD2A}"/>
+                </a:ext>
+              </a:extLst>
+            </p:cNvPr>
+            <p:cNvCxnSpPr>
+              <a:cxnSpLocks/>
+            </p:cNvCxnSpPr>
+            <p:nvPr/>
+          </p:nvCxnSpPr>
+          <p:spPr>
+            <a:xfrm>
+              <a:off x="6853228" y="986636"/>
+              <a:ext cx="0" cy="2061599"/>
+            </a:xfrm>
+            <a:prstGeom prst="line">
+              <a:avLst/>
+            </a:prstGeom>
+            <a:ln w="9525" cap="flat" cmpd="sng" algn="ctr">
+              <a:solidFill>
+                <a:schemeClr val="accent1"/>
+              </a:solidFill>
+              <a:prstDash val="dash"/>
+              <a:round/>
+              <a:headEnd type="none" w="med" len="med"/>
+              <a:tailEnd type="none" w="med" len="med"/>
+            </a:ln>
+          </p:spPr>
+          <p:style>
+            <a:lnRef idx="0">
+              <a:scrgbClr r="0" g="0" b="0"/>
+            </a:lnRef>
+            <a:fillRef idx="0">
+              <a:scrgbClr r="0" g="0" b="0"/>
+            </a:fillRef>
+            <a:effectRef idx="0">
+              <a:scrgbClr r="0" g="0" b="0"/>
+            </a:effectRef>
+            <a:fontRef idx="minor">
+              <a:schemeClr val="tx1"/>
+            </a:fontRef>
+          </p:style>
+        </p:cxnSp>
+        <p:cxnSp>
+          <p:nvCxnSpPr>
+            <p:cNvPr id="160" name="Straight Connector 159">
+              <a:extLst>
+                <a:ext uri="{FF2B5EF4-FFF2-40B4-BE49-F238E27FC236}">
+                  <a16:creationId xmlns:a16="http://schemas.microsoft.com/office/drawing/2014/main" id="{8599F672-CC3A-4510-87B0-D08CFD4EBBB4}"/>
+                </a:ext>
+              </a:extLst>
+            </p:cNvPr>
+            <p:cNvCxnSpPr>
+              <a:cxnSpLocks/>
+            </p:cNvCxnSpPr>
+            <p:nvPr/>
+          </p:nvCxnSpPr>
+          <p:spPr>
+            <a:xfrm>
+              <a:off x="7840331" y="986636"/>
+              <a:ext cx="0" cy="2061599"/>
+            </a:xfrm>
+            <a:prstGeom prst="line">
+              <a:avLst/>
+            </a:prstGeom>
+            <a:ln w="9525" cap="flat" cmpd="sng" algn="ctr">
+              <a:solidFill>
+                <a:schemeClr val="accent1"/>
+              </a:solidFill>
+              <a:prstDash val="dash"/>
+              <a:round/>
+              <a:headEnd type="none" w="med" len="med"/>
+              <a:tailEnd type="none" w="med" len="med"/>
+            </a:ln>
+          </p:spPr>
+          <p:style>
+            <a:lnRef idx="0">
+              <a:scrgbClr r="0" g="0" b="0"/>
+            </a:lnRef>
+            <a:fillRef idx="0">
+              <a:scrgbClr r="0" g="0" b="0"/>
+            </a:fillRef>
+            <a:effectRef idx="0">
+              <a:scrgbClr r="0" g="0" b="0"/>
+            </a:effectRef>
+            <a:fontRef idx="minor">
+              <a:schemeClr val="tx1"/>
+            </a:fontRef>
+          </p:style>
+        </p:cxnSp>
+        <p:sp>
+          <p:nvSpPr>
+            <p:cNvPr id="161" name="Rectangle 160">
+              <a:extLst>
+                <a:ext uri="{FF2B5EF4-FFF2-40B4-BE49-F238E27FC236}">
+                  <a16:creationId xmlns:a16="http://schemas.microsoft.com/office/drawing/2014/main" id="{EE69EA10-6285-4BA3-A095-59657A13B2F5}"/>
+                </a:ext>
+              </a:extLst>
+            </p:cNvPr>
+            <p:cNvSpPr/>
+            <p:nvPr/>
+          </p:nvSpPr>
+          <p:spPr>
+            <a:xfrm>
+              <a:off x="7699696" y="2860881"/>
+              <a:ext cx="136438" cy="184554"/>
+            </a:xfrm>
+            <a:prstGeom prst="rect">
+              <a:avLst/>
+            </a:prstGeom>
+          </p:spPr>
+          <p:style>
+            <a:lnRef idx="2">
+              <a:schemeClr val="dk1">
+                <a:shade val="50000"/>
+              </a:schemeClr>
+            </a:lnRef>
+            <a:fillRef idx="1">
+              <a:schemeClr val="dk1"/>
+            </a:fillRef>
+            <a:effectRef idx="0">
+              <a:schemeClr val="dk1"/>
+            </a:effectRef>
+            <a:fontRef idx="minor">
+              <a:schemeClr val="lt1"/>
+            </a:fontRef>
+          </p:style>
+          <p:txBody>
+            <a:bodyPr rtlCol="0" anchor="ctr"/>
+            <a:lstStyle/>
+            <a:p>
+              <a:pPr algn="ctr"/>
+              <a:endParaRPr lang="en-US" sz="900" dirty="0"/>
+            </a:p>
+          </p:txBody>
+        </p:sp>
+        <p:sp>
+          <p:nvSpPr>
+            <p:cNvPr id="162" name="Rectangle 161">
+              <a:extLst>
+                <a:ext uri="{FF2B5EF4-FFF2-40B4-BE49-F238E27FC236}">
+                  <a16:creationId xmlns:a16="http://schemas.microsoft.com/office/drawing/2014/main" id="{0FC1D394-AF69-4816-B311-06BF92878ECD}"/>
+                </a:ext>
+              </a:extLst>
+            </p:cNvPr>
+            <p:cNvSpPr/>
+            <p:nvPr/>
+          </p:nvSpPr>
+          <p:spPr>
+            <a:xfrm>
+              <a:off x="7840331" y="2860876"/>
+              <a:ext cx="979819" cy="184563"/>
+            </a:xfrm>
+            <a:prstGeom prst="rect">
+              <a:avLst/>
+            </a:prstGeom>
+          </p:spPr>
+          <p:style>
+            <a:lnRef idx="2">
+              <a:schemeClr val="accent2">
+                <a:shade val="50000"/>
+              </a:schemeClr>
+            </a:lnRef>
+            <a:fillRef idx="1">
+              <a:schemeClr val="accent2"/>
+            </a:fillRef>
+            <a:effectRef idx="0">
+              <a:schemeClr val="accent2"/>
+            </a:effectRef>
+            <a:fontRef idx="minor">
+              <a:schemeClr val="lt1"/>
+            </a:fontRef>
+          </p:style>
+          <p:txBody>
+            <a:bodyPr rtlCol="0" anchor="ctr"/>
+            <a:lstStyle/>
+            <a:p>
+              <a:pPr algn="ctr"/>
+              <a:endParaRPr lang="en-US"/>
+            </a:p>
+          </p:txBody>
+        </p:sp>
+        <p:cxnSp>
+          <p:nvCxnSpPr>
+            <p:cNvPr id="163" name="Straight Connector 162">
+              <a:extLst>
+                <a:ext uri="{FF2B5EF4-FFF2-40B4-BE49-F238E27FC236}">
+                  <a16:creationId xmlns:a16="http://schemas.microsoft.com/office/drawing/2014/main" id="{E26F4E76-E278-442E-B33E-6182EA46A23E}"/>
+                </a:ext>
+              </a:extLst>
+            </p:cNvPr>
+            <p:cNvCxnSpPr>
+              <a:cxnSpLocks/>
+            </p:cNvCxnSpPr>
+            <p:nvPr/>
+          </p:nvCxnSpPr>
+          <p:spPr>
+            <a:xfrm>
+              <a:off x="8823242" y="1029979"/>
+              <a:ext cx="0" cy="2061599"/>
+            </a:xfrm>
+            <a:prstGeom prst="line">
+              <a:avLst/>
+            </a:prstGeom>
+            <a:ln w="9525" cap="flat" cmpd="sng" algn="ctr">
+              <a:solidFill>
+                <a:schemeClr val="accent1"/>
+              </a:solidFill>
+              <a:prstDash val="dash"/>
+              <a:round/>
+              <a:headEnd type="none" w="med" len="med"/>
+              <a:tailEnd type="none" w="med" len="med"/>
+            </a:ln>
+          </p:spPr>
+          <p:style>
+            <a:lnRef idx="0">
+              <a:scrgbClr r="0" g="0" b="0"/>
+            </a:lnRef>
+            <a:fillRef idx="0">
+              <a:scrgbClr r="0" g="0" b="0"/>
+            </a:fillRef>
+            <a:effectRef idx="0">
+              <a:scrgbClr r="0" g="0" b="0"/>
+            </a:effectRef>
+            <a:fontRef idx="minor">
+              <a:schemeClr val="tx1"/>
+            </a:fontRef>
+          </p:style>
+        </p:cxnSp>
+        <p:sp>
+          <p:nvSpPr>
+            <p:cNvPr id="165" name="Rectangle 164">
+              <a:extLst>
+                <a:ext uri="{FF2B5EF4-FFF2-40B4-BE49-F238E27FC236}">
+                  <a16:creationId xmlns:a16="http://schemas.microsoft.com/office/drawing/2014/main" id="{014E3220-4E0B-4612-BA8F-0F4354E650B0}"/>
+                </a:ext>
+              </a:extLst>
+            </p:cNvPr>
+            <p:cNvSpPr/>
+            <p:nvPr/>
+          </p:nvSpPr>
+          <p:spPr>
+            <a:xfrm>
+              <a:off x="9128045" y="2860881"/>
+              <a:ext cx="973121" cy="185957"/>
+            </a:xfrm>
+            <a:prstGeom prst="rect">
+              <a:avLst/>
+            </a:prstGeom>
+          </p:spPr>
+          <p:style>
+            <a:lnRef idx="2">
+              <a:schemeClr val="accent6">
+                <a:shade val="50000"/>
+              </a:schemeClr>
+            </a:lnRef>
+            <a:fillRef idx="1">
+              <a:schemeClr val="accent6"/>
+            </a:fillRef>
+            <a:effectRef idx="0">
+              <a:schemeClr val="accent6"/>
+            </a:effectRef>
+            <a:fontRef idx="minor">
+              <a:schemeClr val="lt1"/>
+            </a:fontRef>
+          </p:style>
+          <p:txBody>
+            <a:bodyPr rtlCol="0" anchor="ctr"/>
+            <a:lstStyle/>
+            <a:p>
+              <a:pPr algn="ctr"/>
+              <a:endParaRPr lang="en-US"/>
+            </a:p>
+          </p:txBody>
+        </p:sp>
+        <p:cxnSp>
+          <p:nvCxnSpPr>
+            <p:cNvPr id="166" name="Straight Connector 165">
+              <a:extLst>
+                <a:ext uri="{FF2B5EF4-FFF2-40B4-BE49-F238E27FC236}">
+                  <a16:creationId xmlns:a16="http://schemas.microsoft.com/office/drawing/2014/main" id="{461A18D9-D938-48A2-9588-F876F0BEA06C}"/>
+                </a:ext>
+              </a:extLst>
+            </p:cNvPr>
+            <p:cNvCxnSpPr>
+              <a:cxnSpLocks/>
+            </p:cNvCxnSpPr>
+            <p:nvPr/>
+          </p:nvCxnSpPr>
+          <p:spPr>
+            <a:xfrm>
+              <a:off x="10099768" y="997821"/>
+              <a:ext cx="0" cy="2061599"/>
+            </a:xfrm>
+            <a:prstGeom prst="line">
+              <a:avLst/>
+            </a:prstGeom>
+            <a:ln w="9525" cap="flat" cmpd="sng" algn="ctr">
+              <a:solidFill>
+                <a:schemeClr val="accent1"/>
+              </a:solidFill>
+              <a:prstDash val="dash"/>
+              <a:round/>
+              <a:headEnd type="none" w="med" len="med"/>
+              <a:tailEnd type="none" w="med" len="med"/>
+            </a:ln>
+          </p:spPr>
+          <p:style>
+            <a:lnRef idx="0">
+              <a:scrgbClr r="0" g="0" b="0"/>
+            </a:lnRef>
+            <a:fillRef idx="0">
+              <a:scrgbClr r="0" g="0" b="0"/>
+            </a:fillRef>
+            <a:effectRef idx="0">
+              <a:scrgbClr r="0" g="0" b="0"/>
+            </a:effectRef>
+            <a:fontRef idx="minor">
+              <a:schemeClr val="tx1"/>
+            </a:fontRef>
+          </p:style>
+        </p:cxnSp>
+        <p:cxnSp>
+          <p:nvCxnSpPr>
+            <p:cNvPr id="172" name="Straight Connector 171">
+              <a:extLst>
+                <a:ext uri="{FF2B5EF4-FFF2-40B4-BE49-F238E27FC236}">
+                  <a16:creationId xmlns:a16="http://schemas.microsoft.com/office/drawing/2014/main" id="{BDE883B8-BA9D-4DD4-9980-4D9D9B6CD45C}"/>
+                </a:ext>
+              </a:extLst>
+            </p:cNvPr>
+            <p:cNvCxnSpPr>
+              <a:cxnSpLocks/>
+            </p:cNvCxnSpPr>
+            <p:nvPr/>
+          </p:nvCxnSpPr>
+          <p:spPr>
+            <a:xfrm flipV="1">
+              <a:off x="7062953" y="1794778"/>
+              <a:ext cx="0" cy="554026"/>
+            </a:xfrm>
+            <a:prstGeom prst="line">
+              <a:avLst/>
+            </a:prstGeom>
+            <a:ln w="9525" cap="flat" cmpd="sng" algn="ctr">
+              <a:solidFill>
+                <a:schemeClr val="accent6"/>
+              </a:solidFill>
+              <a:prstDash val="dash"/>
+              <a:round/>
+              <a:headEnd type="none" w="med" len="med"/>
+              <a:tailEnd type="none" w="med" len="med"/>
+            </a:ln>
+          </p:spPr>
+          <p:style>
+            <a:lnRef idx="0">
+              <a:scrgbClr r="0" g="0" b="0"/>
+            </a:lnRef>
+            <a:fillRef idx="0">
+              <a:scrgbClr r="0" g="0" b="0"/>
+            </a:fillRef>
+            <a:effectRef idx="0">
+              <a:scrgbClr r="0" g="0" b="0"/>
+            </a:effectRef>
+            <a:fontRef idx="minor">
+              <a:schemeClr val="tx1"/>
+            </a:fontRef>
+          </p:style>
+        </p:cxnSp>
+        <p:cxnSp>
+          <p:nvCxnSpPr>
+            <p:cNvPr id="173" name="Straight Connector 172">
+              <a:extLst>
+                <a:ext uri="{FF2B5EF4-FFF2-40B4-BE49-F238E27FC236}">
+                  <a16:creationId xmlns:a16="http://schemas.microsoft.com/office/drawing/2014/main" id="{8244BE11-17B3-441E-A5C6-34F25B99F813}"/>
+                </a:ext>
+              </a:extLst>
+            </p:cNvPr>
+            <p:cNvCxnSpPr/>
+            <p:nvPr/>
+          </p:nvCxnSpPr>
+          <p:spPr>
+            <a:xfrm flipV="1">
+              <a:off x="7062953" y="2009046"/>
+              <a:ext cx="777378" cy="78647"/>
+            </a:xfrm>
+            <a:prstGeom prst="line">
+              <a:avLst/>
+            </a:prstGeom>
+          </p:spPr>
+          <p:style>
+            <a:lnRef idx="2">
+              <a:schemeClr val="accent6"/>
+            </a:lnRef>
+            <a:fillRef idx="0">
+              <a:schemeClr val="accent6"/>
+            </a:fillRef>
+            <a:effectRef idx="1">
+              <a:schemeClr val="accent6"/>
+            </a:effectRef>
+            <a:fontRef idx="minor">
+              <a:schemeClr val="tx1"/>
+            </a:fontRef>
+          </p:style>
+        </p:cxnSp>
+        <p:cxnSp>
+          <p:nvCxnSpPr>
+            <p:cNvPr id="174" name="Straight Connector 173">
+              <a:extLst>
+                <a:ext uri="{FF2B5EF4-FFF2-40B4-BE49-F238E27FC236}">
+                  <a16:creationId xmlns:a16="http://schemas.microsoft.com/office/drawing/2014/main" id="{E2C24401-CA4F-40C4-976B-3E2B8E1CF418}"/>
+                </a:ext>
+              </a:extLst>
+            </p:cNvPr>
+            <p:cNvCxnSpPr/>
+            <p:nvPr/>
+          </p:nvCxnSpPr>
+          <p:spPr>
+            <a:xfrm>
+              <a:off x="7840331" y="2009046"/>
+              <a:ext cx="989903" cy="0"/>
+            </a:xfrm>
+            <a:prstGeom prst="line">
+              <a:avLst/>
+            </a:prstGeom>
+          </p:spPr>
+          <p:style>
+            <a:lnRef idx="2">
+              <a:schemeClr val="accent6"/>
+            </a:lnRef>
+            <a:fillRef idx="0">
+              <a:schemeClr val="accent6"/>
+            </a:fillRef>
+            <a:effectRef idx="1">
+              <a:schemeClr val="accent6"/>
+            </a:effectRef>
+            <a:fontRef idx="minor">
+              <a:schemeClr val="tx1"/>
+            </a:fontRef>
+          </p:style>
+        </p:cxnSp>
+        <p:cxnSp>
+          <p:nvCxnSpPr>
+            <p:cNvPr id="175" name="Straight Connector 174">
+              <a:extLst>
+                <a:ext uri="{FF2B5EF4-FFF2-40B4-BE49-F238E27FC236}">
+                  <a16:creationId xmlns:a16="http://schemas.microsoft.com/office/drawing/2014/main" id="{D3A98F7F-8EED-40ED-862A-8FEB5FFD8227}"/>
+                </a:ext>
+              </a:extLst>
+            </p:cNvPr>
+            <p:cNvCxnSpPr>
+              <a:cxnSpLocks/>
+            </p:cNvCxnSpPr>
+            <p:nvPr/>
+          </p:nvCxnSpPr>
+          <p:spPr>
+            <a:xfrm flipV="1">
+              <a:off x="8830234" y="1963521"/>
+              <a:ext cx="297320" cy="45525"/>
+            </a:xfrm>
+            <a:prstGeom prst="line">
+              <a:avLst/>
+            </a:prstGeom>
+          </p:spPr>
+          <p:style>
+            <a:lnRef idx="2">
+              <a:schemeClr val="accent6"/>
+            </a:lnRef>
+            <a:fillRef idx="0">
+              <a:schemeClr val="accent6"/>
+            </a:fillRef>
+            <a:effectRef idx="1">
+              <a:schemeClr val="accent6"/>
+            </a:effectRef>
+            <a:fontRef idx="minor">
+              <a:schemeClr val="tx1"/>
+            </a:fontRef>
+          </p:style>
+        </p:cxnSp>
+        <p:cxnSp>
+          <p:nvCxnSpPr>
+            <p:cNvPr id="176" name="Straight Connector 175">
+              <a:extLst>
+                <a:ext uri="{FF2B5EF4-FFF2-40B4-BE49-F238E27FC236}">
+                  <a16:creationId xmlns:a16="http://schemas.microsoft.com/office/drawing/2014/main" id="{9C2C8F0A-02C2-46AD-A3D2-8992E1DAD187}"/>
+                </a:ext>
+              </a:extLst>
+            </p:cNvPr>
+            <p:cNvCxnSpPr>
+              <a:cxnSpLocks/>
+            </p:cNvCxnSpPr>
+            <p:nvPr/>
+          </p:nvCxnSpPr>
+          <p:spPr>
+            <a:xfrm>
+              <a:off x="9127554" y="1963521"/>
+              <a:ext cx="973612" cy="110980"/>
+            </a:xfrm>
+            <a:prstGeom prst="line">
+              <a:avLst/>
+            </a:prstGeom>
+          </p:spPr>
+          <p:style>
+            <a:lnRef idx="2">
+              <a:schemeClr val="accent6"/>
+            </a:lnRef>
+            <a:fillRef idx="0">
+              <a:schemeClr val="accent6"/>
+            </a:fillRef>
+            <a:effectRef idx="1">
+              <a:schemeClr val="accent6"/>
+            </a:effectRef>
+            <a:fontRef idx="minor">
+              <a:schemeClr val="tx1"/>
+            </a:fontRef>
+          </p:style>
+        </p:cxnSp>
+        <p:sp>
+          <p:nvSpPr>
+            <p:cNvPr id="177" name="Rectangle 176">
+              <a:extLst>
+                <a:ext uri="{FF2B5EF4-FFF2-40B4-BE49-F238E27FC236}">
+                  <a16:creationId xmlns:a16="http://schemas.microsoft.com/office/drawing/2014/main" id="{95488850-3CC3-410A-84F3-0C551A4BF8D9}"/>
+                </a:ext>
+              </a:extLst>
+            </p:cNvPr>
+            <p:cNvSpPr/>
+            <p:nvPr/>
+          </p:nvSpPr>
+          <p:spPr>
+            <a:xfrm>
+              <a:off x="10101166" y="2860881"/>
+              <a:ext cx="762829" cy="180363"/>
+            </a:xfrm>
+            <a:prstGeom prst="rect">
+              <a:avLst/>
+            </a:prstGeom>
+          </p:spPr>
+          <p:style>
+            <a:lnRef idx="2">
+              <a:schemeClr val="accent4">
+                <a:shade val="50000"/>
+              </a:schemeClr>
+            </a:lnRef>
+            <a:fillRef idx="1">
+              <a:schemeClr val="accent4"/>
+            </a:fillRef>
+            <a:effectRef idx="0">
+              <a:schemeClr val="accent4"/>
+            </a:effectRef>
+            <a:fontRef idx="minor">
+              <a:schemeClr val="lt1"/>
+            </a:fontRef>
+          </p:style>
+          <p:txBody>
+            <a:bodyPr rtlCol="0" anchor="ctr"/>
+            <a:lstStyle/>
+            <a:p>
+              <a:pPr algn="ctr"/>
+              <a:endParaRPr lang="en-US"/>
+            </a:p>
+          </p:txBody>
+        </p:sp>
+        <p:cxnSp>
+          <p:nvCxnSpPr>
+            <p:cNvPr id="182" name="Straight Connector 181">
+              <a:extLst>
+                <a:ext uri="{FF2B5EF4-FFF2-40B4-BE49-F238E27FC236}">
+                  <a16:creationId xmlns:a16="http://schemas.microsoft.com/office/drawing/2014/main" id="{183D171E-8C30-4CA0-93F8-6CA4B8B35893}"/>
+                </a:ext>
+              </a:extLst>
+            </p:cNvPr>
+            <p:cNvCxnSpPr>
+              <a:cxnSpLocks/>
+            </p:cNvCxnSpPr>
+            <p:nvPr/>
+          </p:nvCxnSpPr>
+          <p:spPr>
+            <a:xfrm>
+              <a:off x="6855204" y="1787089"/>
+              <a:ext cx="4360877" cy="0"/>
+            </a:xfrm>
+            <a:prstGeom prst="line">
+              <a:avLst/>
+            </a:prstGeom>
+          </p:spPr>
+          <p:style>
+            <a:lnRef idx="2">
+              <a:schemeClr val="dk1"/>
+            </a:lnRef>
+            <a:fillRef idx="0">
+              <a:schemeClr val="dk1"/>
+            </a:fillRef>
+            <a:effectRef idx="1">
+              <a:schemeClr val="dk1"/>
+            </a:effectRef>
+            <a:fontRef idx="minor">
+              <a:schemeClr val="tx1"/>
+            </a:fontRef>
+          </p:style>
+        </p:cxnSp>
+        <p:cxnSp>
+          <p:nvCxnSpPr>
+            <p:cNvPr id="187" name="Straight Connector 186">
+              <a:extLst>
+                <a:ext uri="{FF2B5EF4-FFF2-40B4-BE49-F238E27FC236}">
+                  <a16:creationId xmlns:a16="http://schemas.microsoft.com/office/drawing/2014/main" id="{5082303B-EBD5-43B3-9165-A1909EB2CDBB}"/>
+                </a:ext>
+              </a:extLst>
+            </p:cNvPr>
+            <p:cNvCxnSpPr>
+              <a:cxnSpLocks/>
+            </p:cNvCxnSpPr>
+            <p:nvPr/>
+          </p:nvCxnSpPr>
+          <p:spPr>
+            <a:xfrm>
+              <a:off x="6848213" y="1184479"/>
+              <a:ext cx="4360877" cy="0"/>
+            </a:xfrm>
+            <a:prstGeom prst="line">
+              <a:avLst/>
+            </a:prstGeom>
+          </p:spPr>
+          <p:style>
+            <a:lnRef idx="2">
+              <a:schemeClr val="dk1"/>
+            </a:lnRef>
+            <a:fillRef idx="0">
+              <a:schemeClr val="dk1"/>
+            </a:fillRef>
+            <a:effectRef idx="1">
+              <a:schemeClr val="dk1"/>
+            </a:effectRef>
+            <a:fontRef idx="minor">
+              <a:schemeClr val="tx1"/>
+            </a:fontRef>
+          </p:style>
+        </p:cxnSp>
+        <p:cxnSp>
+          <p:nvCxnSpPr>
+            <p:cNvPr id="188" name="Straight Connector 187">
+              <a:extLst>
+                <a:ext uri="{FF2B5EF4-FFF2-40B4-BE49-F238E27FC236}">
+                  <a16:creationId xmlns:a16="http://schemas.microsoft.com/office/drawing/2014/main" id="{48D49844-0A1E-421D-B1FA-CC6C07707F50}"/>
+                </a:ext>
+              </a:extLst>
+            </p:cNvPr>
+            <p:cNvCxnSpPr>
+              <a:cxnSpLocks/>
+            </p:cNvCxnSpPr>
+            <p:nvPr/>
+          </p:nvCxnSpPr>
+          <p:spPr>
+            <a:xfrm>
+              <a:off x="6863598" y="1517766"/>
+              <a:ext cx="4345492" cy="26215"/>
+            </a:xfrm>
+            <a:prstGeom prst="line">
+              <a:avLst/>
+            </a:prstGeom>
+          </p:spPr>
+          <p:style>
+            <a:lnRef idx="1">
+              <a:schemeClr val="dk1"/>
+            </a:lnRef>
+            <a:fillRef idx="0">
+              <a:schemeClr val="dk1"/>
+            </a:fillRef>
+            <a:effectRef idx="0">
+              <a:schemeClr val="dk1"/>
+            </a:effectRef>
+            <a:fontRef idx="minor">
+              <a:schemeClr val="tx1"/>
+            </a:fontRef>
+          </p:style>
+        </p:cxnSp>
+        <p:cxnSp>
+          <p:nvCxnSpPr>
+            <p:cNvPr id="190" name="Straight Connector 189">
+              <a:extLst>
+                <a:ext uri="{FF2B5EF4-FFF2-40B4-BE49-F238E27FC236}">
+                  <a16:creationId xmlns:a16="http://schemas.microsoft.com/office/drawing/2014/main" id="{62170FE5-64D7-4FA2-BB42-78372D026D9E}"/>
+                </a:ext>
+              </a:extLst>
+            </p:cNvPr>
+            <p:cNvCxnSpPr>
+              <a:cxnSpLocks/>
+            </p:cNvCxnSpPr>
+            <p:nvPr/>
+          </p:nvCxnSpPr>
+          <p:spPr>
+            <a:xfrm>
+              <a:off x="6856602" y="2358939"/>
+              <a:ext cx="4360877" cy="0"/>
+            </a:xfrm>
+            <a:prstGeom prst="line">
+              <a:avLst/>
+            </a:prstGeom>
+          </p:spPr>
+          <p:style>
+            <a:lnRef idx="2">
+              <a:schemeClr val="dk1"/>
+            </a:lnRef>
+            <a:fillRef idx="0">
+              <a:schemeClr val="dk1"/>
+            </a:fillRef>
+            <a:effectRef idx="1">
+              <a:schemeClr val="dk1"/>
+            </a:effectRef>
+            <a:fontRef idx="minor">
+              <a:schemeClr val="tx1"/>
+            </a:fontRef>
+          </p:style>
+        </p:cxnSp>
+        <p:cxnSp>
+          <p:nvCxnSpPr>
+            <p:cNvPr id="191" name="Straight Connector 190">
+              <a:extLst>
+                <a:ext uri="{FF2B5EF4-FFF2-40B4-BE49-F238E27FC236}">
+                  <a16:creationId xmlns:a16="http://schemas.microsoft.com/office/drawing/2014/main" id="{267746C8-0FDD-4E4A-A526-178C4B9D8CBF}"/>
+                </a:ext>
+              </a:extLst>
+            </p:cNvPr>
+            <p:cNvCxnSpPr>
+              <a:cxnSpLocks/>
+            </p:cNvCxnSpPr>
+            <p:nvPr/>
+          </p:nvCxnSpPr>
+          <p:spPr>
+            <a:xfrm>
+              <a:off x="6849611" y="2695897"/>
+              <a:ext cx="4360877" cy="0"/>
+            </a:xfrm>
+            <a:prstGeom prst="line">
+              <a:avLst/>
+            </a:prstGeom>
+          </p:spPr>
+          <p:style>
+            <a:lnRef idx="2">
+              <a:schemeClr val="dk1"/>
+            </a:lnRef>
+            <a:fillRef idx="0">
+              <a:schemeClr val="dk1"/>
+            </a:fillRef>
+            <a:effectRef idx="1">
+              <a:schemeClr val="dk1"/>
+            </a:effectRef>
+            <a:fontRef idx="minor">
+              <a:schemeClr val="tx1"/>
+            </a:fontRef>
+          </p:style>
+        </p:cxnSp>
+        <p:cxnSp>
+          <p:nvCxnSpPr>
+            <p:cNvPr id="192" name="Straight Connector 191">
+              <a:extLst>
+                <a:ext uri="{FF2B5EF4-FFF2-40B4-BE49-F238E27FC236}">
+                  <a16:creationId xmlns:a16="http://schemas.microsoft.com/office/drawing/2014/main" id="{ABDE8895-6E3A-4F79-95FF-3787F92BE5F2}"/>
+                </a:ext>
+              </a:extLst>
+            </p:cNvPr>
+            <p:cNvCxnSpPr>
+              <a:cxnSpLocks/>
+            </p:cNvCxnSpPr>
+            <p:nvPr/>
+          </p:nvCxnSpPr>
+          <p:spPr>
+            <a:xfrm>
+              <a:off x="6851009" y="3049633"/>
+              <a:ext cx="4767743" cy="0"/>
+            </a:xfrm>
+            <a:prstGeom prst="line">
+              <a:avLst/>
+            </a:prstGeom>
+          </p:spPr>
+          <p:style>
+            <a:lnRef idx="2">
+              <a:schemeClr val="dk1"/>
+            </a:lnRef>
+            <a:fillRef idx="0">
+              <a:schemeClr val="dk1"/>
+            </a:fillRef>
+            <a:effectRef idx="1">
+              <a:schemeClr val="dk1"/>
+            </a:effectRef>
+            <a:fontRef idx="minor">
+              <a:schemeClr val="tx1"/>
+            </a:fontRef>
+          </p:style>
+        </p:cxnSp>
+        <p:cxnSp>
+          <p:nvCxnSpPr>
+            <p:cNvPr id="194" name="Straight Connector 193">
+              <a:extLst>
+                <a:ext uri="{FF2B5EF4-FFF2-40B4-BE49-F238E27FC236}">
+                  <a16:creationId xmlns:a16="http://schemas.microsoft.com/office/drawing/2014/main" id="{0B68AA5D-1B79-4A57-8A64-10BFCB73A518}"/>
+                </a:ext>
+              </a:extLst>
+            </p:cNvPr>
+            <p:cNvCxnSpPr>
+              <a:cxnSpLocks/>
+            </p:cNvCxnSpPr>
+            <p:nvPr/>
+          </p:nvCxnSpPr>
+          <p:spPr>
+            <a:xfrm>
+              <a:off x="6848218" y="2098005"/>
+              <a:ext cx="4345492" cy="26215"/>
+            </a:xfrm>
+            <a:prstGeom prst="line">
+              <a:avLst/>
+            </a:prstGeom>
+          </p:spPr>
+          <p:style>
+            <a:lnRef idx="1">
+              <a:schemeClr val="dk1"/>
+            </a:lnRef>
+            <a:fillRef idx="0">
+              <a:schemeClr val="dk1"/>
+            </a:fillRef>
+            <a:effectRef idx="0">
+              <a:schemeClr val="dk1"/>
+            </a:effectRef>
+            <a:fontRef idx="minor">
+              <a:schemeClr val="tx1"/>
+            </a:fontRef>
+          </p:style>
+        </p:cxnSp>
+        <p:sp>
+          <p:nvSpPr>
+            <p:cNvPr id="195" name="TextBox 194">
+              <a:extLst>
+                <a:ext uri="{FF2B5EF4-FFF2-40B4-BE49-F238E27FC236}">
+                  <a16:creationId xmlns:a16="http://schemas.microsoft.com/office/drawing/2014/main" id="{0C95F1D7-E20B-4363-B27D-AD8FD30E8812}"/>
+                </a:ext>
+              </a:extLst>
+            </p:cNvPr>
+            <p:cNvSpPr txBox="1"/>
+            <p:nvPr/>
+          </p:nvSpPr>
+          <p:spPr>
+            <a:xfrm rot="21307164">
+              <a:off x="7180802" y="1836479"/>
+              <a:ext cx="617477" cy="230832"/>
+            </a:xfrm>
+            <a:prstGeom prst="rect">
+              <a:avLst/>
+            </a:prstGeom>
+            <a:noFill/>
+          </p:spPr>
+          <p:txBody>
+            <a:bodyPr wrap="none" rtlCol="0">
+              <a:spAutoFit/>
+            </a:bodyPr>
+            <a:lstStyle/>
+            <a:p>
+              <a:r>
+                <a:rPr lang="en-US" sz="900" dirty="0" err="1"/>
+                <a:t>idleSlope</a:t>
+              </a:r>
+              <a:endParaRPr lang="en-US" sz="900" dirty="0"/>
+            </a:p>
+          </p:txBody>
+        </p:sp>
+        <p:sp>
+          <p:nvSpPr>
+            <p:cNvPr id="196" name="TextBox 195">
+              <a:extLst>
+                <a:ext uri="{FF2B5EF4-FFF2-40B4-BE49-F238E27FC236}">
+                  <a16:creationId xmlns:a16="http://schemas.microsoft.com/office/drawing/2014/main" id="{8540F718-2D72-4547-8F9C-D5842272C4A2}"/>
+                </a:ext>
+              </a:extLst>
+            </p:cNvPr>
+            <p:cNvSpPr txBox="1"/>
+            <p:nvPr/>
+          </p:nvSpPr>
+          <p:spPr>
+            <a:xfrm rot="332920">
+              <a:off x="9366481" y="1836479"/>
+              <a:ext cx="686406" cy="230832"/>
+            </a:xfrm>
+            <a:prstGeom prst="rect">
+              <a:avLst/>
+            </a:prstGeom>
+            <a:noFill/>
+          </p:spPr>
+          <p:txBody>
+            <a:bodyPr wrap="square" rtlCol="0">
+              <a:spAutoFit/>
+            </a:bodyPr>
+            <a:lstStyle/>
+            <a:p>
+              <a:r>
+                <a:rPr lang="en-US" sz="900" dirty="0" err="1"/>
+                <a:t>sendSlope</a:t>
+              </a:r>
+              <a:endParaRPr lang="en-US" sz="900" dirty="0"/>
+            </a:p>
+          </p:txBody>
+        </p:sp>
+        <p:sp>
+          <p:nvSpPr>
+            <p:cNvPr id="197" name="TextBox 196">
+              <a:extLst>
+                <a:ext uri="{FF2B5EF4-FFF2-40B4-BE49-F238E27FC236}">
+                  <a16:creationId xmlns:a16="http://schemas.microsoft.com/office/drawing/2014/main" id="{65DFDD9D-C6E9-4D93-88ED-807C990F605C}"/>
+                </a:ext>
+              </a:extLst>
+            </p:cNvPr>
+            <p:cNvSpPr txBox="1"/>
+            <p:nvPr/>
+          </p:nvSpPr>
+          <p:spPr>
+            <a:xfrm rot="21316958">
+              <a:off x="4070706" y="1746223"/>
+              <a:ext cx="617477" cy="230832"/>
+            </a:xfrm>
+            <a:prstGeom prst="rect">
+              <a:avLst/>
+            </a:prstGeom>
+            <a:noFill/>
+          </p:spPr>
+          <p:txBody>
+            <a:bodyPr wrap="none" rtlCol="0">
+              <a:spAutoFit/>
+            </a:bodyPr>
+            <a:lstStyle/>
+            <a:p>
+              <a:r>
+                <a:rPr lang="en-US" sz="900" dirty="0" err="1"/>
+                <a:t>idleSlope</a:t>
+              </a:r>
+              <a:endParaRPr lang="en-US" sz="900" dirty="0"/>
+            </a:p>
+          </p:txBody>
+        </p:sp>
+        <p:sp>
+          <p:nvSpPr>
+            <p:cNvPr id="198" name="TextBox 197">
+              <a:extLst>
+                <a:ext uri="{FF2B5EF4-FFF2-40B4-BE49-F238E27FC236}">
+                  <a16:creationId xmlns:a16="http://schemas.microsoft.com/office/drawing/2014/main" id="{F525BAD8-AB53-4F0D-987D-B558917BFC5D}"/>
+                </a:ext>
+              </a:extLst>
+            </p:cNvPr>
+            <p:cNvSpPr txBox="1"/>
+            <p:nvPr/>
+          </p:nvSpPr>
+          <p:spPr>
+            <a:xfrm rot="469087">
+              <a:off x="5272529" y="1771089"/>
+              <a:ext cx="686406" cy="230832"/>
+            </a:xfrm>
+            <a:prstGeom prst="rect">
+              <a:avLst/>
+            </a:prstGeom>
+            <a:noFill/>
+          </p:spPr>
+          <p:txBody>
+            <a:bodyPr wrap="square" rtlCol="0">
+              <a:spAutoFit/>
+            </a:bodyPr>
+            <a:lstStyle/>
+            <a:p>
+              <a:r>
+                <a:rPr lang="en-US" sz="900" dirty="0" err="1"/>
+                <a:t>sendSlope</a:t>
+              </a:r>
+              <a:endParaRPr lang="en-US" sz="900" dirty="0"/>
+            </a:p>
+          </p:txBody>
+        </p:sp>
+        <p:cxnSp>
+          <p:nvCxnSpPr>
+            <p:cNvPr id="200" name="Straight Connector 199">
+              <a:extLst>
+                <a:ext uri="{FF2B5EF4-FFF2-40B4-BE49-F238E27FC236}">
+                  <a16:creationId xmlns:a16="http://schemas.microsoft.com/office/drawing/2014/main" id="{96D32AC1-3E6A-44BD-A68A-1A26C0533FDE}"/>
+                </a:ext>
+              </a:extLst>
+            </p:cNvPr>
+            <p:cNvCxnSpPr>
+              <a:cxnSpLocks/>
+            </p:cNvCxnSpPr>
+            <p:nvPr/>
+          </p:nvCxnSpPr>
+          <p:spPr>
+            <a:xfrm>
+              <a:off x="10872954" y="991529"/>
+              <a:ext cx="0" cy="2061599"/>
+            </a:xfrm>
+            <a:prstGeom prst="line">
+              <a:avLst/>
+            </a:prstGeom>
+            <a:ln w="9525" cap="flat" cmpd="sng" algn="ctr">
+              <a:solidFill>
+                <a:schemeClr val="accent1"/>
+              </a:solidFill>
+              <a:prstDash val="dash"/>
+              <a:round/>
+              <a:headEnd type="none" w="med" len="med"/>
+              <a:tailEnd type="none" w="med" len="med"/>
+            </a:ln>
+          </p:spPr>
+          <p:style>
+            <a:lnRef idx="0">
+              <a:scrgbClr r="0" g="0" b="0"/>
+            </a:lnRef>
+            <a:fillRef idx="0">
+              <a:scrgbClr r="0" g="0" b="0"/>
+            </a:fillRef>
+            <a:effectRef idx="0">
+              <a:scrgbClr r="0" g="0" b="0"/>
+            </a:effectRef>
+            <a:fontRef idx="minor">
+              <a:schemeClr val="tx1"/>
+            </a:fontRef>
+          </p:style>
+        </p:cxnSp>
+        <p:sp>
+          <p:nvSpPr>
+            <p:cNvPr id="201" name="Rectangle 200">
+              <a:extLst>
+                <a:ext uri="{FF2B5EF4-FFF2-40B4-BE49-F238E27FC236}">
+                  <a16:creationId xmlns:a16="http://schemas.microsoft.com/office/drawing/2014/main" id="{07D3EDBF-DAE4-44C4-A778-739F0232A08C}"/>
+                </a:ext>
+              </a:extLst>
+            </p:cNvPr>
+            <p:cNvSpPr/>
+            <p:nvPr/>
+          </p:nvSpPr>
+          <p:spPr>
+            <a:xfrm>
+              <a:off x="6860218" y="2863257"/>
+              <a:ext cx="843915" cy="178096"/>
+            </a:xfrm>
+            <a:prstGeom prst="rect">
+              <a:avLst/>
+            </a:prstGeom>
+          </p:spPr>
+          <p:style>
+            <a:lnRef idx="2">
+              <a:schemeClr val="accent1">
+                <a:shade val="50000"/>
+              </a:schemeClr>
+            </a:lnRef>
+            <a:fillRef idx="1">
+              <a:schemeClr val="accent1"/>
+            </a:fillRef>
+            <a:effectRef idx="0">
+              <a:schemeClr val="accent1"/>
+            </a:effectRef>
+            <a:fontRef idx="minor">
+              <a:schemeClr val="lt1"/>
+            </a:fontRef>
+          </p:style>
+          <p:txBody>
+            <a:bodyPr rtlCol="0" anchor="ctr"/>
+            <a:lstStyle/>
+            <a:p>
+              <a:pPr algn="ctr"/>
+              <a:endParaRPr lang="en-US" dirty="0"/>
+            </a:p>
+          </p:txBody>
+        </p:sp>
+        <p:cxnSp>
+          <p:nvCxnSpPr>
+            <p:cNvPr id="203" name="Straight Connector 202">
+              <a:extLst>
+                <a:ext uri="{FF2B5EF4-FFF2-40B4-BE49-F238E27FC236}">
+                  <a16:creationId xmlns:a16="http://schemas.microsoft.com/office/drawing/2014/main" id="{66B9FEF3-308E-4AE5-8451-02A29CBD0675}"/>
+                </a:ext>
+              </a:extLst>
+            </p:cNvPr>
+            <p:cNvCxnSpPr>
+              <a:cxnSpLocks/>
+            </p:cNvCxnSpPr>
+            <p:nvPr/>
+          </p:nvCxnSpPr>
+          <p:spPr>
+            <a:xfrm>
+              <a:off x="6856602" y="1321152"/>
+              <a:ext cx="843094" cy="86159"/>
+            </a:xfrm>
+            <a:prstGeom prst="line">
+              <a:avLst/>
+            </a:prstGeom>
+          </p:spPr>
+          <p:style>
+            <a:lnRef idx="2">
+              <a:schemeClr val="accent1"/>
+            </a:lnRef>
+            <a:fillRef idx="0">
+              <a:schemeClr val="accent1"/>
+            </a:fillRef>
+            <a:effectRef idx="1">
+              <a:schemeClr val="accent1"/>
+            </a:effectRef>
+            <a:fontRef idx="minor">
+              <a:schemeClr val="tx1"/>
+            </a:fontRef>
+          </p:style>
+        </p:cxnSp>
+        <p:cxnSp>
+          <p:nvCxnSpPr>
+            <p:cNvPr id="215" name="Straight Connector 214">
+              <a:extLst>
+                <a:ext uri="{FF2B5EF4-FFF2-40B4-BE49-F238E27FC236}">
+                  <a16:creationId xmlns:a16="http://schemas.microsoft.com/office/drawing/2014/main" id="{ACD8BED8-7A51-4D7F-8A3C-510EFBAE610C}"/>
+                </a:ext>
+              </a:extLst>
+            </p:cNvPr>
+            <p:cNvCxnSpPr>
+              <a:cxnSpLocks/>
+            </p:cNvCxnSpPr>
+            <p:nvPr/>
+          </p:nvCxnSpPr>
+          <p:spPr>
+            <a:xfrm flipH="1">
+              <a:off x="2053203" y="1999784"/>
+              <a:ext cx="993397" cy="0"/>
+            </a:xfrm>
+            <a:prstGeom prst="line">
+              <a:avLst/>
+            </a:prstGeom>
+          </p:spPr>
+          <p:style>
+            <a:lnRef idx="2">
+              <a:schemeClr val="accent6"/>
+            </a:lnRef>
+            <a:fillRef idx="0">
+              <a:schemeClr val="accent6"/>
+            </a:fillRef>
+            <a:effectRef idx="1">
+              <a:schemeClr val="accent6"/>
+            </a:effectRef>
+            <a:fontRef idx="minor">
+              <a:schemeClr val="tx1"/>
+            </a:fontRef>
+          </p:style>
+        </p:cxnSp>
+        <p:cxnSp>
+          <p:nvCxnSpPr>
+            <p:cNvPr id="223" name="Straight Connector 222">
+              <a:extLst>
+                <a:ext uri="{FF2B5EF4-FFF2-40B4-BE49-F238E27FC236}">
+                  <a16:creationId xmlns:a16="http://schemas.microsoft.com/office/drawing/2014/main" id="{5D74F371-622F-4A1D-8A52-20A9F2814751}"/>
+                </a:ext>
+              </a:extLst>
+            </p:cNvPr>
+            <p:cNvCxnSpPr>
+              <a:cxnSpLocks/>
+            </p:cNvCxnSpPr>
+            <p:nvPr/>
+          </p:nvCxnSpPr>
+          <p:spPr>
+            <a:xfrm>
+              <a:off x="7695233" y="1406437"/>
+              <a:ext cx="147737" cy="0"/>
+            </a:xfrm>
+            <a:prstGeom prst="line">
+              <a:avLst/>
+            </a:prstGeom>
+          </p:spPr>
+          <p:style>
+            <a:lnRef idx="2">
+              <a:schemeClr val="accent1"/>
+            </a:lnRef>
+            <a:fillRef idx="0">
+              <a:schemeClr val="accent1"/>
+            </a:fillRef>
+            <a:effectRef idx="1">
+              <a:schemeClr val="accent1"/>
+            </a:effectRef>
+            <a:fontRef idx="minor">
+              <a:schemeClr val="tx1"/>
+            </a:fontRef>
+          </p:style>
+        </p:cxnSp>
+        <p:cxnSp>
+          <p:nvCxnSpPr>
+            <p:cNvPr id="225" name="Straight Connector 224">
+              <a:extLst>
+                <a:ext uri="{FF2B5EF4-FFF2-40B4-BE49-F238E27FC236}">
+                  <a16:creationId xmlns:a16="http://schemas.microsoft.com/office/drawing/2014/main" id="{B563BE76-7D15-42B8-8CB2-F9744C2BF020}"/>
+                </a:ext>
+              </a:extLst>
+            </p:cNvPr>
+            <p:cNvCxnSpPr>
+              <a:cxnSpLocks/>
+            </p:cNvCxnSpPr>
+            <p:nvPr/>
+          </p:nvCxnSpPr>
+          <p:spPr>
+            <a:xfrm>
+              <a:off x="6002324" y="1042038"/>
+              <a:ext cx="0" cy="2061599"/>
+            </a:xfrm>
+            <a:prstGeom prst="line">
+              <a:avLst/>
+            </a:prstGeom>
+            <a:ln w="9525" cap="flat" cmpd="sng" algn="ctr">
+              <a:solidFill>
+                <a:schemeClr val="accent1"/>
+              </a:solidFill>
+              <a:prstDash val="dash"/>
+              <a:round/>
+              <a:headEnd type="none" w="med" len="med"/>
+              <a:tailEnd type="none" w="med" len="med"/>
+            </a:ln>
+          </p:spPr>
+          <p:style>
+            <a:lnRef idx="0">
+              <a:scrgbClr r="0" g="0" b="0"/>
+            </a:lnRef>
+            <a:fillRef idx="0">
+              <a:scrgbClr r="0" g="0" b="0"/>
+            </a:fillRef>
+            <a:effectRef idx="0">
+              <a:scrgbClr r="0" g="0" b="0"/>
+            </a:effectRef>
+            <a:fontRef idx="minor">
+              <a:schemeClr val="tx1"/>
+            </a:fontRef>
+          </p:style>
+        </p:cxnSp>
+        <p:cxnSp>
+          <p:nvCxnSpPr>
+            <p:cNvPr id="227" name="Straight Connector 226">
+              <a:extLst>
+                <a:ext uri="{FF2B5EF4-FFF2-40B4-BE49-F238E27FC236}">
+                  <a16:creationId xmlns:a16="http://schemas.microsoft.com/office/drawing/2014/main" id="{A8254410-83C3-46E5-971E-40F30B8BCEF7}"/>
+                </a:ext>
+              </a:extLst>
+            </p:cNvPr>
+            <p:cNvCxnSpPr>
+              <a:cxnSpLocks/>
+            </p:cNvCxnSpPr>
+            <p:nvPr/>
+          </p:nvCxnSpPr>
+          <p:spPr>
+            <a:xfrm>
+              <a:off x="6002324" y="2102767"/>
+              <a:ext cx="683702" cy="3977"/>
+            </a:xfrm>
+            <a:prstGeom prst="line">
+              <a:avLst/>
+            </a:prstGeom>
+          </p:spPr>
+          <p:style>
+            <a:lnRef idx="3">
+              <a:schemeClr val="accent6"/>
+            </a:lnRef>
+            <a:fillRef idx="0">
+              <a:schemeClr val="accent6"/>
+            </a:fillRef>
+            <a:effectRef idx="2">
+              <a:schemeClr val="accent6"/>
+            </a:effectRef>
+            <a:fontRef idx="minor">
+              <a:schemeClr val="tx1"/>
+            </a:fontRef>
+          </p:style>
+        </p:cxnSp>
+        <p:sp>
+          <p:nvSpPr>
+            <p:cNvPr id="240" name="Rectangle 239">
+              <a:extLst>
+                <a:ext uri="{FF2B5EF4-FFF2-40B4-BE49-F238E27FC236}">
+                  <a16:creationId xmlns:a16="http://schemas.microsoft.com/office/drawing/2014/main" id="{EF54F1D5-C974-42CD-9A0B-500C3563EB18}"/>
+                </a:ext>
+              </a:extLst>
+            </p:cNvPr>
+            <p:cNvSpPr/>
+            <p:nvPr/>
+          </p:nvSpPr>
+          <p:spPr>
+            <a:xfrm>
+              <a:off x="8827435" y="2860876"/>
+              <a:ext cx="133626" cy="184552"/>
+            </a:xfrm>
+            <a:prstGeom prst="rect">
+              <a:avLst/>
+            </a:prstGeom>
+          </p:spPr>
+          <p:style>
+            <a:lnRef idx="2">
+              <a:schemeClr val="dk1">
+                <a:shade val="50000"/>
+              </a:schemeClr>
+            </a:lnRef>
+            <a:fillRef idx="1">
+              <a:schemeClr val="dk1"/>
+            </a:fillRef>
+            <a:effectRef idx="0">
+              <a:schemeClr val="dk1"/>
+            </a:effectRef>
+            <a:fontRef idx="minor">
+              <a:schemeClr val="lt1"/>
+            </a:fontRef>
+          </p:style>
+          <p:txBody>
+            <a:bodyPr rtlCol="0" anchor="ctr"/>
+            <a:lstStyle/>
+            <a:p>
+              <a:pPr algn="ctr"/>
+              <a:endParaRPr lang="en-US" sz="900" dirty="0"/>
+            </a:p>
+          </p:txBody>
+        </p:sp>
+        <p:sp>
+          <p:nvSpPr>
+            <p:cNvPr id="241" name="Rectangle 240">
+              <a:extLst>
+                <a:ext uri="{FF2B5EF4-FFF2-40B4-BE49-F238E27FC236}">
+                  <a16:creationId xmlns:a16="http://schemas.microsoft.com/office/drawing/2014/main" id="{DA8E8D97-7A82-4207-9540-00D118CD1E1B}"/>
+                </a:ext>
+              </a:extLst>
+            </p:cNvPr>
+            <p:cNvSpPr/>
+            <p:nvPr/>
+          </p:nvSpPr>
+          <p:spPr>
+            <a:xfrm>
+              <a:off x="8970020" y="2860881"/>
+              <a:ext cx="148324" cy="186480"/>
+            </a:xfrm>
+            <a:prstGeom prst="rect">
+              <a:avLst/>
+            </a:prstGeom>
+          </p:spPr>
+          <p:style>
+            <a:lnRef idx="2">
+              <a:schemeClr val="accent1">
+                <a:shade val="50000"/>
+              </a:schemeClr>
+            </a:lnRef>
+            <a:fillRef idx="1">
+              <a:schemeClr val="accent1"/>
+            </a:fillRef>
+            <a:effectRef idx="0">
+              <a:schemeClr val="accent1"/>
+            </a:effectRef>
+            <a:fontRef idx="minor">
+              <a:schemeClr val="lt1"/>
+            </a:fontRef>
+          </p:style>
+          <p:txBody>
+            <a:bodyPr rtlCol="0" anchor="ctr"/>
+            <a:lstStyle/>
+            <a:p>
+              <a:pPr algn="ctr"/>
+              <a:endParaRPr lang="en-US" sz="900" dirty="0"/>
+            </a:p>
+          </p:txBody>
+        </p:sp>
+        <p:cxnSp>
+          <p:nvCxnSpPr>
+            <p:cNvPr id="245" name="Straight Connector 244">
+              <a:extLst>
+                <a:ext uri="{FF2B5EF4-FFF2-40B4-BE49-F238E27FC236}">
+                  <a16:creationId xmlns:a16="http://schemas.microsoft.com/office/drawing/2014/main" id="{7C4F911B-5692-4142-861A-E2ED6CA0FB87}"/>
+                </a:ext>
+              </a:extLst>
+            </p:cNvPr>
+            <p:cNvCxnSpPr>
+              <a:cxnSpLocks/>
+              <a:endCxn id="165" idx="1"/>
+            </p:cNvCxnSpPr>
+            <p:nvPr/>
+          </p:nvCxnSpPr>
+          <p:spPr>
+            <a:xfrm>
+              <a:off x="9127554" y="1184479"/>
+              <a:ext cx="491" cy="1769381"/>
+            </a:xfrm>
+            <a:prstGeom prst="line">
+              <a:avLst/>
+            </a:prstGeom>
+            <a:ln w="9525" cap="flat" cmpd="sng" algn="ctr">
+              <a:solidFill>
+                <a:schemeClr val="accent3"/>
+              </a:solidFill>
+              <a:prstDash val="dash"/>
+              <a:round/>
+              <a:headEnd type="none" w="med" len="med"/>
+              <a:tailEnd type="none" w="med" len="med"/>
+            </a:ln>
+          </p:spPr>
+          <p:style>
+            <a:lnRef idx="0">
+              <a:scrgbClr r="0" g="0" b="0"/>
+            </a:lnRef>
+            <a:fillRef idx="0">
+              <a:scrgbClr r="0" g="0" b="0"/>
+            </a:fillRef>
+            <a:effectRef idx="0">
+              <a:scrgbClr r="0" g="0" b="0"/>
+            </a:effectRef>
+            <a:fontRef idx="minor">
+              <a:schemeClr val="tx1"/>
+            </a:fontRef>
+          </p:style>
+        </p:cxnSp>
+        <p:cxnSp>
+          <p:nvCxnSpPr>
+            <p:cNvPr id="252" name="Straight Connector 251">
+              <a:extLst>
+                <a:ext uri="{FF2B5EF4-FFF2-40B4-BE49-F238E27FC236}">
+                  <a16:creationId xmlns:a16="http://schemas.microsoft.com/office/drawing/2014/main" id="{D601EAB4-924E-46A7-806F-A86AB7CEFC57}"/>
+                </a:ext>
+              </a:extLst>
+            </p:cNvPr>
+            <p:cNvCxnSpPr>
+              <a:cxnSpLocks/>
+            </p:cNvCxnSpPr>
+            <p:nvPr/>
+          </p:nvCxnSpPr>
+          <p:spPr>
+            <a:xfrm>
+              <a:off x="9127554" y="1528836"/>
+              <a:ext cx="2045306" cy="15145"/>
+            </a:xfrm>
+            <a:prstGeom prst="line">
+              <a:avLst/>
+            </a:prstGeom>
+          </p:spPr>
+          <p:style>
+            <a:lnRef idx="3">
+              <a:schemeClr val="accent1"/>
+            </a:lnRef>
+            <a:fillRef idx="0">
+              <a:schemeClr val="accent1"/>
+            </a:fillRef>
+            <a:effectRef idx="2">
+              <a:schemeClr val="accent1"/>
+            </a:effectRef>
+            <a:fontRef idx="minor">
+              <a:schemeClr val="tx1"/>
+            </a:fontRef>
+          </p:style>
+        </p:cxnSp>
+        <p:cxnSp>
+          <p:nvCxnSpPr>
+            <p:cNvPr id="256" name="Straight Connector 255">
+              <a:extLst>
+                <a:ext uri="{FF2B5EF4-FFF2-40B4-BE49-F238E27FC236}">
+                  <a16:creationId xmlns:a16="http://schemas.microsoft.com/office/drawing/2014/main" id="{5B7BEE56-0CC7-442A-AE62-942048B95F89}"/>
+                </a:ext>
+              </a:extLst>
+            </p:cNvPr>
+            <p:cNvCxnSpPr>
+              <a:cxnSpLocks/>
+            </p:cNvCxnSpPr>
+            <p:nvPr/>
+          </p:nvCxnSpPr>
+          <p:spPr>
+            <a:xfrm>
+              <a:off x="10097130" y="2124219"/>
+              <a:ext cx="1075239" cy="1"/>
+            </a:xfrm>
+            <a:prstGeom prst="line">
+              <a:avLst/>
+            </a:prstGeom>
+          </p:spPr>
+          <p:style>
+            <a:lnRef idx="3">
+              <a:schemeClr val="accent6"/>
+            </a:lnRef>
+            <a:fillRef idx="0">
+              <a:schemeClr val="accent6"/>
+            </a:fillRef>
+            <a:effectRef idx="2">
+              <a:schemeClr val="accent6"/>
+            </a:effectRef>
+            <a:fontRef idx="minor">
+              <a:schemeClr val="tx1"/>
+            </a:fontRef>
+          </p:style>
+        </p:cxnSp>
+        <p:cxnSp>
+          <p:nvCxnSpPr>
+            <p:cNvPr id="258" name="Straight Connector 257">
+              <a:extLst>
+                <a:ext uri="{FF2B5EF4-FFF2-40B4-BE49-F238E27FC236}">
+                  <a16:creationId xmlns:a16="http://schemas.microsoft.com/office/drawing/2014/main" id="{886C87D2-DD20-4087-86EF-690D89F3983C}"/>
+                </a:ext>
+              </a:extLst>
+            </p:cNvPr>
+            <p:cNvCxnSpPr>
+              <a:cxnSpLocks/>
+            </p:cNvCxnSpPr>
+            <p:nvPr/>
+          </p:nvCxnSpPr>
+          <p:spPr>
+            <a:xfrm>
+              <a:off x="5021586" y="1514954"/>
+              <a:ext cx="1638258" cy="3885"/>
+            </a:xfrm>
+            <a:prstGeom prst="line">
+              <a:avLst/>
+            </a:prstGeom>
+          </p:spPr>
+          <p:style>
+            <a:lnRef idx="3">
+              <a:schemeClr val="accent1"/>
+            </a:lnRef>
+            <a:fillRef idx="0">
+              <a:schemeClr val="accent1"/>
+            </a:fillRef>
+            <a:effectRef idx="2">
+              <a:schemeClr val="accent1"/>
+            </a:effectRef>
+            <a:fontRef idx="minor">
+              <a:schemeClr val="tx1"/>
+            </a:fontRef>
+          </p:style>
+        </p:cxnSp>
+        <p:cxnSp>
+          <p:nvCxnSpPr>
+            <p:cNvPr id="264" name="Straight Connector 263">
+              <a:extLst>
+                <a:ext uri="{FF2B5EF4-FFF2-40B4-BE49-F238E27FC236}">
+                  <a16:creationId xmlns:a16="http://schemas.microsoft.com/office/drawing/2014/main" id="{72B2FC5D-6828-4D7B-9175-FC68D27E5389}"/>
+                </a:ext>
+              </a:extLst>
+            </p:cNvPr>
+            <p:cNvCxnSpPr>
+              <a:cxnSpLocks/>
+            </p:cNvCxnSpPr>
+            <p:nvPr/>
+          </p:nvCxnSpPr>
+          <p:spPr>
+            <a:xfrm>
+              <a:off x="7835317" y="1406459"/>
+              <a:ext cx="1001762" cy="8617"/>
+            </a:xfrm>
+            <a:prstGeom prst="line">
+              <a:avLst/>
+            </a:prstGeom>
+          </p:spPr>
+          <p:style>
+            <a:lnRef idx="2">
+              <a:schemeClr val="accent1"/>
+            </a:lnRef>
+            <a:fillRef idx="0">
+              <a:schemeClr val="accent1"/>
+            </a:fillRef>
+            <a:effectRef idx="1">
+              <a:schemeClr val="accent1"/>
+            </a:effectRef>
+            <a:fontRef idx="minor">
+              <a:schemeClr val="tx1"/>
+            </a:fontRef>
+          </p:style>
+        </p:cxnSp>
+        <p:sp>
+          <p:nvSpPr>
+            <p:cNvPr id="269" name="Right Brace 268">
+              <a:extLst>
+                <a:ext uri="{FF2B5EF4-FFF2-40B4-BE49-F238E27FC236}">
+                  <a16:creationId xmlns:a16="http://schemas.microsoft.com/office/drawing/2014/main" id="{96B10DA8-6CC3-436C-8655-30EF8702DD3F}"/>
+                </a:ext>
+              </a:extLst>
+            </p:cNvPr>
+            <p:cNvSpPr/>
+            <p:nvPr/>
+          </p:nvSpPr>
+          <p:spPr>
+            <a:xfrm rot="16200000">
+              <a:off x="3865754" y="-1997748"/>
+              <a:ext cx="514877" cy="5276675"/>
+            </a:xfrm>
+            <a:prstGeom prst="rightBrace">
+              <a:avLst/>
+            </a:prstGeom>
+          </p:spPr>
+          <p:style>
+            <a:lnRef idx="1">
+              <a:schemeClr val="accent1"/>
+            </a:lnRef>
+            <a:fillRef idx="0">
+              <a:schemeClr val="accent1"/>
+            </a:fillRef>
+            <a:effectRef idx="0">
+              <a:schemeClr val="accent1"/>
+            </a:effectRef>
+            <a:fontRef idx="minor">
+              <a:schemeClr val="tx1"/>
+            </a:fontRef>
+          </p:style>
+          <p:txBody>
+            <a:bodyPr rtlCol="0" anchor="ctr"/>
+            <a:lstStyle/>
+            <a:p>
+              <a:pPr algn="ctr"/>
+              <a:endParaRPr lang="en-US"/>
+            </a:p>
+          </p:txBody>
+        </p:sp>
+        <p:sp>
+          <p:nvSpPr>
+            <p:cNvPr id="270" name="Right Brace 269">
+              <a:extLst>
+                <a:ext uri="{FF2B5EF4-FFF2-40B4-BE49-F238E27FC236}">
+                  <a16:creationId xmlns:a16="http://schemas.microsoft.com/office/drawing/2014/main" id="{2C953851-9F20-4D45-9F57-452A1FED87ED}"/>
+                </a:ext>
+              </a:extLst>
+            </p:cNvPr>
+            <p:cNvSpPr/>
+            <p:nvPr/>
+          </p:nvSpPr>
+          <p:spPr>
+            <a:xfrm rot="16200000">
+              <a:off x="8885751" y="-1534959"/>
+              <a:ext cx="438678" cy="4360879"/>
+            </a:xfrm>
+            <a:prstGeom prst="rightBrace">
+              <a:avLst/>
+            </a:prstGeom>
+          </p:spPr>
+          <p:style>
+            <a:lnRef idx="1">
+              <a:schemeClr val="accent1"/>
+            </a:lnRef>
+            <a:fillRef idx="0">
+              <a:schemeClr val="accent1"/>
+            </a:fillRef>
+            <a:effectRef idx="0">
+              <a:schemeClr val="accent1"/>
+            </a:effectRef>
+            <a:fontRef idx="minor">
+              <a:schemeClr val="tx1"/>
+            </a:fontRef>
+          </p:style>
+          <p:txBody>
+            <a:bodyPr rtlCol="0" anchor="ctr"/>
+            <a:lstStyle/>
+            <a:p>
+              <a:pPr algn="ctr"/>
+              <a:endParaRPr lang="en-US"/>
+            </a:p>
+          </p:txBody>
+        </p:sp>
+        <p:sp>
+          <p:nvSpPr>
+            <p:cNvPr id="271" name="TextBox 270">
+              <a:extLst>
+                <a:ext uri="{FF2B5EF4-FFF2-40B4-BE49-F238E27FC236}">
+                  <a16:creationId xmlns:a16="http://schemas.microsoft.com/office/drawing/2014/main" id="{AC9627B7-A6BC-4F74-8E6B-947D4520F3C7}"/>
+                </a:ext>
+              </a:extLst>
+            </p:cNvPr>
+            <p:cNvSpPr txBox="1"/>
+            <p:nvPr/>
+          </p:nvSpPr>
+          <p:spPr>
+            <a:xfrm>
+              <a:off x="3258628" y="39203"/>
+              <a:ext cx="2033698" cy="369332"/>
+            </a:xfrm>
+            <a:prstGeom prst="rect">
+              <a:avLst/>
+            </a:prstGeom>
+            <a:noFill/>
+          </p:spPr>
+          <p:txBody>
+            <a:bodyPr wrap="none" rtlCol="0">
+              <a:spAutoFit/>
+            </a:bodyPr>
+            <a:lstStyle/>
+            <a:p>
+              <a:r>
+                <a:rPr lang="en-US" dirty="0"/>
+                <a:t>(a) non-preemption</a:t>
+              </a:r>
+            </a:p>
+          </p:txBody>
+        </p:sp>
+        <p:sp>
+          <p:nvSpPr>
+            <p:cNvPr id="272" name="TextBox 271">
+              <a:extLst>
+                <a:ext uri="{FF2B5EF4-FFF2-40B4-BE49-F238E27FC236}">
+                  <a16:creationId xmlns:a16="http://schemas.microsoft.com/office/drawing/2014/main" id="{883C86C3-5A31-413F-A70B-CC5DD47906FE}"/>
+                </a:ext>
+              </a:extLst>
+            </p:cNvPr>
+            <p:cNvSpPr txBox="1"/>
+            <p:nvPr/>
+          </p:nvSpPr>
+          <p:spPr>
+            <a:xfrm>
+              <a:off x="8300639" y="-1740"/>
+              <a:ext cx="1608902" cy="369332"/>
+            </a:xfrm>
+            <a:prstGeom prst="rect">
+              <a:avLst/>
+            </a:prstGeom>
+            <a:noFill/>
+          </p:spPr>
+          <p:txBody>
+            <a:bodyPr wrap="none" rtlCol="0">
+              <a:spAutoFit/>
+            </a:bodyPr>
+            <a:lstStyle/>
+            <a:p>
+              <a:r>
+                <a:rPr lang="en-US" dirty="0"/>
+                <a:t>(b) preemption</a:t>
+              </a:r>
+            </a:p>
+          </p:txBody>
+        </p:sp>
+        <p:cxnSp>
+          <p:nvCxnSpPr>
+            <p:cNvPr id="278" name="Connector: Curved 277">
+              <a:extLst>
+                <a:ext uri="{FF2B5EF4-FFF2-40B4-BE49-F238E27FC236}">
+                  <a16:creationId xmlns:a16="http://schemas.microsoft.com/office/drawing/2014/main" id="{C9264BFE-4F0D-4025-A57E-83D4F383AB0B}"/>
+                </a:ext>
+              </a:extLst>
+            </p:cNvPr>
+            <p:cNvCxnSpPr>
+              <a:cxnSpLocks/>
+              <a:stCxn id="161" idx="2"/>
+              <a:endCxn id="281" idx="1"/>
+            </p:cNvCxnSpPr>
+            <p:nvPr/>
+          </p:nvCxnSpPr>
+          <p:spPr>
+            <a:xfrm rot="16200000" flipH="1">
+              <a:off x="7724558" y="3088792"/>
+              <a:ext cx="229606" cy="142892"/>
+            </a:xfrm>
+            <a:prstGeom prst="curvedConnector2">
+              <a:avLst/>
+            </a:prstGeom>
+            <a:ln>
+              <a:tailEnd type="triangle"/>
+            </a:ln>
+          </p:spPr>
+          <p:style>
+            <a:lnRef idx="1">
+              <a:schemeClr val="dk1"/>
+            </a:lnRef>
+            <a:fillRef idx="0">
+              <a:schemeClr val="dk1"/>
+            </a:fillRef>
+            <a:effectRef idx="0">
+              <a:schemeClr val="dk1"/>
+            </a:effectRef>
+            <a:fontRef idx="minor">
+              <a:schemeClr val="tx1"/>
+            </a:fontRef>
+          </p:style>
+        </p:cxnSp>
+        <p:sp>
+          <p:nvSpPr>
+            <p:cNvPr id="280" name="TextBox 279">
+              <a:extLst>
+                <a:ext uri="{FF2B5EF4-FFF2-40B4-BE49-F238E27FC236}">
+                  <a16:creationId xmlns:a16="http://schemas.microsoft.com/office/drawing/2014/main" id="{A5BB2757-066C-4A73-BBCA-C8E5F87A607E}"/>
+                </a:ext>
+              </a:extLst>
+            </p:cNvPr>
+            <p:cNvSpPr txBox="1"/>
+            <p:nvPr/>
+          </p:nvSpPr>
+          <p:spPr>
+            <a:xfrm rot="469087">
+              <a:off x="7027939" y="1172416"/>
+              <a:ext cx="675277" cy="230832"/>
+            </a:xfrm>
+            <a:prstGeom prst="rect">
+              <a:avLst/>
+            </a:prstGeom>
+            <a:noFill/>
+          </p:spPr>
+          <p:txBody>
+            <a:bodyPr wrap="square" rtlCol="0">
+              <a:spAutoFit/>
+            </a:bodyPr>
+            <a:lstStyle/>
+            <a:p>
+              <a:r>
+                <a:rPr lang="en-US" sz="900" dirty="0" err="1"/>
+                <a:t>sendSlope</a:t>
+              </a:r>
+              <a:endParaRPr lang="en-US" sz="900" dirty="0"/>
+            </a:p>
+          </p:txBody>
+        </p:sp>
+        <p:sp>
+          <p:nvSpPr>
+            <p:cNvPr id="281" name="TextBox 280">
+              <a:extLst>
+                <a:ext uri="{FF2B5EF4-FFF2-40B4-BE49-F238E27FC236}">
+                  <a16:creationId xmlns:a16="http://schemas.microsoft.com/office/drawing/2014/main" id="{75583047-E418-4885-8A73-8B02C03587EA}"/>
+                </a:ext>
+              </a:extLst>
+            </p:cNvPr>
+            <p:cNvSpPr txBox="1"/>
+            <p:nvPr/>
+          </p:nvSpPr>
+          <p:spPr>
+            <a:xfrm>
+              <a:off x="7910807" y="3159625"/>
+              <a:ext cx="1212191" cy="230832"/>
+            </a:xfrm>
+            <a:prstGeom prst="rect">
+              <a:avLst/>
+            </a:prstGeom>
+            <a:noFill/>
+          </p:spPr>
+          <p:txBody>
+            <a:bodyPr wrap="none" rtlCol="0">
+              <a:spAutoFit/>
+            </a:bodyPr>
+            <a:lstStyle/>
+            <a:p>
+              <a:r>
+                <a:rPr lang="en-US" sz="900" dirty="0"/>
+                <a:t>Preemption overhead</a:t>
+              </a:r>
+            </a:p>
+          </p:txBody>
+        </p:sp>
+        <p:cxnSp>
+          <p:nvCxnSpPr>
+            <p:cNvPr id="284" name="Connector: Curved 283">
+              <a:extLst>
+                <a:ext uri="{FF2B5EF4-FFF2-40B4-BE49-F238E27FC236}">
+                  <a16:creationId xmlns:a16="http://schemas.microsoft.com/office/drawing/2014/main" id="{807AB2F4-3973-4D65-8AAE-85C44BA207DF}"/>
+                </a:ext>
+              </a:extLst>
+            </p:cNvPr>
+            <p:cNvCxnSpPr>
+              <a:cxnSpLocks/>
+              <a:stCxn id="240" idx="2"/>
+              <a:endCxn id="281" idx="3"/>
+            </p:cNvCxnSpPr>
+            <p:nvPr/>
+          </p:nvCxnSpPr>
+          <p:spPr>
+            <a:xfrm rot="16200000" flipH="1">
+              <a:off x="8893817" y="3045859"/>
+              <a:ext cx="229613" cy="228750"/>
+            </a:xfrm>
+            <a:prstGeom prst="curvedConnector4">
+              <a:avLst>
+                <a:gd name="adj1" fmla="val 24867"/>
+                <a:gd name="adj2" fmla="val 199934"/>
+              </a:avLst>
+            </a:prstGeom>
+            <a:ln>
+              <a:tailEnd type="triangle"/>
+            </a:ln>
+          </p:spPr>
+          <p:style>
+            <a:lnRef idx="1">
+              <a:schemeClr val="dk1"/>
+            </a:lnRef>
+            <a:fillRef idx="0">
+              <a:schemeClr val="dk1"/>
+            </a:fillRef>
+            <a:effectRef idx="0">
+              <a:schemeClr val="dk1"/>
+            </a:effectRef>
+            <a:fontRef idx="minor">
+              <a:schemeClr val="tx1"/>
+            </a:fontRef>
+          </p:style>
+        </p:cxnSp>
+        <p:cxnSp>
+          <p:nvCxnSpPr>
+            <p:cNvPr id="316" name="Connector: Curved 315">
+              <a:extLst>
+                <a:ext uri="{FF2B5EF4-FFF2-40B4-BE49-F238E27FC236}">
+                  <a16:creationId xmlns:a16="http://schemas.microsoft.com/office/drawing/2014/main" id="{17C2B029-FAF5-4D47-A043-C331FDD827CD}"/>
+                </a:ext>
+              </a:extLst>
+            </p:cNvPr>
+            <p:cNvCxnSpPr/>
+            <p:nvPr/>
+          </p:nvCxnSpPr>
+          <p:spPr>
+            <a:xfrm rot="8195905" flipH="1" flipV="1">
+              <a:off x="1552016" y="1666308"/>
+              <a:ext cx="318219" cy="449871"/>
+            </a:xfrm>
+            <a:prstGeom prst="curvedConnector3">
+              <a:avLst/>
+            </a:prstGeom>
+          </p:spPr>
+          <p:style>
+            <a:lnRef idx="1">
+              <a:schemeClr val="dk1"/>
+            </a:lnRef>
+            <a:fillRef idx="0">
+              <a:schemeClr val="dk1"/>
+            </a:fillRef>
+            <a:effectRef idx="0">
+              <a:schemeClr val="dk1"/>
+            </a:effectRef>
+            <a:fontRef idx="minor">
+              <a:schemeClr val="tx1"/>
+            </a:fontRef>
+          </p:style>
+        </p:cxnSp>
+        <p:cxnSp>
+          <p:nvCxnSpPr>
+            <p:cNvPr id="317" name="Connector: Curved 316">
+              <a:extLst>
+                <a:ext uri="{FF2B5EF4-FFF2-40B4-BE49-F238E27FC236}">
+                  <a16:creationId xmlns:a16="http://schemas.microsoft.com/office/drawing/2014/main" id="{80B2ADC6-E5AE-4751-9CC1-0D4CCA28A510}"/>
+                </a:ext>
+              </a:extLst>
+            </p:cNvPr>
+            <p:cNvCxnSpPr>
+              <a:cxnSpLocks/>
+            </p:cNvCxnSpPr>
+            <p:nvPr/>
+          </p:nvCxnSpPr>
+          <p:spPr>
+            <a:xfrm rot="8195905" flipH="1" flipV="1">
+              <a:off x="1590856" y="1755032"/>
+              <a:ext cx="345781" cy="423824"/>
+            </a:xfrm>
+            <a:prstGeom prst="curvedConnector3">
+              <a:avLst>
+                <a:gd name="adj1" fmla="val 50000"/>
+              </a:avLst>
+            </a:prstGeom>
+          </p:spPr>
+          <p:style>
+            <a:lnRef idx="1">
+              <a:schemeClr val="dk1"/>
+            </a:lnRef>
+            <a:fillRef idx="0">
+              <a:schemeClr val="dk1"/>
+            </a:fillRef>
+            <a:effectRef idx="0">
+              <a:schemeClr val="dk1"/>
+            </a:effectRef>
+            <a:fontRef idx="minor">
+              <a:schemeClr val="tx1"/>
+            </a:fontRef>
+          </p:style>
+        </p:cxnSp>
+        <p:cxnSp>
+          <p:nvCxnSpPr>
+            <p:cNvPr id="319" name="Connector: Curved 318">
+              <a:extLst>
+                <a:ext uri="{FF2B5EF4-FFF2-40B4-BE49-F238E27FC236}">
+                  <a16:creationId xmlns:a16="http://schemas.microsoft.com/office/drawing/2014/main" id="{CB29B047-2E56-403B-9D99-D68E07CBD1AC}"/>
+                </a:ext>
+              </a:extLst>
+            </p:cNvPr>
+            <p:cNvCxnSpPr/>
+            <p:nvPr/>
+          </p:nvCxnSpPr>
+          <p:spPr>
+            <a:xfrm rot="8195905" flipH="1" flipV="1">
+              <a:off x="1511525" y="2230910"/>
+              <a:ext cx="318219" cy="449871"/>
+            </a:xfrm>
+            <a:prstGeom prst="curvedConnector3">
+              <a:avLst/>
+            </a:prstGeom>
+          </p:spPr>
+          <p:style>
+            <a:lnRef idx="1">
+              <a:schemeClr val="dk1"/>
+            </a:lnRef>
+            <a:fillRef idx="0">
+              <a:schemeClr val="dk1"/>
+            </a:fillRef>
+            <a:effectRef idx="0">
+              <a:schemeClr val="dk1"/>
+            </a:effectRef>
+            <a:fontRef idx="minor">
+              <a:schemeClr val="tx1"/>
+            </a:fontRef>
+          </p:style>
+        </p:cxnSp>
+        <p:cxnSp>
+          <p:nvCxnSpPr>
+            <p:cNvPr id="320" name="Connector: Curved 319">
+              <a:extLst>
+                <a:ext uri="{FF2B5EF4-FFF2-40B4-BE49-F238E27FC236}">
+                  <a16:creationId xmlns:a16="http://schemas.microsoft.com/office/drawing/2014/main" id="{F4C96A70-81EB-4F74-B5FB-4FF152450219}"/>
+                </a:ext>
+              </a:extLst>
+            </p:cNvPr>
+            <p:cNvCxnSpPr>
+              <a:cxnSpLocks/>
+            </p:cNvCxnSpPr>
+            <p:nvPr/>
+          </p:nvCxnSpPr>
+          <p:spPr>
+            <a:xfrm rot="8195905" flipH="1" flipV="1">
+              <a:off x="1550365" y="2319634"/>
+              <a:ext cx="345781" cy="423824"/>
+            </a:xfrm>
+            <a:prstGeom prst="curvedConnector3">
+              <a:avLst>
+                <a:gd name="adj1" fmla="val 50000"/>
+              </a:avLst>
+            </a:prstGeom>
+          </p:spPr>
+          <p:style>
+            <a:lnRef idx="1">
+              <a:schemeClr val="dk1"/>
+            </a:lnRef>
+            <a:fillRef idx="0">
+              <a:schemeClr val="dk1"/>
+            </a:fillRef>
+            <a:effectRef idx="0">
+              <a:schemeClr val="dk1"/>
+            </a:effectRef>
+            <a:fontRef idx="minor">
+              <a:schemeClr val="tx1"/>
+            </a:fontRef>
+          </p:style>
+        </p:cxnSp>
+        <p:cxnSp>
+          <p:nvCxnSpPr>
+            <p:cNvPr id="322" name="Connector: Curved 321">
+              <a:extLst>
+                <a:ext uri="{FF2B5EF4-FFF2-40B4-BE49-F238E27FC236}">
+                  <a16:creationId xmlns:a16="http://schemas.microsoft.com/office/drawing/2014/main" id="{0DED0BA8-17ED-48B8-B682-F705630F336D}"/>
+                </a:ext>
+              </a:extLst>
+            </p:cNvPr>
+            <p:cNvCxnSpPr/>
+            <p:nvPr/>
+          </p:nvCxnSpPr>
+          <p:spPr>
+            <a:xfrm rot="8195905" flipH="1" flipV="1">
+              <a:off x="1543939" y="2588829"/>
+              <a:ext cx="318219" cy="449871"/>
+            </a:xfrm>
+            <a:prstGeom prst="curvedConnector3">
+              <a:avLst/>
+            </a:prstGeom>
+          </p:spPr>
+          <p:style>
+            <a:lnRef idx="1">
+              <a:schemeClr val="dk1"/>
+            </a:lnRef>
+            <a:fillRef idx="0">
+              <a:schemeClr val="dk1"/>
+            </a:fillRef>
+            <a:effectRef idx="0">
+              <a:schemeClr val="dk1"/>
+            </a:effectRef>
+            <a:fontRef idx="minor">
+              <a:schemeClr val="tx1"/>
+            </a:fontRef>
+          </p:style>
+        </p:cxnSp>
+        <p:cxnSp>
+          <p:nvCxnSpPr>
+            <p:cNvPr id="323" name="Connector: Curved 322">
+              <a:extLst>
+                <a:ext uri="{FF2B5EF4-FFF2-40B4-BE49-F238E27FC236}">
+                  <a16:creationId xmlns:a16="http://schemas.microsoft.com/office/drawing/2014/main" id="{7AD25494-A1ED-4F83-B9E9-7F757DFA7F03}"/>
+                </a:ext>
+              </a:extLst>
+            </p:cNvPr>
+            <p:cNvCxnSpPr>
+              <a:cxnSpLocks/>
+            </p:cNvCxnSpPr>
+            <p:nvPr/>
+          </p:nvCxnSpPr>
+          <p:spPr>
+            <a:xfrm rot="8195905" flipH="1" flipV="1">
+              <a:off x="1582779" y="2677553"/>
+              <a:ext cx="345781" cy="423824"/>
+            </a:xfrm>
+            <a:prstGeom prst="curvedConnector3">
+              <a:avLst>
+                <a:gd name="adj1" fmla="val 50000"/>
+              </a:avLst>
+            </a:prstGeom>
+          </p:spPr>
+          <p:style>
+            <a:lnRef idx="1">
+              <a:schemeClr val="dk1"/>
+            </a:lnRef>
+            <a:fillRef idx="0">
+              <a:schemeClr val="dk1"/>
+            </a:fillRef>
+            <a:effectRef idx="0">
+              <a:schemeClr val="dk1"/>
+            </a:effectRef>
+            <a:fontRef idx="minor">
+              <a:schemeClr val="tx1"/>
+            </a:fontRef>
+          </p:style>
+        </p:cxnSp>
         <p:grpSp>
           <p:nvGrpSpPr>
-            <p:cNvPr id="329" name="Group 328">
-              <a:extLst>
-                <a:ext uri="{FF2B5EF4-FFF2-40B4-BE49-F238E27FC236}">
-                  <a16:creationId xmlns:a16="http://schemas.microsoft.com/office/drawing/2014/main" id="{C9A3DA4A-1A32-4B74-9B69-DA5487404938}"/>
+            <p:cNvPr id="326" name="Group 325">
+              <a:extLst>
+                <a:ext uri="{FF2B5EF4-FFF2-40B4-BE49-F238E27FC236}">
+                  <a16:creationId xmlns:a16="http://schemas.microsoft.com/office/drawing/2014/main" id="{2E3DD7F7-F817-47C8-981D-6468FE059988}"/>
                 </a:ext>
               </a:extLst>
             </p:cNvPr>
@@ -3458,3830 +7574,7 @@
           </p:nvGrpSpPr>
           <p:grpSpPr>
             <a:xfrm>
-              <a:off x="789963" y="-8090"/>
-              <a:ext cx="10828789" cy="3392197"/>
-              <a:chOff x="789963" y="-8090"/>
-              <a:chExt cx="10828789" cy="3392197"/>
-            </a:xfrm>
-          </p:grpSpPr>
-          <p:cxnSp>
-            <p:nvCxnSpPr>
-              <p:cNvPr id="8" name="Straight Connector 7">
-                <a:extLst>
-                  <a:ext uri="{FF2B5EF4-FFF2-40B4-BE49-F238E27FC236}">
-                    <a16:creationId xmlns:a16="http://schemas.microsoft.com/office/drawing/2014/main" id="{F673B00A-4171-4E40-A5E5-9B7B21F6ECF8}"/>
-                  </a:ext>
-                </a:extLst>
-              </p:cNvPr>
-              <p:cNvCxnSpPr>
-                <a:cxnSpLocks/>
-              </p:cNvCxnSpPr>
-              <p:nvPr/>
-            </p:nvCxnSpPr>
-            <p:spPr>
-              <a:xfrm>
-                <a:off x="1409350" y="855677"/>
-                <a:ext cx="0" cy="2188131"/>
-              </a:xfrm>
-              <a:prstGeom prst="line">
-                <a:avLst/>
-              </a:prstGeom>
-            </p:spPr>
-            <p:style>
-              <a:lnRef idx="3">
-                <a:schemeClr val="dk1"/>
-              </a:lnRef>
-              <a:fillRef idx="0">
-                <a:schemeClr val="dk1"/>
-              </a:fillRef>
-              <a:effectRef idx="2">
-                <a:schemeClr val="dk1"/>
-              </a:effectRef>
-              <a:fontRef idx="minor">
-                <a:schemeClr val="tx1"/>
-              </a:fontRef>
-            </p:style>
-          </p:cxnSp>
-          <p:cxnSp>
-            <p:nvCxnSpPr>
-              <p:cNvPr id="10" name="Straight Connector 9">
-                <a:extLst>
-                  <a:ext uri="{FF2B5EF4-FFF2-40B4-BE49-F238E27FC236}">
-                    <a16:creationId xmlns:a16="http://schemas.microsoft.com/office/drawing/2014/main" id="{DECDF23D-2882-4919-ADC8-4DBC0CE5502C}"/>
-                  </a:ext>
-                </a:extLst>
-              </p:cNvPr>
-              <p:cNvCxnSpPr>
-                <a:cxnSpLocks/>
-              </p:cNvCxnSpPr>
-              <p:nvPr/>
-            </p:nvCxnSpPr>
-            <p:spPr>
-              <a:xfrm>
-                <a:off x="822121" y="1166070"/>
-                <a:ext cx="5863905" cy="0"/>
-              </a:xfrm>
-              <a:prstGeom prst="line">
-                <a:avLst/>
-              </a:prstGeom>
-            </p:spPr>
-            <p:style>
-              <a:lnRef idx="2">
-                <a:schemeClr val="dk1"/>
-              </a:lnRef>
-              <a:fillRef idx="0">
-                <a:schemeClr val="dk1"/>
-              </a:fillRef>
-              <a:effectRef idx="1">
-                <a:schemeClr val="dk1"/>
-              </a:effectRef>
-              <a:fontRef idx="minor">
-                <a:schemeClr val="tx1"/>
-              </a:fontRef>
-            </p:style>
-          </p:cxnSp>
-          <p:cxnSp>
-            <p:nvCxnSpPr>
-              <p:cNvPr id="11" name="Straight Connector 10">
-                <a:extLst>
-                  <a:ext uri="{FF2B5EF4-FFF2-40B4-BE49-F238E27FC236}">
-                    <a16:creationId xmlns:a16="http://schemas.microsoft.com/office/drawing/2014/main" id="{23703DC3-111F-4A7A-ADC1-C25CC958F22E}"/>
-                  </a:ext>
-                </a:extLst>
-              </p:cNvPr>
-              <p:cNvCxnSpPr>
-                <a:cxnSpLocks/>
-              </p:cNvCxnSpPr>
-              <p:nvPr/>
-            </p:nvCxnSpPr>
-            <p:spPr>
-              <a:xfrm>
-                <a:off x="822121" y="1771477"/>
-                <a:ext cx="5863905" cy="0"/>
-              </a:xfrm>
-              <a:prstGeom prst="line">
-                <a:avLst/>
-              </a:prstGeom>
-            </p:spPr>
-            <p:style>
-              <a:lnRef idx="2">
-                <a:schemeClr val="dk1"/>
-              </a:lnRef>
-              <a:fillRef idx="0">
-                <a:schemeClr val="dk1"/>
-              </a:fillRef>
-              <a:effectRef idx="1">
-                <a:schemeClr val="dk1"/>
-              </a:effectRef>
-              <a:fontRef idx="minor">
-                <a:schemeClr val="tx1"/>
-              </a:fontRef>
-            </p:style>
-          </p:cxnSp>
-          <p:cxnSp>
-            <p:nvCxnSpPr>
-              <p:cNvPr id="12" name="Straight Connector 11">
-                <a:extLst>
-                  <a:ext uri="{FF2B5EF4-FFF2-40B4-BE49-F238E27FC236}">
-                    <a16:creationId xmlns:a16="http://schemas.microsoft.com/office/drawing/2014/main" id="{D11B67D0-66E8-46DE-8998-A710C64CECC3}"/>
-                  </a:ext>
-                </a:extLst>
-              </p:cNvPr>
-              <p:cNvCxnSpPr>
-                <a:cxnSpLocks/>
-              </p:cNvCxnSpPr>
-              <p:nvPr/>
-            </p:nvCxnSpPr>
-            <p:spPr>
-              <a:xfrm>
-                <a:off x="789963" y="2343327"/>
-                <a:ext cx="5896063" cy="0"/>
-              </a:xfrm>
-              <a:prstGeom prst="line">
-                <a:avLst/>
-              </a:prstGeom>
-            </p:spPr>
-            <p:style>
-              <a:lnRef idx="2">
-                <a:schemeClr val="dk1"/>
-              </a:lnRef>
-              <a:fillRef idx="0">
-                <a:schemeClr val="dk1"/>
-              </a:fillRef>
-              <a:effectRef idx="1">
-                <a:schemeClr val="dk1"/>
-              </a:effectRef>
-              <a:fontRef idx="minor">
-                <a:schemeClr val="tx1"/>
-              </a:fontRef>
-            </p:style>
-          </p:cxnSp>
-          <p:cxnSp>
-            <p:nvCxnSpPr>
-              <p:cNvPr id="13" name="Straight Connector 12">
-                <a:extLst>
-                  <a:ext uri="{FF2B5EF4-FFF2-40B4-BE49-F238E27FC236}">
-                    <a16:creationId xmlns:a16="http://schemas.microsoft.com/office/drawing/2014/main" id="{4D2D8497-5C95-4D08-BCD8-99A75122512D}"/>
-                  </a:ext>
-                </a:extLst>
-              </p:cNvPr>
-              <p:cNvCxnSpPr>
-                <a:cxnSpLocks/>
-              </p:cNvCxnSpPr>
-              <p:nvPr/>
-            </p:nvCxnSpPr>
-            <p:spPr>
-              <a:xfrm>
-                <a:off x="789963" y="2695665"/>
-                <a:ext cx="5896063" cy="0"/>
-              </a:xfrm>
-              <a:prstGeom prst="line">
-                <a:avLst/>
-              </a:prstGeom>
-            </p:spPr>
-            <p:style>
-              <a:lnRef idx="2">
-                <a:schemeClr val="dk1"/>
-              </a:lnRef>
-              <a:fillRef idx="0">
-                <a:schemeClr val="dk1"/>
-              </a:fillRef>
-              <a:effectRef idx="1">
-                <a:schemeClr val="dk1"/>
-              </a:effectRef>
-              <a:fontRef idx="minor">
-                <a:schemeClr val="tx1"/>
-              </a:fontRef>
-            </p:style>
-          </p:cxnSp>
-          <p:cxnSp>
-            <p:nvCxnSpPr>
-              <p:cNvPr id="24" name="Straight Connector 23">
-                <a:extLst>
-                  <a:ext uri="{FF2B5EF4-FFF2-40B4-BE49-F238E27FC236}">
-                    <a16:creationId xmlns:a16="http://schemas.microsoft.com/office/drawing/2014/main" id="{6D1F89CE-173B-4711-930F-655DAB2E6A50}"/>
-                  </a:ext>
-                </a:extLst>
-              </p:cNvPr>
-              <p:cNvCxnSpPr>
-                <a:cxnSpLocks/>
-              </p:cNvCxnSpPr>
-              <p:nvPr/>
-            </p:nvCxnSpPr>
-            <p:spPr>
-              <a:xfrm>
-                <a:off x="1409350" y="1510018"/>
-                <a:ext cx="5276676" cy="2798"/>
-              </a:xfrm>
-              <a:prstGeom prst="line">
-                <a:avLst/>
-              </a:prstGeom>
-            </p:spPr>
-            <p:style>
-              <a:lnRef idx="1">
-                <a:schemeClr val="dk1"/>
-              </a:lnRef>
-              <a:fillRef idx="0">
-                <a:schemeClr val="dk1"/>
-              </a:fillRef>
-              <a:effectRef idx="0">
-                <a:schemeClr val="dk1"/>
-              </a:effectRef>
-              <a:fontRef idx="minor">
-                <a:schemeClr val="tx1"/>
-              </a:fontRef>
-            </p:style>
-          </p:cxnSp>
-          <p:cxnSp>
-            <p:nvCxnSpPr>
-              <p:cNvPr id="27" name="Straight Connector 26">
-                <a:extLst>
-                  <a:ext uri="{FF2B5EF4-FFF2-40B4-BE49-F238E27FC236}">
-                    <a16:creationId xmlns:a16="http://schemas.microsoft.com/office/drawing/2014/main" id="{0738860A-584A-470B-AB4B-8CE31D728295}"/>
-                  </a:ext>
-                </a:extLst>
-              </p:cNvPr>
-              <p:cNvCxnSpPr>
-                <a:cxnSpLocks/>
-              </p:cNvCxnSpPr>
-              <p:nvPr/>
-            </p:nvCxnSpPr>
-            <p:spPr>
-              <a:xfrm>
-                <a:off x="1409350" y="2080470"/>
-                <a:ext cx="5276676" cy="22372"/>
-              </a:xfrm>
-              <a:prstGeom prst="line">
-                <a:avLst/>
-              </a:prstGeom>
-            </p:spPr>
-            <p:style>
-              <a:lnRef idx="1">
-                <a:schemeClr val="dk1"/>
-              </a:lnRef>
-              <a:fillRef idx="0">
-                <a:schemeClr val="dk1"/>
-              </a:fillRef>
-              <a:effectRef idx="0">
-                <a:schemeClr val="dk1"/>
-              </a:effectRef>
-              <a:fontRef idx="minor">
-                <a:schemeClr val="tx1"/>
-              </a:fontRef>
-            </p:style>
-          </p:cxnSp>
-          <p:cxnSp>
-            <p:nvCxnSpPr>
-              <p:cNvPr id="31" name="Straight Connector 30">
-                <a:extLst>
-                  <a:ext uri="{FF2B5EF4-FFF2-40B4-BE49-F238E27FC236}">
-                    <a16:creationId xmlns:a16="http://schemas.microsoft.com/office/drawing/2014/main" id="{9F3ADEC9-DEA7-42EC-B11C-D5A6BDEF0ADA}"/>
-                  </a:ext>
-                </a:extLst>
-              </p:cNvPr>
-              <p:cNvCxnSpPr>
-                <a:cxnSpLocks/>
-              </p:cNvCxnSpPr>
-              <p:nvPr/>
-            </p:nvCxnSpPr>
-            <p:spPr>
-              <a:xfrm flipV="1">
-                <a:off x="808139" y="3025633"/>
-                <a:ext cx="5877887" cy="6990"/>
-              </a:xfrm>
-              <a:prstGeom prst="line">
-                <a:avLst/>
-              </a:prstGeom>
-            </p:spPr>
-            <p:style>
-              <a:lnRef idx="2">
-                <a:schemeClr val="dk1"/>
-              </a:lnRef>
-              <a:fillRef idx="0">
-                <a:schemeClr val="dk1"/>
-              </a:fillRef>
-              <a:effectRef idx="1">
-                <a:schemeClr val="dk1"/>
-              </a:effectRef>
-              <a:fontRef idx="minor">
-                <a:schemeClr val="tx1"/>
-              </a:fontRef>
-            </p:style>
-          </p:cxnSp>
-          <p:sp>
-            <p:nvSpPr>
-              <p:cNvPr id="14" name="Rectangle 13">
-                <a:extLst>
-                  <a:ext uri="{FF2B5EF4-FFF2-40B4-BE49-F238E27FC236}">
-                    <a16:creationId xmlns:a16="http://schemas.microsoft.com/office/drawing/2014/main" id="{2949CA46-82B8-4B9E-8082-3D8AACE8D730}"/>
-                  </a:ext>
-                </a:extLst>
-              </p:cNvPr>
-              <p:cNvSpPr/>
-              <p:nvPr/>
-            </p:nvSpPr>
-            <p:spPr>
-              <a:xfrm>
-                <a:off x="3053591" y="971024"/>
-                <a:ext cx="973121" cy="185957"/>
-              </a:xfrm>
-              <a:prstGeom prst="rect">
-                <a:avLst/>
-              </a:prstGeom>
-            </p:spPr>
-            <p:style>
-              <a:lnRef idx="2">
-                <a:schemeClr val="accent2">
-                  <a:shade val="50000"/>
-                </a:schemeClr>
-              </a:lnRef>
-              <a:fillRef idx="1">
-                <a:schemeClr val="accent2"/>
-              </a:fillRef>
-              <a:effectRef idx="0">
-                <a:schemeClr val="accent2"/>
-              </a:effectRef>
-              <a:fontRef idx="minor">
-                <a:schemeClr val="lt1"/>
-              </a:fontRef>
-            </p:style>
-            <p:txBody>
-              <a:bodyPr rtlCol="0" anchor="ctr"/>
-              <a:lstStyle/>
-              <a:p>
-                <a:pPr algn="ctr"/>
-                <a:endParaRPr lang="en-US"/>
-              </a:p>
-            </p:txBody>
-          </p:sp>
-          <p:sp>
-            <p:nvSpPr>
-              <p:cNvPr id="16" name="Rectangle 15">
-                <a:extLst>
-                  <a:ext uri="{FF2B5EF4-FFF2-40B4-BE49-F238E27FC236}">
-                    <a16:creationId xmlns:a16="http://schemas.microsoft.com/office/drawing/2014/main" id="{EDBB0EA4-98DF-4FE7-B742-667177D26DE5}"/>
-                  </a:ext>
-                </a:extLst>
-              </p:cNvPr>
-              <p:cNvSpPr/>
-              <p:nvPr/>
-            </p:nvSpPr>
-            <p:spPr>
-              <a:xfrm>
-                <a:off x="2081868" y="1586918"/>
-                <a:ext cx="973121" cy="185957"/>
-              </a:xfrm>
-              <a:prstGeom prst="rect">
-                <a:avLst/>
-              </a:prstGeom>
-            </p:spPr>
-            <p:style>
-              <a:lnRef idx="2">
-                <a:schemeClr val="accent1">
-                  <a:shade val="50000"/>
-                </a:schemeClr>
-              </a:lnRef>
-              <a:fillRef idx="1">
-                <a:schemeClr val="accent1"/>
-              </a:fillRef>
-              <a:effectRef idx="0">
-                <a:schemeClr val="accent1"/>
-              </a:effectRef>
-              <a:fontRef idx="minor">
-                <a:schemeClr val="lt1"/>
-              </a:fontRef>
-            </p:style>
-            <p:txBody>
-              <a:bodyPr rtlCol="0" anchor="ctr"/>
-              <a:lstStyle/>
-              <a:p>
-                <a:pPr algn="ctr"/>
-                <a:endParaRPr lang="en-US"/>
-              </a:p>
-            </p:txBody>
-          </p:sp>
-          <p:sp>
-            <p:nvSpPr>
-              <p:cNvPr id="18" name="Rectangle 17">
-                <a:extLst>
-                  <a:ext uri="{FF2B5EF4-FFF2-40B4-BE49-F238E27FC236}">
-                    <a16:creationId xmlns:a16="http://schemas.microsoft.com/office/drawing/2014/main" id="{AB7E13F2-31C6-4840-8AC1-06DDA6C81C84}"/>
-                  </a:ext>
-                </a:extLst>
-              </p:cNvPr>
-              <p:cNvSpPr/>
-              <p:nvPr/>
-            </p:nvSpPr>
-            <p:spPr>
-              <a:xfrm>
-                <a:off x="2292991" y="2155973"/>
-                <a:ext cx="973121" cy="185957"/>
-              </a:xfrm>
-              <a:prstGeom prst="rect">
-                <a:avLst/>
-              </a:prstGeom>
-            </p:spPr>
-            <p:style>
-              <a:lnRef idx="2">
-                <a:schemeClr val="accent6">
-                  <a:shade val="50000"/>
-                </a:schemeClr>
-              </a:lnRef>
-              <a:fillRef idx="1">
-                <a:schemeClr val="accent6"/>
-              </a:fillRef>
-              <a:effectRef idx="0">
-                <a:schemeClr val="accent6"/>
-              </a:effectRef>
-              <a:fontRef idx="minor">
-                <a:schemeClr val="lt1"/>
-              </a:fontRef>
-            </p:style>
-            <p:txBody>
-              <a:bodyPr rtlCol="0" anchor="ctr"/>
-              <a:lstStyle/>
-              <a:p>
-                <a:pPr algn="ctr"/>
-                <a:endParaRPr lang="en-US"/>
-              </a:p>
-            </p:txBody>
-          </p:sp>
-          <p:sp>
-            <p:nvSpPr>
-              <p:cNvPr id="19" name="Rectangle 18">
-                <a:extLst>
-                  <a:ext uri="{FF2B5EF4-FFF2-40B4-BE49-F238E27FC236}">
-                    <a16:creationId xmlns:a16="http://schemas.microsoft.com/office/drawing/2014/main" id="{3EA473F3-E9E2-46B5-ABBC-72C96C98E3B0}"/>
-                  </a:ext>
-                </a:extLst>
-              </p:cNvPr>
-              <p:cNvSpPr/>
-              <p:nvPr/>
-            </p:nvSpPr>
-            <p:spPr>
-              <a:xfrm>
-                <a:off x="2485936" y="2498640"/>
-                <a:ext cx="973121" cy="185957"/>
-              </a:xfrm>
-              <a:prstGeom prst="rect">
-                <a:avLst/>
-              </a:prstGeom>
-            </p:spPr>
-            <p:style>
-              <a:lnRef idx="2">
-                <a:schemeClr val="accent4">
-                  <a:shade val="50000"/>
-                </a:schemeClr>
-              </a:lnRef>
-              <a:fillRef idx="1">
-                <a:schemeClr val="accent4"/>
-              </a:fillRef>
-              <a:effectRef idx="0">
-                <a:schemeClr val="accent4"/>
-              </a:effectRef>
-              <a:fontRef idx="minor">
-                <a:schemeClr val="lt1"/>
-              </a:fontRef>
-            </p:style>
-            <p:txBody>
-              <a:bodyPr rtlCol="0" anchor="ctr"/>
-              <a:lstStyle/>
-              <a:p>
-                <a:pPr algn="ctr"/>
-                <a:endParaRPr lang="en-US"/>
-              </a:p>
-            </p:txBody>
-          </p:sp>
-          <p:cxnSp>
-            <p:nvCxnSpPr>
-              <p:cNvPr id="32" name="Straight Connector 31">
-                <a:extLst>
-                  <a:ext uri="{FF2B5EF4-FFF2-40B4-BE49-F238E27FC236}">
-                    <a16:creationId xmlns:a16="http://schemas.microsoft.com/office/drawing/2014/main" id="{EB2C2667-5A8E-4FC9-8DF7-0FF562A67065}"/>
-                  </a:ext>
-                </a:extLst>
-              </p:cNvPr>
-              <p:cNvCxnSpPr>
-                <a:cxnSpLocks/>
-              </p:cNvCxnSpPr>
-              <p:nvPr/>
-            </p:nvCxnSpPr>
-            <p:spPr>
-              <a:xfrm>
-                <a:off x="2066488" y="971024"/>
-                <a:ext cx="0" cy="2061599"/>
-              </a:xfrm>
-              <a:prstGeom prst="line">
-                <a:avLst/>
-              </a:prstGeom>
-              <a:ln w="9525" cap="flat" cmpd="sng" algn="ctr">
-                <a:solidFill>
-                  <a:schemeClr val="accent1"/>
-                </a:solidFill>
-                <a:prstDash val="dash"/>
-                <a:round/>
-                <a:headEnd type="none" w="med" len="med"/>
-                <a:tailEnd type="none" w="med" len="med"/>
-              </a:ln>
-            </p:spPr>
-            <p:style>
-              <a:lnRef idx="0">
-                <a:scrgbClr r="0" g="0" b="0"/>
-              </a:lnRef>
-              <a:fillRef idx="0">
-                <a:scrgbClr r="0" g="0" b="0"/>
-              </a:fillRef>
-              <a:effectRef idx="0">
-                <a:scrgbClr r="0" g="0" b="0"/>
-              </a:effectRef>
-              <a:fontRef idx="minor">
-                <a:schemeClr val="tx1"/>
-              </a:fontRef>
-            </p:style>
-          </p:cxnSp>
-          <p:cxnSp>
-            <p:nvCxnSpPr>
-              <p:cNvPr id="37" name="Straight Connector 36">
-                <a:extLst>
-                  <a:ext uri="{FF2B5EF4-FFF2-40B4-BE49-F238E27FC236}">
-                    <a16:creationId xmlns:a16="http://schemas.microsoft.com/office/drawing/2014/main" id="{4F5C990C-F589-4360-9AB3-4E2532C8834E}"/>
-                  </a:ext>
-                </a:extLst>
-              </p:cNvPr>
-              <p:cNvCxnSpPr>
-                <a:cxnSpLocks/>
-              </p:cNvCxnSpPr>
-              <p:nvPr/>
-            </p:nvCxnSpPr>
-            <p:spPr>
-              <a:xfrm>
-                <a:off x="3053591" y="971024"/>
-                <a:ext cx="0" cy="2061599"/>
-              </a:xfrm>
-              <a:prstGeom prst="line">
-                <a:avLst/>
-              </a:prstGeom>
-              <a:ln w="9525" cap="flat" cmpd="sng" algn="ctr">
-                <a:solidFill>
-                  <a:schemeClr val="accent1"/>
-                </a:solidFill>
-                <a:prstDash val="dash"/>
-                <a:round/>
-                <a:headEnd type="none" w="med" len="med"/>
-                <a:tailEnd type="none" w="med" len="med"/>
-              </a:ln>
-            </p:spPr>
-            <p:style>
-              <a:lnRef idx="0">
-                <a:scrgbClr r="0" g="0" b="0"/>
-              </a:lnRef>
-              <a:fillRef idx="0">
-                <a:scrgbClr r="0" g="0" b="0"/>
-              </a:fillRef>
-              <a:effectRef idx="0">
-                <a:scrgbClr r="0" g="0" b="0"/>
-              </a:effectRef>
-              <a:fontRef idx="minor">
-                <a:schemeClr val="tx1"/>
-              </a:fontRef>
-            </p:style>
-          </p:cxnSp>
-          <p:sp>
-            <p:nvSpPr>
-              <p:cNvPr id="40" name="Rectangle 39">
-                <a:extLst>
-                  <a:ext uri="{FF2B5EF4-FFF2-40B4-BE49-F238E27FC236}">
-                    <a16:creationId xmlns:a16="http://schemas.microsoft.com/office/drawing/2014/main" id="{6AE37E97-F302-47B4-985A-07033ED279C6}"/>
-                  </a:ext>
-                </a:extLst>
-              </p:cNvPr>
-              <p:cNvSpPr/>
-              <p:nvPr/>
-            </p:nvSpPr>
-            <p:spPr>
-              <a:xfrm>
-                <a:off x="2076273" y="2839676"/>
-                <a:ext cx="973121" cy="185957"/>
-              </a:xfrm>
-              <a:prstGeom prst="rect">
-                <a:avLst/>
-              </a:prstGeom>
-            </p:spPr>
-            <p:style>
-              <a:lnRef idx="2">
-                <a:schemeClr val="accent3">
-                  <a:shade val="50000"/>
-                </a:schemeClr>
-              </a:lnRef>
-              <a:fillRef idx="1">
-                <a:schemeClr val="accent3"/>
-              </a:fillRef>
-              <a:effectRef idx="0">
-                <a:schemeClr val="accent3"/>
-              </a:effectRef>
-              <a:fontRef idx="minor">
-                <a:schemeClr val="lt1"/>
-              </a:fontRef>
-            </p:style>
-            <p:txBody>
-              <a:bodyPr rtlCol="0" anchor="ctr"/>
-              <a:lstStyle/>
-              <a:p>
-                <a:pPr algn="ctr"/>
-                <a:r>
-                  <a:rPr lang="en-US" sz="900" dirty="0"/>
-                  <a:t>Guard Band</a:t>
-                </a:r>
-              </a:p>
-            </p:txBody>
-          </p:sp>
-          <p:sp>
-            <p:nvSpPr>
-              <p:cNvPr id="42" name="Rectangle 41">
-                <a:extLst>
-                  <a:ext uri="{FF2B5EF4-FFF2-40B4-BE49-F238E27FC236}">
-                    <a16:creationId xmlns:a16="http://schemas.microsoft.com/office/drawing/2014/main" id="{216016B4-59F1-48D5-99BF-97F2A9A1FEEF}"/>
-                  </a:ext>
-                </a:extLst>
-              </p:cNvPr>
-              <p:cNvSpPr/>
-              <p:nvPr/>
-            </p:nvSpPr>
-            <p:spPr>
-              <a:xfrm>
-                <a:off x="3053591" y="2843870"/>
-                <a:ext cx="973121" cy="185957"/>
-              </a:xfrm>
-              <a:prstGeom prst="rect">
-                <a:avLst/>
-              </a:prstGeom>
-            </p:spPr>
-            <p:style>
-              <a:lnRef idx="2">
-                <a:schemeClr val="accent2">
-                  <a:shade val="50000"/>
-                </a:schemeClr>
-              </a:lnRef>
-              <a:fillRef idx="1">
-                <a:schemeClr val="accent2"/>
-              </a:fillRef>
-              <a:effectRef idx="0">
-                <a:schemeClr val="accent2"/>
-              </a:effectRef>
-              <a:fontRef idx="minor">
-                <a:schemeClr val="lt1"/>
-              </a:fontRef>
-            </p:style>
-            <p:txBody>
-              <a:bodyPr rtlCol="0" anchor="ctr"/>
-              <a:lstStyle/>
-              <a:p>
-                <a:pPr algn="ctr"/>
-                <a:endParaRPr lang="en-US"/>
-              </a:p>
-            </p:txBody>
-          </p:sp>
-          <p:cxnSp>
-            <p:nvCxnSpPr>
-              <p:cNvPr id="43" name="Straight Connector 42">
-                <a:extLst>
-                  <a:ext uri="{FF2B5EF4-FFF2-40B4-BE49-F238E27FC236}">
-                    <a16:creationId xmlns:a16="http://schemas.microsoft.com/office/drawing/2014/main" id="{C0884B1F-9032-4B43-BD0A-B68DD2AD0001}"/>
-                  </a:ext>
-                </a:extLst>
-              </p:cNvPr>
-              <p:cNvCxnSpPr>
-                <a:cxnSpLocks/>
-              </p:cNvCxnSpPr>
-              <p:nvPr/>
-            </p:nvCxnSpPr>
-            <p:spPr>
-              <a:xfrm>
-                <a:off x="4036502" y="1014367"/>
-                <a:ext cx="0" cy="2061599"/>
-              </a:xfrm>
-              <a:prstGeom prst="line">
-                <a:avLst/>
-              </a:prstGeom>
-              <a:ln w="9525" cap="flat" cmpd="sng" algn="ctr">
-                <a:solidFill>
-                  <a:schemeClr val="accent1"/>
-                </a:solidFill>
-                <a:prstDash val="dash"/>
-                <a:round/>
-                <a:headEnd type="none" w="med" len="med"/>
-                <a:tailEnd type="none" w="med" len="med"/>
-              </a:ln>
-            </p:spPr>
-            <p:style>
-              <a:lnRef idx="0">
-                <a:scrgbClr r="0" g="0" b="0"/>
-              </a:lnRef>
-              <a:fillRef idx="0">
-                <a:scrgbClr r="0" g="0" b="0"/>
-              </a:fillRef>
-              <a:effectRef idx="0">
-                <a:scrgbClr r="0" g="0" b="0"/>
-              </a:effectRef>
-              <a:fontRef idx="minor">
-                <a:schemeClr val="tx1"/>
-              </a:fontRef>
-            </p:style>
-          </p:cxnSp>
-          <p:sp>
-            <p:nvSpPr>
-              <p:cNvPr id="44" name="Rectangle 43">
-                <a:extLst>
-                  <a:ext uri="{FF2B5EF4-FFF2-40B4-BE49-F238E27FC236}">
-                    <a16:creationId xmlns:a16="http://schemas.microsoft.com/office/drawing/2014/main" id="{BE5D4E2F-B50D-4865-A721-30E2FA42D517}"/>
-                  </a:ext>
-                </a:extLst>
-              </p:cNvPr>
-              <p:cNvSpPr/>
-              <p:nvPr/>
-            </p:nvSpPr>
-            <p:spPr>
-              <a:xfrm>
-                <a:off x="4038672" y="2846041"/>
-                <a:ext cx="973121" cy="178962"/>
-              </a:xfrm>
-              <a:prstGeom prst="rect">
-                <a:avLst/>
-              </a:prstGeom>
-            </p:spPr>
-            <p:style>
-              <a:lnRef idx="2">
-                <a:schemeClr val="accent1">
-                  <a:shade val="50000"/>
-                </a:schemeClr>
-              </a:lnRef>
-              <a:fillRef idx="1">
-                <a:schemeClr val="accent1"/>
-              </a:fillRef>
-              <a:effectRef idx="0">
-                <a:schemeClr val="accent1"/>
-              </a:effectRef>
-              <a:fontRef idx="minor">
-                <a:schemeClr val="lt1"/>
-              </a:fontRef>
-            </p:style>
-            <p:txBody>
-              <a:bodyPr rtlCol="0" anchor="ctr"/>
-              <a:lstStyle/>
-              <a:p>
-                <a:pPr algn="ctr"/>
-                <a:endParaRPr lang="en-US"/>
-              </a:p>
-            </p:txBody>
-          </p:sp>
-          <p:sp>
-            <p:nvSpPr>
-              <p:cNvPr id="45" name="Rectangle 44">
-                <a:extLst>
-                  <a:ext uri="{FF2B5EF4-FFF2-40B4-BE49-F238E27FC236}">
-                    <a16:creationId xmlns:a16="http://schemas.microsoft.com/office/drawing/2014/main" id="{8975170F-4E0A-4442-8683-69C6C88EBDCA}"/>
-                  </a:ext>
-                </a:extLst>
-              </p:cNvPr>
-              <p:cNvSpPr/>
-              <p:nvPr/>
-            </p:nvSpPr>
-            <p:spPr>
-              <a:xfrm>
-                <a:off x="5024441" y="2845269"/>
-                <a:ext cx="973121" cy="185957"/>
-              </a:xfrm>
-              <a:prstGeom prst="rect">
-                <a:avLst/>
-              </a:prstGeom>
-            </p:spPr>
-            <p:style>
-              <a:lnRef idx="2">
-                <a:schemeClr val="accent6">
-                  <a:shade val="50000"/>
-                </a:schemeClr>
-              </a:lnRef>
-              <a:fillRef idx="1">
-                <a:schemeClr val="accent6"/>
-              </a:fillRef>
-              <a:effectRef idx="0">
-                <a:schemeClr val="accent6"/>
-              </a:effectRef>
-              <a:fontRef idx="minor">
-                <a:schemeClr val="lt1"/>
-              </a:fontRef>
-            </p:style>
-            <p:txBody>
-              <a:bodyPr rtlCol="0" anchor="ctr"/>
-              <a:lstStyle/>
-              <a:p>
-                <a:pPr algn="ctr"/>
-                <a:endParaRPr lang="en-US"/>
-              </a:p>
-            </p:txBody>
-          </p:sp>
-          <p:cxnSp>
-            <p:nvCxnSpPr>
-              <p:cNvPr id="46" name="Straight Connector 45">
-                <a:extLst>
-                  <a:ext uri="{FF2B5EF4-FFF2-40B4-BE49-F238E27FC236}">
-                    <a16:creationId xmlns:a16="http://schemas.microsoft.com/office/drawing/2014/main" id="{80962A85-8539-4529-93B4-B723E93DFB0E}"/>
-                  </a:ext>
-                </a:extLst>
-              </p:cNvPr>
-              <p:cNvCxnSpPr>
-                <a:cxnSpLocks/>
-              </p:cNvCxnSpPr>
-              <p:nvPr/>
-            </p:nvCxnSpPr>
-            <p:spPr>
-              <a:xfrm>
-                <a:off x="5027802" y="982209"/>
-                <a:ext cx="0" cy="2061599"/>
-              </a:xfrm>
-              <a:prstGeom prst="line">
-                <a:avLst/>
-              </a:prstGeom>
-              <a:ln w="9525" cap="flat" cmpd="sng" algn="ctr">
-                <a:solidFill>
-                  <a:schemeClr val="accent1"/>
-                </a:solidFill>
-                <a:prstDash val="dash"/>
-                <a:round/>
-                <a:headEnd type="none" w="med" len="med"/>
-                <a:tailEnd type="none" w="med" len="med"/>
-              </a:ln>
-            </p:spPr>
-            <p:style>
-              <a:lnRef idx="0">
-                <a:scrgbClr r="0" g="0" b="0"/>
-              </a:lnRef>
-              <a:fillRef idx="0">
-                <a:scrgbClr r="0" g="0" b="0"/>
-              </a:fillRef>
-              <a:effectRef idx="0">
-                <a:scrgbClr r="0" g="0" b="0"/>
-              </a:effectRef>
-              <a:fontRef idx="minor">
-                <a:schemeClr val="tx1"/>
-              </a:fontRef>
-            </p:style>
-          </p:cxnSp>
-          <p:cxnSp>
-            <p:nvCxnSpPr>
-              <p:cNvPr id="48" name="Straight Connector 47">
-                <a:extLst>
-                  <a:ext uri="{FF2B5EF4-FFF2-40B4-BE49-F238E27FC236}">
-                    <a16:creationId xmlns:a16="http://schemas.microsoft.com/office/drawing/2014/main" id="{399C83DB-6B8F-4CEC-A91A-DDCA985E1D78}"/>
-                  </a:ext>
-                </a:extLst>
-              </p:cNvPr>
-              <p:cNvCxnSpPr>
-                <a:cxnSpLocks/>
-              </p:cNvCxnSpPr>
-              <p:nvPr/>
-            </p:nvCxnSpPr>
-            <p:spPr>
-              <a:xfrm flipV="1">
-                <a:off x="2053203" y="1314979"/>
-                <a:ext cx="1005982" cy="7567"/>
-              </a:xfrm>
-              <a:prstGeom prst="line">
-                <a:avLst/>
-              </a:prstGeom>
-            </p:spPr>
-            <p:style>
-              <a:lnRef idx="2">
-                <a:schemeClr val="accent1"/>
-              </a:lnRef>
-              <a:fillRef idx="0">
-                <a:schemeClr val="accent1"/>
-              </a:fillRef>
-              <a:effectRef idx="1">
-                <a:schemeClr val="accent1"/>
-              </a:effectRef>
-              <a:fontRef idx="minor">
-                <a:schemeClr val="tx1"/>
-              </a:fontRef>
-            </p:style>
-          </p:cxnSp>
-          <p:cxnSp>
-            <p:nvCxnSpPr>
-              <p:cNvPr id="51" name="Straight Connector 50">
-                <a:extLst>
-                  <a:ext uri="{FF2B5EF4-FFF2-40B4-BE49-F238E27FC236}">
-                    <a16:creationId xmlns:a16="http://schemas.microsoft.com/office/drawing/2014/main" id="{BF53DB64-4E6C-4773-8DD8-14E52E7C9AA5}"/>
-                  </a:ext>
-                </a:extLst>
-              </p:cNvPr>
-              <p:cNvCxnSpPr>
-                <a:cxnSpLocks/>
-              </p:cNvCxnSpPr>
-              <p:nvPr/>
-            </p:nvCxnSpPr>
-            <p:spPr>
-              <a:xfrm>
-                <a:off x="4043494" y="1320916"/>
-                <a:ext cx="989902" cy="191900"/>
-              </a:xfrm>
-              <a:prstGeom prst="line">
-                <a:avLst/>
-              </a:prstGeom>
-            </p:spPr>
-            <p:style>
-              <a:lnRef idx="2">
-                <a:schemeClr val="accent1"/>
-              </a:lnRef>
-              <a:fillRef idx="0">
-                <a:schemeClr val="accent1"/>
-              </a:fillRef>
-              <a:effectRef idx="1">
-                <a:schemeClr val="accent1"/>
-              </a:effectRef>
-              <a:fontRef idx="minor">
-                <a:schemeClr val="tx1"/>
-              </a:fontRef>
-            </p:style>
-          </p:cxnSp>
-          <p:cxnSp>
-            <p:nvCxnSpPr>
-              <p:cNvPr id="88" name="Straight Connector 87">
-                <a:extLst>
-                  <a:ext uri="{FF2B5EF4-FFF2-40B4-BE49-F238E27FC236}">
-                    <a16:creationId xmlns:a16="http://schemas.microsoft.com/office/drawing/2014/main" id="{3D871D16-D010-428F-9264-73BBDA7A0D92}"/>
-                  </a:ext>
-                </a:extLst>
-              </p:cNvPr>
-              <p:cNvCxnSpPr/>
-              <p:nvPr/>
-            </p:nvCxnSpPr>
-            <p:spPr>
-              <a:xfrm>
-                <a:off x="3046600" y="1320916"/>
-                <a:ext cx="980116" cy="0"/>
-              </a:xfrm>
-              <a:prstGeom prst="line">
-                <a:avLst/>
-              </a:prstGeom>
-            </p:spPr>
-            <p:style>
-              <a:lnRef idx="2">
-                <a:schemeClr val="accent1"/>
-              </a:lnRef>
-              <a:fillRef idx="0">
-                <a:schemeClr val="accent1"/>
-              </a:fillRef>
-              <a:effectRef idx="1">
-                <a:schemeClr val="accent1"/>
-              </a:effectRef>
-              <a:fontRef idx="minor">
-                <a:schemeClr val="tx1"/>
-              </a:fontRef>
-            </p:style>
-          </p:cxnSp>
-          <p:sp>
-            <p:nvSpPr>
-              <p:cNvPr id="120" name="TextBox 119">
-                <a:extLst>
-                  <a:ext uri="{FF2B5EF4-FFF2-40B4-BE49-F238E27FC236}">
-                    <a16:creationId xmlns:a16="http://schemas.microsoft.com/office/drawing/2014/main" id="{F2E383BF-C603-4DF4-A5A1-1533B068A96E}"/>
-                  </a:ext>
-                </a:extLst>
-              </p:cNvPr>
-              <p:cNvSpPr txBox="1"/>
-              <p:nvPr/>
-            </p:nvSpPr>
-            <p:spPr>
-              <a:xfrm rot="738514">
-                <a:off x="4198465" y="1202005"/>
-                <a:ext cx="668773" cy="230832"/>
-              </a:xfrm>
-              <a:prstGeom prst="rect">
-                <a:avLst/>
-              </a:prstGeom>
-              <a:noFill/>
-            </p:spPr>
-            <p:txBody>
-              <a:bodyPr wrap="none" rtlCol="0">
-                <a:spAutoFit/>
-              </a:bodyPr>
-              <a:lstStyle/>
-              <a:p>
-                <a:r>
-                  <a:rPr lang="en-US" sz="900" dirty="0" err="1"/>
-                  <a:t>sendSlope</a:t>
-                </a:r>
-                <a:endParaRPr lang="en-US" sz="900" dirty="0"/>
-              </a:p>
-            </p:txBody>
-          </p:sp>
-          <p:cxnSp>
-            <p:nvCxnSpPr>
-              <p:cNvPr id="122" name="Straight Connector 121">
-                <a:extLst>
-                  <a:ext uri="{FF2B5EF4-FFF2-40B4-BE49-F238E27FC236}">
-                    <a16:creationId xmlns:a16="http://schemas.microsoft.com/office/drawing/2014/main" id="{D8D568FB-B7D4-40F6-A42B-ECB79D3CDEB4}"/>
-                  </a:ext>
-                </a:extLst>
-              </p:cNvPr>
-              <p:cNvCxnSpPr>
-                <a:cxnSpLocks/>
-              </p:cNvCxnSpPr>
-              <p:nvPr/>
-            </p:nvCxnSpPr>
-            <p:spPr>
-              <a:xfrm flipV="1">
-                <a:off x="2276213" y="1779166"/>
-                <a:ext cx="0" cy="554026"/>
-              </a:xfrm>
-              <a:prstGeom prst="line">
-                <a:avLst/>
-              </a:prstGeom>
-              <a:ln w="9525" cap="flat" cmpd="sng" algn="ctr">
-                <a:solidFill>
-                  <a:schemeClr val="accent6"/>
-                </a:solidFill>
-                <a:prstDash val="dash"/>
-                <a:round/>
-                <a:headEnd type="none" w="med" len="med"/>
-                <a:tailEnd type="none" w="med" len="med"/>
-              </a:ln>
-            </p:spPr>
-            <p:style>
-              <a:lnRef idx="0">
-                <a:scrgbClr r="0" g="0" b="0"/>
-              </a:lnRef>
-              <a:fillRef idx="0">
-                <a:scrgbClr r="0" g="0" b="0"/>
-              </a:fillRef>
-              <a:effectRef idx="0">
-                <a:scrgbClr r="0" g="0" b="0"/>
-              </a:effectRef>
-              <a:fontRef idx="minor">
-                <a:schemeClr val="tx1"/>
-              </a:fontRef>
-            </p:style>
-          </p:cxnSp>
-          <p:cxnSp>
-            <p:nvCxnSpPr>
-              <p:cNvPr id="131" name="Straight Connector 130">
-                <a:extLst>
-                  <a:ext uri="{FF2B5EF4-FFF2-40B4-BE49-F238E27FC236}">
-                    <a16:creationId xmlns:a16="http://schemas.microsoft.com/office/drawing/2014/main" id="{E5AF9C10-A6AC-4AB4-AAC6-3CB78BA210B9}"/>
-                  </a:ext>
-                </a:extLst>
-              </p:cNvPr>
-              <p:cNvCxnSpPr/>
-              <p:nvPr/>
-            </p:nvCxnSpPr>
-            <p:spPr>
-              <a:xfrm>
-                <a:off x="3053591" y="1993434"/>
-                <a:ext cx="989903" cy="0"/>
-              </a:xfrm>
-              <a:prstGeom prst="line">
-                <a:avLst/>
-              </a:prstGeom>
-            </p:spPr>
-            <p:style>
-              <a:lnRef idx="2">
-                <a:schemeClr val="accent6"/>
-              </a:lnRef>
-              <a:fillRef idx="0">
-                <a:schemeClr val="accent6"/>
-              </a:fillRef>
-              <a:effectRef idx="1">
-                <a:schemeClr val="accent6"/>
-              </a:effectRef>
-              <a:fontRef idx="minor">
-                <a:schemeClr val="tx1"/>
-              </a:fontRef>
-            </p:style>
-          </p:cxnSp>
-          <p:cxnSp>
-            <p:nvCxnSpPr>
-              <p:cNvPr id="133" name="Straight Connector 132">
-                <a:extLst>
-                  <a:ext uri="{FF2B5EF4-FFF2-40B4-BE49-F238E27FC236}">
-                    <a16:creationId xmlns:a16="http://schemas.microsoft.com/office/drawing/2014/main" id="{4D66AB3E-6E54-4950-9B64-F8C0DF142F2E}"/>
-                  </a:ext>
-                </a:extLst>
-              </p:cNvPr>
-              <p:cNvCxnSpPr/>
-              <p:nvPr/>
-            </p:nvCxnSpPr>
-            <p:spPr>
-              <a:xfrm flipV="1">
-                <a:off x="4043494" y="1879134"/>
-                <a:ext cx="991298" cy="114300"/>
-              </a:xfrm>
-              <a:prstGeom prst="line">
-                <a:avLst/>
-              </a:prstGeom>
-            </p:spPr>
-            <p:style>
-              <a:lnRef idx="2">
-                <a:schemeClr val="accent6"/>
-              </a:lnRef>
-              <a:fillRef idx="0">
-                <a:schemeClr val="accent6"/>
-              </a:fillRef>
-              <a:effectRef idx="1">
-                <a:schemeClr val="accent6"/>
-              </a:effectRef>
-              <a:fontRef idx="minor">
-                <a:schemeClr val="tx1"/>
-              </a:fontRef>
-            </p:style>
-          </p:cxnSp>
-          <p:cxnSp>
-            <p:nvCxnSpPr>
-              <p:cNvPr id="135" name="Straight Connector 134">
-                <a:extLst>
-                  <a:ext uri="{FF2B5EF4-FFF2-40B4-BE49-F238E27FC236}">
-                    <a16:creationId xmlns:a16="http://schemas.microsoft.com/office/drawing/2014/main" id="{180746A2-AA25-4AB8-A8A1-E192794F656C}"/>
-                  </a:ext>
-                </a:extLst>
-              </p:cNvPr>
-              <p:cNvCxnSpPr>
-                <a:cxnSpLocks/>
-              </p:cNvCxnSpPr>
-              <p:nvPr/>
-            </p:nvCxnSpPr>
-            <p:spPr>
-              <a:xfrm>
-                <a:off x="5027802" y="1879134"/>
-                <a:ext cx="980111" cy="148205"/>
-              </a:xfrm>
-              <a:prstGeom prst="line">
-                <a:avLst/>
-              </a:prstGeom>
-            </p:spPr>
-            <p:style>
-              <a:lnRef idx="2">
-                <a:schemeClr val="accent6"/>
-              </a:lnRef>
-              <a:fillRef idx="0">
-                <a:schemeClr val="accent6"/>
-              </a:fillRef>
-              <a:effectRef idx="1">
-                <a:schemeClr val="accent6"/>
-              </a:effectRef>
-              <a:fontRef idx="minor">
-                <a:schemeClr val="tx1"/>
-              </a:fontRef>
-            </p:style>
-          </p:cxnSp>
-          <p:sp>
-            <p:nvSpPr>
-              <p:cNvPr id="145" name="Rectangle 144">
-                <a:extLst>
-                  <a:ext uri="{FF2B5EF4-FFF2-40B4-BE49-F238E27FC236}">
-                    <a16:creationId xmlns:a16="http://schemas.microsoft.com/office/drawing/2014/main" id="{F1384AEE-F223-4072-B79A-D1EDC39F2D5B}"/>
-                  </a:ext>
-                </a:extLst>
-              </p:cNvPr>
-              <p:cNvSpPr/>
-              <p:nvPr/>
-            </p:nvSpPr>
-            <p:spPr>
-              <a:xfrm>
-                <a:off x="6010713" y="2846041"/>
-                <a:ext cx="750814" cy="179592"/>
-              </a:xfrm>
-              <a:prstGeom prst="rect">
-                <a:avLst/>
-              </a:prstGeom>
-            </p:spPr>
-            <p:style>
-              <a:lnRef idx="2">
-                <a:schemeClr val="accent4">
-                  <a:shade val="50000"/>
-                </a:schemeClr>
-              </a:lnRef>
-              <a:fillRef idx="1">
-                <a:schemeClr val="accent4"/>
-              </a:fillRef>
-              <a:effectRef idx="0">
-                <a:schemeClr val="accent4"/>
-              </a:effectRef>
-              <a:fontRef idx="minor">
-                <a:schemeClr val="lt1"/>
-              </a:fontRef>
-            </p:style>
-            <p:txBody>
-              <a:bodyPr rtlCol="0" anchor="ctr"/>
-              <a:lstStyle/>
-              <a:p>
-                <a:pPr algn="ctr"/>
-                <a:endParaRPr lang="en-US"/>
-              </a:p>
-            </p:txBody>
-          </p:sp>
-          <p:sp>
-            <p:nvSpPr>
-              <p:cNvPr id="146" name="TextBox 145">
-                <a:extLst>
-                  <a:ext uri="{FF2B5EF4-FFF2-40B4-BE49-F238E27FC236}">
-                    <a16:creationId xmlns:a16="http://schemas.microsoft.com/office/drawing/2014/main" id="{BE9C4427-0D69-4646-9368-821C7CE5F1E8}"/>
-                  </a:ext>
-                </a:extLst>
-              </p:cNvPr>
-              <p:cNvSpPr txBox="1"/>
-              <p:nvPr/>
-            </p:nvSpPr>
-            <p:spPr>
-              <a:xfrm>
-                <a:off x="789965" y="1307043"/>
-                <a:ext cx="598411" cy="430887"/>
-              </a:xfrm>
-              <a:prstGeom prst="rect">
-                <a:avLst/>
-              </a:prstGeom>
-              <a:noFill/>
-            </p:spPr>
-            <p:txBody>
-              <a:bodyPr wrap="square" rtlCol="0">
-                <a:spAutoFit/>
-              </a:bodyPr>
-              <a:lstStyle/>
-              <a:p>
-                <a:r>
-                  <a:rPr lang="en-US" sz="1100" dirty="0"/>
-                  <a:t>CBS Class A</a:t>
-                </a:r>
-              </a:p>
-            </p:txBody>
-          </p:sp>
-          <p:sp>
-            <p:nvSpPr>
-              <p:cNvPr id="149" name="TextBox 148">
-                <a:extLst>
-                  <a:ext uri="{FF2B5EF4-FFF2-40B4-BE49-F238E27FC236}">
-                    <a16:creationId xmlns:a16="http://schemas.microsoft.com/office/drawing/2014/main" id="{60937A2C-3879-498D-AAEE-4D84D8E7E1FF}"/>
-                  </a:ext>
-                </a:extLst>
-              </p:cNvPr>
-              <p:cNvSpPr txBox="1"/>
-              <p:nvPr/>
-            </p:nvSpPr>
-            <p:spPr>
-              <a:xfrm>
-                <a:off x="791363" y="1870504"/>
-                <a:ext cx="598411" cy="430887"/>
-              </a:xfrm>
-              <a:prstGeom prst="rect">
-                <a:avLst/>
-              </a:prstGeom>
-              <a:noFill/>
-            </p:spPr>
-            <p:txBody>
-              <a:bodyPr wrap="square" rtlCol="0">
-                <a:spAutoFit/>
-              </a:bodyPr>
-              <a:lstStyle/>
-              <a:p>
-                <a:r>
-                  <a:rPr lang="en-US" sz="1100" dirty="0"/>
-                  <a:t>CBS Class A</a:t>
-                </a:r>
-              </a:p>
-            </p:txBody>
-          </p:sp>
-          <p:sp>
-            <p:nvSpPr>
-              <p:cNvPr id="150" name="TextBox 149">
-                <a:extLst>
-                  <a:ext uri="{FF2B5EF4-FFF2-40B4-BE49-F238E27FC236}">
-                    <a16:creationId xmlns:a16="http://schemas.microsoft.com/office/drawing/2014/main" id="{7F18FE8C-1F4F-4B79-9034-848F3AA16D58}"/>
-                  </a:ext>
-                </a:extLst>
-              </p:cNvPr>
-              <p:cNvSpPr txBox="1"/>
-              <p:nvPr/>
-            </p:nvSpPr>
-            <p:spPr>
-              <a:xfrm>
-                <a:off x="812342" y="2339943"/>
-                <a:ext cx="566252" cy="430887"/>
-              </a:xfrm>
-              <a:prstGeom prst="rect">
-                <a:avLst/>
-              </a:prstGeom>
-              <a:noFill/>
-            </p:spPr>
-            <p:txBody>
-              <a:bodyPr wrap="square" rtlCol="0">
-                <a:spAutoFit/>
-              </a:bodyPr>
-              <a:lstStyle/>
-              <a:p>
-                <a:r>
-                  <a:rPr lang="en-US" sz="1050" dirty="0"/>
-                  <a:t>Best Effort</a:t>
-                </a:r>
-              </a:p>
-            </p:txBody>
-          </p:sp>
-          <p:sp>
-            <p:nvSpPr>
-              <p:cNvPr id="151" name="TextBox 150">
-                <a:extLst>
-                  <a:ext uri="{FF2B5EF4-FFF2-40B4-BE49-F238E27FC236}">
-                    <a16:creationId xmlns:a16="http://schemas.microsoft.com/office/drawing/2014/main" id="{B8E1DA9A-7AF7-4C6E-86B2-55D584605679}"/>
-                  </a:ext>
-                </a:extLst>
-              </p:cNvPr>
-              <p:cNvSpPr txBox="1"/>
-              <p:nvPr/>
-            </p:nvSpPr>
-            <p:spPr>
-              <a:xfrm>
-                <a:off x="821787" y="875635"/>
-                <a:ext cx="598411" cy="261610"/>
-              </a:xfrm>
-              <a:prstGeom prst="rect">
-                <a:avLst/>
-              </a:prstGeom>
-              <a:noFill/>
-            </p:spPr>
-            <p:txBody>
-              <a:bodyPr wrap="square" rtlCol="0">
-                <a:spAutoFit/>
-              </a:bodyPr>
-              <a:lstStyle/>
-              <a:p>
-                <a:r>
-                  <a:rPr lang="en-US" sz="1100" dirty="0"/>
-                  <a:t>TAS</a:t>
-                </a:r>
-              </a:p>
-            </p:txBody>
-          </p:sp>
-          <p:sp>
-            <p:nvSpPr>
-              <p:cNvPr id="152" name="TextBox 151">
-                <a:extLst>
-                  <a:ext uri="{FF2B5EF4-FFF2-40B4-BE49-F238E27FC236}">
-                    <a16:creationId xmlns:a16="http://schemas.microsoft.com/office/drawing/2014/main" id="{E98EC128-E5E9-4B8D-9C2C-DFFA59DE7B18}"/>
-                  </a:ext>
-                </a:extLst>
-              </p:cNvPr>
-              <p:cNvSpPr txBox="1"/>
-              <p:nvPr/>
-            </p:nvSpPr>
-            <p:spPr>
-              <a:xfrm>
-                <a:off x="809539" y="2641746"/>
-                <a:ext cx="598411" cy="430887"/>
-              </a:xfrm>
-              <a:prstGeom prst="rect">
-                <a:avLst/>
-              </a:prstGeom>
-              <a:noFill/>
-            </p:spPr>
-            <p:txBody>
-              <a:bodyPr wrap="square" rtlCol="0">
-                <a:spAutoFit/>
-              </a:bodyPr>
-              <a:lstStyle/>
-              <a:p>
-                <a:r>
-                  <a:rPr lang="en-US" sz="1100" dirty="0"/>
-                  <a:t>Output Port</a:t>
-                </a:r>
-              </a:p>
-            </p:txBody>
-          </p:sp>
-          <p:sp>
-            <p:nvSpPr>
-              <p:cNvPr id="155" name="Rectangle 154">
-                <a:extLst>
-                  <a:ext uri="{FF2B5EF4-FFF2-40B4-BE49-F238E27FC236}">
-                    <a16:creationId xmlns:a16="http://schemas.microsoft.com/office/drawing/2014/main" id="{EA249E53-85FB-43CC-9399-18E5CE2262BE}"/>
-                  </a:ext>
-                </a:extLst>
-              </p:cNvPr>
-              <p:cNvSpPr/>
-              <p:nvPr/>
-            </p:nvSpPr>
-            <p:spPr>
-              <a:xfrm>
-                <a:off x="7840331" y="980286"/>
-                <a:ext cx="973121" cy="185957"/>
-              </a:xfrm>
-              <a:prstGeom prst="rect">
-                <a:avLst/>
-              </a:prstGeom>
-            </p:spPr>
-            <p:style>
-              <a:lnRef idx="2">
-                <a:schemeClr val="accent2">
-                  <a:shade val="50000"/>
-                </a:schemeClr>
-              </a:lnRef>
-              <a:fillRef idx="1">
-                <a:schemeClr val="accent2"/>
-              </a:fillRef>
-              <a:effectRef idx="0">
-                <a:schemeClr val="accent2"/>
-              </a:effectRef>
-              <a:fontRef idx="minor">
-                <a:schemeClr val="lt1"/>
-              </a:fontRef>
-            </p:style>
-            <p:txBody>
-              <a:bodyPr rtlCol="0" anchor="ctr"/>
-              <a:lstStyle/>
-              <a:p>
-                <a:pPr algn="ctr"/>
-                <a:endParaRPr lang="en-US"/>
-              </a:p>
-            </p:txBody>
-          </p:sp>
-          <p:sp>
-            <p:nvSpPr>
-              <p:cNvPr id="156" name="Rectangle 155">
-                <a:extLst>
-                  <a:ext uri="{FF2B5EF4-FFF2-40B4-BE49-F238E27FC236}">
-                    <a16:creationId xmlns:a16="http://schemas.microsoft.com/office/drawing/2014/main" id="{448F13C2-DB62-4BB3-845A-AD3D44CFBACB}"/>
-                  </a:ext>
-                </a:extLst>
-              </p:cNvPr>
-              <p:cNvSpPr/>
-              <p:nvPr/>
-            </p:nvSpPr>
-            <p:spPr>
-              <a:xfrm>
-                <a:off x="6860219" y="1596180"/>
-                <a:ext cx="973121" cy="185957"/>
-              </a:xfrm>
-              <a:prstGeom prst="rect">
-                <a:avLst/>
-              </a:prstGeom>
-            </p:spPr>
-            <p:style>
-              <a:lnRef idx="2">
-                <a:schemeClr val="accent1">
-                  <a:shade val="50000"/>
-                </a:schemeClr>
-              </a:lnRef>
-              <a:fillRef idx="1">
-                <a:schemeClr val="accent1"/>
-              </a:fillRef>
-              <a:effectRef idx="0">
-                <a:schemeClr val="accent1"/>
-              </a:effectRef>
-              <a:fontRef idx="minor">
-                <a:schemeClr val="lt1"/>
-              </a:fontRef>
-            </p:style>
-            <p:txBody>
-              <a:bodyPr rtlCol="0" anchor="ctr"/>
-              <a:lstStyle/>
-              <a:p>
-                <a:pPr algn="ctr"/>
-                <a:endParaRPr lang="en-US"/>
-              </a:p>
-            </p:txBody>
-          </p:sp>
-          <p:sp>
-            <p:nvSpPr>
-              <p:cNvPr id="157" name="Rectangle 156">
-                <a:extLst>
-                  <a:ext uri="{FF2B5EF4-FFF2-40B4-BE49-F238E27FC236}">
-                    <a16:creationId xmlns:a16="http://schemas.microsoft.com/office/drawing/2014/main" id="{18721B08-3346-4BDB-8BA8-572C71D0DDFA}"/>
-                  </a:ext>
-                </a:extLst>
-              </p:cNvPr>
-              <p:cNvSpPr/>
-              <p:nvPr/>
-            </p:nvSpPr>
-            <p:spPr>
-              <a:xfrm>
-                <a:off x="7079731" y="2165235"/>
-                <a:ext cx="973121" cy="185957"/>
-              </a:xfrm>
-              <a:prstGeom prst="rect">
-                <a:avLst/>
-              </a:prstGeom>
-            </p:spPr>
-            <p:style>
-              <a:lnRef idx="2">
-                <a:schemeClr val="accent6">
-                  <a:shade val="50000"/>
-                </a:schemeClr>
-              </a:lnRef>
-              <a:fillRef idx="1">
-                <a:schemeClr val="accent6"/>
-              </a:fillRef>
-              <a:effectRef idx="0">
-                <a:schemeClr val="accent6"/>
-              </a:effectRef>
-              <a:fontRef idx="minor">
-                <a:schemeClr val="lt1"/>
-              </a:fontRef>
-            </p:style>
-            <p:txBody>
-              <a:bodyPr rtlCol="0" anchor="ctr"/>
-              <a:lstStyle/>
-              <a:p>
-                <a:pPr algn="ctr"/>
-                <a:endParaRPr lang="en-US"/>
-              </a:p>
-            </p:txBody>
-          </p:sp>
-          <p:sp>
-            <p:nvSpPr>
-              <p:cNvPr id="158" name="Rectangle 157">
-                <a:extLst>
-                  <a:ext uri="{FF2B5EF4-FFF2-40B4-BE49-F238E27FC236}">
-                    <a16:creationId xmlns:a16="http://schemas.microsoft.com/office/drawing/2014/main" id="{0C697FD7-EE4C-4702-A4D0-AF85FEBF7A91}"/>
-                  </a:ext>
-                </a:extLst>
-              </p:cNvPr>
-              <p:cNvSpPr/>
-              <p:nvPr/>
-            </p:nvSpPr>
-            <p:spPr>
-              <a:xfrm>
-                <a:off x="7272676" y="2495202"/>
-                <a:ext cx="973121" cy="185957"/>
-              </a:xfrm>
-              <a:prstGeom prst="rect">
-                <a:avLst/>
-              </a:prstGeom>
-            </p:spPr>
-            <p:style>
-              <a:lnRef idx="2">
-                <a:schemeClr val="accent4">
-                  <a:shade val="50000"/>
-                </a:schemeClr>
-              </a:lnRef>
-              <a:fillRef idx="1">
-                <a:schemeClr val="accent4"/>
-              </a:fillRef>
-              <a:effectRef idx="0">
-                <a:schemeClr val="accent4"/>
-              </a:effectRef>
-              <a:fontRef idx="minor">
-                <a:schemeClr val="lt1"/>
-              </a:fontRef>
-            </p:style>
-            <p:txBody>
-              <a:bodyPr rtlCol="0" anchor="ctr"/>
-              <a:lstStyle/>
-              <a:p>
-                <a:pPr algn="ctr"/>
-                <a:endParaRPr lang="en-US"/>
-              </a:p>
-            </p:txBody>
-          </p:sp>
-          <p:cxnSp>
-            <p:nvCxnSpPr>
-              <p:cNvPr id="159" name="Straight Connector 158">
-                <a:extLst>
-                  <a:ext uri="{FF2B5EF4-FFF2-40B4-BE49-F238E27FC236}">
-                    <a16:creationId xmlns:a16="http://schemas.microsoft.com/office/drawing/2014/main" id="{7E7E509F-9FE1-4223-94C9-61748A80DD2A}"/>
-                  </a:ext>
-                </a:extLst>
-              </p:cNvPr>
-              <p:cNvCxnSpPr>
-                <a:cxnSpLocks/>
-              </p:cNvCxnSpPr>
-              <p:nvPr/>
-            </p:nvCxnSpPr>
-            <p:spPr>
-              <a:xfrm>
-                <a:off x="6853228" y="980286"/>
-                <a:ext cx="0" cy="2061599"/>
-              </a:xfrm>
-              <a:prstGeom prst="line">
-                <a:avLst/>
-              </a:prstGeom>
-              <a:ln w="9525" cap="flat" cmpd="sng" algn="ctr">
-                <a:solidFill>
-                  <a:schemeClr val="accent1"/>
-                </a:solidFill>
-                <a:prstDash val="dash"/>
-                <a:round/>
-                <a:headEnd type="none" w="med" len="med"/>
-                <a:tailEnd type="none" w="med" len="med"/>
-              </a:ln>
-            </p:spPr>
-            <p:style>
-              <a:lnRef idx="0">
-                <a:scrgbClr r="0" g="0" b="0"/>
-              </a:lnRef>
-              <a:fillRef idx="0">
-                <a:scrgbClr r="0" g="0" b="0"/>
-              </a:fillRef>
-              <a:effectRef idx="0">
-                <a:scrgbClr r="0" g="0" b="0"/>
-              </a:effectRef>
-              <a:fontRef idx="minor">
-                <a:schemeClr val="tx1"/>
-              </a:fontRef>
-            </p:style>
-          </p:cxnSp>
-          <p:cxnSp>
-            <p:nvCxnSpPr>
-              <p:cNvPr id="160" name="Straight Connector 159">
-                <a:extLst>
-                  <a:ext uri="{FF2B5EF4-FFF2-40B4-BE49-F238E27FC236}">
-                    <a16:creationId xmlns:a16="http://schemas.microsoft.com/office/drawing/2014/main" id="{8599F672-CC3A-4510-87B0-D08CFD4EBBB4}"/>
-                  </a:ext>
-                </a:extLst>
-              </p:cNvPr>
-              <p:cNvCxnSpPr>
-                <a:cxnSpLocks/>
-              </p:cNvCxnSpPr>
-              <p:nvPr/>
-            </p:nvCxnSpPr>
-            <p:spPr>
-              <a:xfrm>
-                <a:off x="7840331" y="980286"/>
-                <a:ext cx="0" cy="2061599"/>
-              </a:xfrm>
-              <a:prstGeom prst="line">
-                <a:avLst/>
-              </a:prstGeom>
-              <a:ln w="9525" cap="flat" cmpd="sng" algn="ctr">
-                <a:solidFill>
-                  <a:schemeClr val="accent1"/>
-                </a:solidFill>
-                <a:prstDash val="dash"/>
-                <a:round/>
-                <a:headEnd type="none" w="med" len="med"/>
-                <a:tailEnd type="none" w="med" len="med"/>
-              </a:ln>
-            </p:spPr>
-            <p:style>
-              <a:lnRef idx="0">
-                <a:scrgbClr r="0" g="0" b="0"/>
-              </a:lnRef>
-              <a:fillRef idx="0">
-                <a:scrgbClr r="0" g="0" b="0"/>
-              </a:fillRef>
-              <a:effectRef idx="0">
-                <a:scrgbClr r="0" g="0" b="0"/>
-              </a:effectRef>
-              <a:fontRef idx="minor">
-                <a:schemeClr val="tx1"/>
-              </a:fontRef>
-            </p:style>
-          </p:cxnSp>
-          <p:sp>
-            <p:nvSpPr>
-              <p:cNvPr id="161" name="Rectangle 160">
-                <a:extLst>
-                  <a:ext uri="{FF2B5EF4-FFF2-40B4-BE49-F238E27FC236}">
-                    <a16:creationId xmlns:a16="http://schemas.microsoft.com/office/drawing/2014/main" id="{EE69EA10-6285-4BA3-A095-59657A13B2F5}"/>
-                  </a:ext>
-                </a:extLst>
-              </p:cNvPr>
-              <p:cNvSpPr/>
-              <p:nvPr/>
-            </p:nvSpPr>
-            <p:spPr>
-              <a:xfrm>
-                <a:off x="7699696" y="2854531"/>
-                <a:ext cx="136438" cy="184554"/>
-              </a:xfrm>
-              <a:prstGeom prst="rect">
-                <a:avLst/>
-              </a:prstGeom>
-            </p:spPr>
-            <p:style>
-              <a:lnRef idx="2">
-                <a:schemeClr val="accent3">
-                  <a:shade val="50000"/>
-                </a:schemeClr>
-              </a:lnRef>
-              <a:fillRef idx="1">
-                <a:schemeClr val="accent3"/>
-              </a:fillRef>
-              <a:effectRef idx="0">
-                <a:schemeClr val="accent3"/>
-              </a:effectRef>
-              <a:fontRef idx="minor">
-                <a:schemeClr val="lt1"/>
-              </a:fontRef>
-            </p:style>
-            <p:txBody>
-              <a:bodyPr rtlCol="0" anchor="ctr"/>
-              <a:lstStyle/>
-              <a:p>
-                <a:pPr algn="ctr"/>
-                <a:endParaRPr lang="en-US" sz="900" dirty="0"/>
-              </a:p>
-            </p:txBody>
-          </p:sp>
-          <p:sp>
-            <p:nvSpPr>
-              <p:cNvPr id="162" name="Rectangle 161">
-                <a:extLst>
-                  <a:ext uri="{FF2B5EF4-FFF2-40B4-BE49-F238E27FC236}">
-                    <a16:creationId xmlns:a16="http://schemas.microsoft.com/office/drawing/2014/main" id="{0FC1D394-AF69-4816-B311-06BF92878ECD}"/>
-                  </a:ext>
-                </a:extLst>
-              </p:cNvPr>
-              <p:cNvSpPr/>
-              <p:nvPr/>
-            </p:nvSpPr>
-            <p:spPr>
-              <a:xfrm>
-                <a:off x="7840331" y="2854526"/>
-                <a:ext cx="973121" cy="184563"/>
-              </a:xfrm>
-              <a:prstGeom prst="rect">
-                <a:avLst/>
-              </a:prstGeom>
-            </p:spPr>
-            <p:style>
-              <a:lnRef idx="2">
-                <a:schemeClr val="accent2">
-                  <a:shade val="50000"/>
-                </a:schemeClr>
-              </a:lnRef>
-              <a:fillRef idx="1">
-                <a:schemeClr val="accent2"/>
-              </a:fillRef>
-              <a:effectRef idx="0">
-                <a:schemeClr val="accent2"/>
-              </a:effectRef>
-              <a:fontRef idx="minor">
-                <a:schemeClr val="lt1"/>
-              </a:fontRef>
-            </p:style>
-            <p:txBody>
-              <a:bodyPr rtlCol="0" anchor="ctr"/>
-              <a:lstStyle/>
-              <a:p>
-                <a:pPr algn="ctr"/>
-                <a:endParaRPr lang="en-US"/>
-              </a:p>
-            </p:txBody>
-          </p:sp>
-          <p:cxnSp>
-            <p:nvCxnSpPr>
-              <p:cNvPr id="163" name="Straight Connector 162">
-                <a:extLst>
-                  <a:ext uri="{FF2B5EF4-FFF2-40B4-BE49-F238E27FC236}">
-                    <a16:creationId xmlns:a16="http://schemas.microsoft.com/office/drawing/2014/main" id="{E26F4E76-E278-442E-B33E-6182EA46A23E}"/>
-                  </a:ext>
-                </a:extLst>
-              </p:cNvPr>
-              <p:cNvCxnSpPr>
-                <a:cxnSpLocks/>
-              </p:cNvCxnSpPr>
-              <p:nvPr/>
-            </p:nvCxnSpPr>
-            <p:spPr>
-              <a:xfrm>
-                <a:off x="8823242" y="1023629"/>
-                <a:ext cx="0" cy="2061599"/>
-              </a:xfrm>
-              <a:prstGeom prst="line">
-                <a:avLst/>
-              </a:prstGeom>
-              <a:ln w="9525" cap="flat" cmpd="sng" algn="ctr">
-                <a:solidFill>
-                  <a:schemeClr val="accent1"/>
-                </a:solidFill>
-                <a:prstDash val="dash"/>
-                <a:round/>
-                <a:headEnd type="none" w="med" len="med"/>
-                <a:tailEnd type="none" w="med" len="med"/>
-              </a:ln>
-            </p:spPr>
-            <p:style>
-              <a:lnRef idx="0">
-                <a:scrgbClr r="0" g="0" b="0"/>
-              </a:lnRef>
-              <a:fillRef idx="0">
-                <a:scrgbClr r="0" g="0" b="0"/>
-              </a:fillRef>
-              <a:effectRef idx="0">
-                <a:scrgbClr r="0" g="0" b="0"/>
-              </a:effectRef>
-              <a:fontRef idx="minor">
-                <a:schemeClr val="tx1"/>
-              </a:fontRef>
-            </p:style>
-          </p:cxnSp>
-          <p:sp>
-            <p:nvSpPr>
-              <p:cNvPr id="165" name="Rectangle 164">
-                <a:extLst>
-                  <a:ext uri="{FF2B5EF4-FFF2-40B4-BE49-F238E27FC236}">
-                    <a16:creationId xmlns:a16="http://schemas.microsoft.com/office/drawing/2014/main" id="{014E3220-4E0B-4612-BA8F-0F4354E650B0}"/>
-                  </a:ext>
-                </a:extLst>
-              </p:cNvPr>
-              <p:cNvSpPr/>
-              <p:nvPr/>
-            </p:nvSpPr>
-            <p:spPr>
-              <a:xfrm>
-                <a:off x="9128045" y="2854531"/>
-                <a:ext cx="973121" cy="185957"/>
-              </a:xfrm>
-              <a:prstGeom prst="rect">
-                <a:avLst/>
-              </a:prstGeom>
-            </p:spPr>
-            <p:style>
-              <a:lnRef idx="2">
-                <a:schemeClr val="accent6">
-                  <a:shade val="50000"/>
-                </a:schemeClr>
-              </a:lnRef>
-              <a:fillRef idx="1">
-                <a:schemeClr val="accent6"/>
-              </a:fillRef>
-              <a:effectRef idx="0">
-                <a:schemeClr val="accent6"/>
-              </a:effectRef>
-              <a:fontRef idx="minor">
-                <a:schemeClr val="lt1"/>
-              </a:fontRef>
-            </p:style>
-            <p:txBody>
-              <a:bodyPr rtlCol="0" anchor="ctr"/>
-              <a:lstStyle/>
-              <a:p>
-                <a:pPr algn="ctr"/>
-                <a:endParaRPr lang="en-US"/>
-              </a:p>
-            </p:txBody>
-          </p:sp>
-          <p:cxnSp>
-            <p:nvCxnSpPr>
-              <p:cNvPr id="166" name="Straight Connector 165">
-                <a:extLst>
-                  <a:ext uri="{FF2B5EF4-FFF2-40B4-BE49-F238E27FC236}">
-                    <a16:creationId xmlns:a16="http://schemas.microsoft.com/office/drawing/2014/main" id="{461A18D9-D938-48A2-9588-F876F0BEA06C}"/>
-                  </a:ext>
-                </a:extLst>
-              </p:cNvPr>
-              <p:cNvCxnSpPr>
-                <a:cxnSpLocks/>
-              </p:cNvCxnSpPr>
-              <p:nvPr/>
-            </p:nvCxnSpPr>
-            <p:spPr>
-              <a:xfrm>
-                <a:off x="10099768" y="991471"/>
-                <a:ext cx="0" cy="2061599"/>
-              </a:xfrm>
-              <a:prstGeom prst="line">
-                <a:avLst/>
-              </a:prstGeom>
-              <a:ln w="9525" cap="flat" cmpd="sng" algn="ctr">
-                <a:solidFill>
-                  <a:schemeClr val="accent1"/>
-                </a:solidFill>
-                <a:prstDash val="dash"/>
-                <a:round/>
-                <a:headEnd type="none" w="med" len="med"/>
-                <a:tailEnd type="none" w="med" len="med"/>
-              </a:ln>
-            </p:spPr>
-            <p:style>
-              <a:lnRef idx="0">
-                <a:scrgbClr r="0" g="0" b="0"/>
-              </a:lnRef>
-              <a:fillRef idx="0">
-                <a:scrgbClr r="0" g="0" b="0"/>
-              </a:fillRef>
-              <a:effectRef idx="0">
-                <a:scrgbClr r="0" g="0" b="0"/>
-              </a:effectRef>
-              <a:fontRef idx="minor">
-                <a:schemeClr val="tx1"/>
-              </a:fontRef>
-            </p:style>
-          </p:cxnSp>
-          <p:cxnSp>
-            <p:nvCxnSpPr>
-              <p:cNvPr id="172" name="Straight Connector 171">
-                <a:extLst>
-                  <a:ext uri="{FF2B5EF4-FFF2-40B4-BE49-F238E27FC236}">
-                    <a16:creationId xmlns:a16="http://schemas.microsoft.com/office/drawing/2014/main" id="{BDE883B8-BA9D-4DD4-9980-4D9D9B6CD45C}"/>
-                  </a:ext>
-                </a:extLst>
-              </p:cNvPr>
-              <p:cNvCxnSpPr>
-                <a:cxnSpLocks/>
-              </p:cNvCxnSpPr>
-              <p:nvPr/>
-            </p:nvCxnSpPr>
-            <p:spPr>
-              <a:xfrm flipV="1">
-                <a:off x="7062953" y="1788428"/>
-                <a:ext cx="0" cy="554026"/>
-              </a:xfrm>
-              <a:prstGeom prst="line">
-                <a:avLst/>
-              </a:prstGeom>
-              <a:ln w="9525" cap="flat" cmpd="sng" algn="ctr">
-                <a:solidFill>
-                  <a:schemeClr val="accent6"/>
-                </a:solidFill>
-                <a:prstDash val="dash"/>
-                <a:round/>
-                <a:headEnd type="none" w="med" len="med"/>
-                <a:tailEnd type="none" w="med" len="med"/>
-              </a:ln>
-            </p:spPr>
-            <p:style>
-              <a:lnRef idx="0">
-                <a:scrgbClr r="0" g="0" b="0"/>
-              </a:lnRef>
-              <a:fillRef idx="0">
-                <a:scrgbClr r="0" g="0" b="0"/>
-              </a:fillRef>
-              <a:effectRef idx="0">
-                <a:scrgbClr r="0" g="0" b="0"/>
-              </a:effectRef>
-              <a:fontRef idx="minor">
-                <a:schemeClr val="tx1"/>
-              </a:fontRef>
-            </p:style>
-          </p:cxnSp>
-          <p:cxnSp>
-            <p:nvCxnSpPr>
-              <p:cNvPr id="173" name="Straight Connector 172">
-                <a:extLst>
-                  <a:ext uri="{FF2B5EF4-FFF2-40B4-BE49-F238E27FC236}">
-                    <a16:creationId xmlns:a16="http://schemas.microsoft.com/office/drawing/2014/main" id="{8244BE11-17B3-441E-A5C6-34F25B99F813}"/>
-                  </a:ext>
-                </a:extLst>
-              </p:cNvPr>
-              <p:cNvCxnSpPr/>
-              <p:nvPr/>
-            </p:nvCxnSpPr>
-            <p:spPr>
-              <a:xfrm flipV="1">
-                <a:off x="7062953" y="2002696"/>
-                <a:ext cx="777378" cy="78647"/>
-              </a:xfrm>
-              <a:prstGeom prst="line">
-                <a:avLst/>
-              </a:prstGeom>
-            </p:spPr>
-            <p:style>
-              <a:lnRef idx="2">
-                <a:schemeClr val="accent6"/>
-              </a:lnRef>
-              <a:fillRef idx="0">
-                <a:schemeClr val="accent6"/>
-              </a:fillRef>
-              <a:effectRef idx="1">
-                <a:schemeClr val="accent6"/>
-              </a:effectRef>
-              <a:fontRef idx="minor">
-                <a:schemeClr val="tx1"/>
-              </a:fontRef>
-            </p:style>
-          </p:cxnSp>
-          <p:cxnSp>
-            <p:nvCxnSpPr>
-              <p:cNvPr id="174" name="Straight Connector 173">
-                <a:extLst>
-                  <a:ext uri="{FF2B5EF4-FFF2-40B4-BE49-F238E27FC236}">
-                    <a16:creationId xmlns:a16="http://schemas.microsoft.com/office/drawing/2014/main" id="{E2C24401-CA4F-40C4-976B-3E2B8E1CF418}"/>
-                  </a:ext>
-                </a:extLst>
-              </p:cNvPr>
-              <p:cNvCxnSpPr/>
-              <p:nvPr/>
-            </p:nvCxnSpPr>
-            <p:spPr>
-              <a:xfrm>
-                <a:off x="7840331" y="2002696"/>
-                <a:ext cx="989903" cy="0"/>
-              </a:xfrm>
-              <a:prstGeom prst="line">
-                <a:avLst/>
-              </a:prstGeom>
-            </p:spPr>
-            <p:style>
-              <a:lnRef idx="2">
-                <a:schemeClr val="accent6"/>
-              </a:lnRef>
-              <a:fillRef idx="0">
-                <a:schemeClr val="accent6"/>
-              </a:fillRef>
-              <a:effectRef idx="1">
-                <a:schemeClr val="accent6"/>
-              </a:effectRef>
-              <a:fontRef idx="minor">
-                <a:schemeClr val="tx1"/>
-              </a:fontRef>
-            </p:style>
-          </p:cxnSp>
-          <p:cxnSp>
-            <p:nvCxnSpPr>
-              <p:cNvPr id="175" name="Straight Connector 174">
-                <a:extLst>
-                  <a:ext uri="{FF2B5EF4-FFF2-40B4-BE49-F238E27FC236}">
-                    <a16:creationId xmlns:a16="http://schemas.microsoft.com/office/drawing/2014/main" id="{D3A98F7F-8EED-40ED-862A-8FEB5FFD8227}"/>
-                  </a:ext>
-                </a:extLst>
-              </p:cNvPr>
-              <p:cNvCxnSpPr>
-                <a:cxnSpLocks/>
-              </p:cNvCxnSpPr>
-              <p:nvPr/>
-            </p:nvCxnSpPr>
-            <p:spPr>
-              <a:xfrm flipV="1">
-                <a:off x="8830234" y="1957171"/>
-                <a:ext cx="297320" cy="45525"/>
-              </a:xfrm>
-              <a:prstGeom prst="line">
-                <a:avLst/>
-              </a:prstGeom>
-            </p:spPr>
-            <p:style>
-              <a:lnRef idx="2">
-                <a:schemeClr val="accent6"/>
-              </a:lnRef>
-              <a:fillRef idx="0">
-                <a:schemeClr val="accent6"/>
-              </a:fillRef>
-              <a:effectRef idx="1">
-                <a:schemeClr val="accent6"/>
-              </a:effectRef>
-              <a:fontRef idx="minor">
-                <a:schemeClr val="tx1"/>
-              </a:fontRef>
-            </p:style>
-          </p:cxnSp>
-          <p:cxnSp>
-            <p:nvCxnSpPr>
-              <p:cNvPr id="176" name="Straight Connector 175">
-                <a:extLst>
-                  <a:ext uri="{FF2B5EF4-FFF2-40B4-BE49-F238E27FC236}">
-                    <a16:creationId xmlns:a16="http://schemas.microsoft.com/office/drawing/2014/main" id="{9C2C8F0A-02C2-46AD-A3D2-8992E1DAD187}"/>
-                  </a:ext>
-                </a:extLst>
-              </p:cNvPr>
-              <p:cNvCxnSpPr>
-                <a:cxnSpLocks/>
-              </p:cNvCxnSpPr>
-              <p:nvPr/>
-            </p:nvCxnSpPr>
-            <p:spPr>
-              <a:xfrm>
-                <a:off x="9140825" y="1952625"/>
-                <a:ext cx="960341" cy="115526"/>
-              </a:xfrm>
-              <a:prstGeom prst="line">
-                <a:avLst/>
-              </a:prstGeom>
-            </p:spPr>
-            <p:style>
-              <a:lnRef idx="2">
-                <a:schemeClr val="accent6"/>
-              </a:lnRef>
-              <a:fillRef idx="0">
-                <a:schemeClr val="accent6"/>
-              </a:fillRef>
-              <a:effectRef idx="1">
-                <a:schemeClr val="accent6"/>
-              </a:effectRef>
-              <a:fontRef idx="minor">
-                <a:schemeClr val="tx1"/>
-              </a:fontRef>
-            </p:style>
-          </p:cxnSp>
-          <p:sp>
-            <p:nvSpPr>
-              <p:cNvPr id="177" name="Rectangle 176">
-                <a:extLst>
-                  <a:ext uri="{FF2B5EF4-FFF2-40B4-BE49-F238E27FC236}">
-                    <a16:creationId xmlns:a16="http://schemas.microsoft.com/office/drawing/2014/main" id="{95488850-3CC3-410A-84F3-0C551A4BF8D9}"/>
-                  </a:ext>
-                </a:extLst>
-              </p:cNvPr>
-              <p:cNvSpPr/>
-              <p:nvPr/>
-            </p:nvSpPr>
-            <p:spPr>
-              <a:xfrm>
-                <a:off x="10101166" y="2854531"/>
-                <a:ext cx="762829" cy="180363"/>
-              </a:xfrm>
-              <a:prstGeom prst="rect">
-                <a:avLst/>
-              </a:prstGeom>
-            </p:spPr>
-            <p:style>
-              <a:lnRef idx="2">
-                <a:schemeClr val="accent4">
-                  <a:shade val="50000"/>
-                </a:schemeClr>
-              </a:lnRef>
-              <a:fillRef idx="1">
-                <a:schemeClr val="accent4"/>
-              </a:fillRef>
-              <a:effectRef idx="0">
-                <a:schemeClr val="accent4"/>
-              </a:effectRef>
-              <a:fontRef idx="minor">
-                <a:schemeClr val="lt1"/>
-              </a:fontRef>
-            </p:style>
-            <p:txBody>
-              <a:bodyPr rtlCol="0" anchor="ctr"/>
-              <a:lstStyle/>
-              <a:p>
-                <a:pPr algn="ctr"/>
-                <a:endParaRPr lang="en-US"/>
-              </a:p>
-            </p:txBody>
-          </p:sp>
-          <p:cxnSp>
-            <p:nvCxnSpPr>
-              <p:cNvPr id="182" name="Straight Connector 181">
-                <a:extLst>
-                  <a:ext uri="{FF2B5EF4-FFF2-40B4-BE49-F238E27FC236}">
-                    <a16:creationId xmlns:a16="http://schemas.microsoft.com/office/drawing/2014/main" id="{183D171E-8C30-4CA0-93F8-6CA4B8B35893}"/>
-                  </a:ext>
-                </a:extLst>
-              </p:cNvPr>
-              <p:cNvCxnSpPr>
-                <a:cxnSpLocks/>
-              </p:cNvCxnSpPr>
-              <p:nvPr/>
-            </p:nvCxnSpPr>
-            <p:spPr>
-              <a:xfrm>
-                <a:off x="6855204" y="1780739"/>
-                <a:ext cx="4360877" cy="0"/>
-              </a:xfrm>
-              <a:prstGeom prst="line">
-                <a:avLst/>
-              </a:prstGeom>
-            </p:spPr>
-            <p:style>
-              <a:lnRef idx="2">
-                <a:schemeClr val="dk1"/>
-              </a:lnRef>
-              <a:fillRef idx="0">
-                <a:schemeClr val="dk1"/>
-              </a:fillRef>
-              <a:effectRef idx="1">
-                <a:schemeClr val="dk1"/>
-              </a:effectRef>
-              <a:fontRef idx="minor">
-                <a:schemeClr val="tx1"/>
-              </a:fontRef>
-            </p:style>
-          </p:cxnSp>
-          <p:cxnSp>
-            <p:nvCxnSpPr>
-              <p:cNvPr id="187" name="Straight Connector 186">
-                <a:extLst>
-                  <a:ext uri="{FF2B5EF4-FFF2-40B4-BE49-F238E27FC236}">
-                    <a16:creationId xmlns:a16="http://schemas.microsoft.com/office/drawing/2014/main" id="{5082303B-EBD5-43B3-9165-A1909EB2CDBB}"/>
-                  </a:ext>
-                </a:extLst>
-              </p:cNvPr>
-              <p:cNvCxnSpPr>
-                <a:cxnSpLocks/>
-              </p:cNvCxnSpPr>
-              <p:nvPr/>
-            </p:nvCxnSpPr>
-            <p:spPr>
-              <a:xfrm>
-                <a:off x="6848213" y="1178129"/>
-                <a:ext cx="4360877" cy="0"/>
-              </a:xfrm>
-              <a:prstGeom prst="line">
-                <a:avLst/>
-              </a:prstGeom>
-            </p:spPr>
-            <p:style>
-              <a:lnRef idx="2">
-                <a:schemeClr val="dk1"/>
-              </a:lnRef>
-              <a:fillRef idx="0">
-                <a:schemeClr val="dk1"/>
-              </a:fillRef>
-              <a:effectRef idx="1">
-                <a:schemeClr val="dk1"/>
-              </a:effectRef>
-              <a:fontRef idx="minor">
-                <a:schemeClr val="tx1"/>
-              </a:fontRef>
-            </p:style>
-          </p:cxnSp>
-          <p:cxnSp>
-            <p:nvCxnSpPr>
-              <p:cNvPr id="188" name="Straight Connector 187">
-                <a:extLst>
-                  <a:ext uri="{FF2B5EF4-FFF2-40B4-BE49-F238E27FC236}">
-                    <a16:creationId xmlns:a16="http://schemas.microsoft.com/office/drawing/2014/main" id="{48D49844-0A1E-421D-B1FA-CC6C07707F50}"/>
-                  </a:ext>
-                </a:extLst>
-              </p:cNvPr>
-              <p:cNvCxnSpPr>
-                <a:cxnSpLocks/>
-              </p:cNvCxnSpPr>
-              <p:nvPr/>
-            </p:nvCxnSpPr>
-            <p:spPr>
-              <a:xfrm>
-                <a:off x="6863598" y="1511416"/>
-                <a:ext cx="4345492" cy="26215"/>
-              </a:xfrm>
-              <a:prstGeom prst="line">
-                <a:avLst/>
-              </a:prstGeom>
-            </p:spPr>
-            <p:style>
-              <a:lnRef idx="1">
-                <a:schemeClr val="dk1"/>
-              </a:lnRef>
-              <a:fillRef idx="0">
-                <a:schemeClr val="dk1"/>
-              </a:fillRef>
-              <a:effectRef idx="0">
-                <a:schemeClr val="dk1"/>
-              </a:effectRef>
-              <a:fontRef idx="minor">
-                <a:schemeClr val="tx1"/>
-              </a:fontRef>
-            </p:style>
-          </p:cxnSp>
-          <p:cxnSp>
-            <p:nvCxnSpPr>
-              <p:cNvPr id="190" name="Straight Connector 189">
-                <a:extLst>
-                  <a:ext uri="{FF2B5EF4-FFF2-40B4-BE49-F238E27FC236}">
-                    <a16:creationId xmlns:a16="http://schemas.microsoft.com/office/drawing/2014/main" id="{62170FE5-64D7-4FA2-BB42-78372D026D9E}"/>
-                  </a:ext>
-                </a:extLst>
-              </p:cNvPr>
-              <p:cNvCxnSpPr>
-                <a:cxnSpLocks/>
-              </p:cNvCxnSpPr>
-              <p:nvPr/>
-            </p:nvCxnSpPr>
-            <p:spPr>
-              <a:xfrm>
-                <a:off x="6856602" y="2352589"/>
-                <a:ext cx="4360877" cy="0"/>
-              </a:xfrm>
-              <a:prstGeom prst="line">
-                <a:avLst/>
-              </a:prstGeom>
-            </p:spPr>
-            <p:style>
-              <a:lnRef idx="2">
-                <a:schemeClr val="dk1"/>
-              </a:lnRef>
-              <a:fillRef idx="0">
-                <a:schemeClr val="dk1"/>
-              </a:fillRef>
-              <a:effectRef idx="1">
-                <a:schemeClr val="dk1"/>
-              </a:effectRef>
-              <a:fontRef idx="minor">
-                <a:schemeClr val="tx1"/>
-              </a:fontRef>
-            </p:style>
-          </p:cxnSp>
-          <p:cxnSp>
-            <p:nvCxnSpPr>
-              <p:cNvPr id="191" name="Straight Connector 190">
-                <a:extLst>
-                  <a:ext uri="{FF2B5EF4-FFF2-40B4-BE49-F238E27FC236}">
-                    <a16:creationId xmlns:a16="http://schemas.microsoft.com/office/drawing/2014/main" id="{267746C8-0FDD-4E4A-A526-178C4B9D8CBF}"/>
-                  </a:ext>
-                </a:extLst>
-              </p:cNvPr>
-              <p:cNvCxnSpPr>
-                <a:cxnSpLocks/>
-              </p:cNvCxnSpPr>
-              <p:nvPr/>
-            </p:nvCxnSpPr>
-            <p:spPr>
-              <a:xfrm>
-                <a:off x="6849611" y="2689547"/>
-                <a:ext cx="4360877" cy="0"/>
-              </a:xfrm>
-              <a:prstGeom prst="line">
-                <a:avLst/>
-              </a:prstGeom>
-            </p:spPr>
-            <p:style>
-              <a:lnRef idx="2">
-                <a:schemeClr val="dk1"/>
-              </a:lnRef>
-              <a:fillRef idx="0">
-                <a:schemeClr val="dk1"/>
-              </a:fillRef>
-              <a:effectRef idx="1">
-                <a:schemeClr val="dk1"/>
-              </a:effectRef>
-              <a:fontRef idx="minor">
-                <a:schemeClr val="tx1"/>
-              </a:fontRef>
-            </p:style>
-          </p:cxnSp>
-          <p:cxnSp>
-            <p:nvCxnSpPr>
-              <p:cNvPr id="192" name="Straight Connector 191">
-                <a:extLst>
-                  <a:ext uri="{FF2B5EF4-FFF2-40B4-BE49-F238E27FC236}">
-                    <a16:creationId xmlns:a16="http://schemas.microsoft.com/office/drawing/2014/main" id="{ABDE8895-6E3A-4F79-95FF-3787F92BE5F2}"/>
-                  </a:ext>
-                </a:extLst>
-              </p:cNvPr>
-              <p:cNvCxnSpPr>
-                <a:cxnSpLocks/>
-              </p:cNvCxnSpPr>
-              <p:nvPr/>
-            </p:nvCxnSpPr>
-            <p:spPr>
-              <a:xfrm>
-                <a:off x="6851009" y="3043283"/>
-                <a:ext cx="4767743" cy="0"/>
-              </a:xfrm>
-              <a:prstGeom prst="line">
-                <a:avLst/>
-              </a:prstGeom>
-            </p:spPr>
-            <p:style>
-              <a:lnRef idx="2">
-                <a:schemeClr val="dk1"/>
-              </a:lnRef>
-              <a:fillRef idx="0">
-                <a:schemeClr val="dk1"/>
-              </a:fillRef>
-              <a:effectRef idx="1">
-                <a:schemeClr val="dk1"/>
-              </a:effectRef>
-              <a:fontRef idx="minor">
-                <a:schemeClr val="tx1"/>
-              </a:fontRef>
-            </p:style>
-          </p:cxnSp>
-          <p:cxnSp>
-            <p:nvCxnSpPr>
-              <p:cNvPr id="194" name="Straight Connector 193">
-                <a:extLst>
-                  <a:ext uri="{FF2B5EF4-FFF2-40B4-BE49-F238E27FC236}">
-                    <a16:creationId xmlns:a16="http://schemas.microsoft.com/office/drawing/2014/main" id="{0B68AA5D-1B79-4A57-8A64-10BFCB73A518}"/>
-                  </a:ext>
-                </a:extLst>
-              </p:cNvPr>
-              <p:cNvCxnSpPr>
-                <a:cxnSpLocks/>
-              </p:cNvCxnSpPr>
-              <p:nvPr/>
-            </p:nvCxnSpPr>
-            <p:spPr>
-              <a:xfrm>
-                <a:off x="6848218" y="2091655"/>
-                <a:ext cx="4345492" cy="26215"/>
-              </a:xfrm>
-              <a:prstGeom prst="line">
-                <a:avLst/>
-              </a:prstGeom>
-            </p:spPr>
-            <p:style>
-              <a:lnRef idx="1">
-                <a:schemeClr val="dk1"/>
-              </a:lnRef>
-              <a:fillRef idx="0">
-                <a:schemeClr val="dk1"/>
-              </a:fillRef>
-              <a:effectRef idx="0">
-                <a:schemeClr val="dk1"/>
-              </a:effectRef>
-              <a:fontRef idx="minor">
-                <a:schemeClr val="tx1"/>
-              </a:fontRef>
-            </p:style>
-          </p:cxnSp>
-          <p:sp>
-            <p:nvSpPr>
-              <p:cNvPr id="195" name="TextBox 194">
-                <a:extLst>
-                  <a:ext uri="{FF2B5EF4-FFF2-40B4-BE49-F238E27FC236}">
-                    <a16:creationId xmlns:a16="http://schemas.microsoft.com/office/drawing/2014/main" id="{0C95F1D7-E20B-4363-B27D-AD8FD30E8812}"/>
-                  </a:ext>
-                </a:extLst>
-              </p:cNvPr>
-              <p:cNvSpPr txBox="1"/>
-              <p:nvPr/>
-            </p:nvSpPr>
-            <p:spPr>
-              <a:xfrm rot="21307164">
-                <a:off x="7180802" y="1830129"/>
-                <a:ext cx="617477" cy="230832"/>
-              </a:xfrm>
-              <a:prstGeom prst="rect">
-                <a:avLst/>
-              </a:prstGeom>
-              <a:noFill/>
-            </p:spPr>
-            <p:txBody>
-              <a:bodyPr wrap="none" rtlCol="0">
-                <a:spAutoFit/>
-              </a:bodyPr>
-              <a:lstStyle/>
-              <a:p>
-                <a:r>
-                  <a:rPr lang="en-US" sz="900" dirty="0" err="1"/>
-                  <a:t>idleSlope</a:t>
-                </a:r>
-                <a:endParaRPr lang="en-US" sz="900" dirty="0"/>
-              </a:p>
-            </p:txBody>
-          </p:sp>
-          <p:sp>
-            <p:nvSpPr>
-              <p:cNvPr id="196" name="TextBox 195">
-                <a:extLst>
-                  <a:ext uri="{FF2B5EF4-FFF2-40B4-BE49-F238E27FC236}">
-                    <a16:creationId xmlns:a16="http://schemas.microsoft.com/office/drawing/2014/main" id="{8540F718-2D72-4547-8F9C-D5842272C4A2}"/>
-                  </a:ext>
-                </a:extLst>
-              </p:cNvPr>
-              <p:cNvSpPr txBox="1"/>
-              <p:nvPr/>
-            </p:nvSpPr>
-            <p:spPr>
-              <a:xfrm rot="332920">
-                <a:off x="9366481" y="1830129"/>
-                <a:ext cx="686406" cy="230832"/>
-              </a:xfrm>
-              <a:prstGeom prst="rect">
-                <a:avLst/>
-              </a:prstGeom>
-              <a:noFill/>
-            </p:spPr>
-            <p:txBody>
-              <a:bodyPr wrap="square" rtlCol="0">
-                <a:spAutoFit/>
-              </a:bodyPr>
-              <a:lstStyle/>
-              <a:p>
-                <a:r>
-                  <a:rPr lang="en-US" sz="900" dirty="0" err="1"/>
-                  <a:t>sendSlope</a:t>
-                </a:r>
-                <a:endParaRPr lang="en-US" sz="900" dirty="0"/>
-              </a:p>
-            </p:txBody>
-          </p:sp>
-          <p:sp>
-            <p:nvSpPr>
-              <p:cNvPr id="197" name="TextBox 196">
-                <a:extLst>
-                  <a:ext uri="{FF2B5EF4-FFF2-40B4-BE49-F238E27FC236}">
-                    <a16:creationId xmlns:a16="http://schemas.microsoft.com/office/drawing/2014/main" id="{65DFDD9D-C6E9-4D93-88ED-807C990F605C}"/>
-                  </a:ext>
-                </a:extLst>
-              </p:cNvPr>
-              <p:cNvSpPr txBox="1"/>
-              <p:nvPr/>
-            </p:nvSpPr>
-            <p:spPr>
-              <a:xfrm rot="21316958">
-                <a:off x="4070706" y="1739873"/>
-                <a:ext cx="617477" cy="230832"/>
-              </a:xfrm>
-              <a:prstGeom prst="rect">
-                <a:avLst/>
-              </a:prstGeom>
-              <a:noFill/>
-            </p:spPr>
-            <p:txBody>
-              <a:bodyPr wrap="none" rtlCol="0">
-                <a:spAutoFit/>
-              </a:bodyPr>
-              <a:lstStyle/>
-              <a:p>
-                <a:r>
-                  <a:rPr lang="en-US" sz="900" dirty="0" err="1"/>
-                  <a:t>idleSlope</a:t>
-                </a:r>
-                <a:endParaRPr lang="en-US" sz="900" dirty="0"/>
-              </a:p>
-            </p:txBody>
-          </p:sp>
-          <p:sp>
-            <p:nvSpPr>
-              <p:cNvPr id="198" name="TextBox 197">
-                <a:extLst>
-                  <a:ext uri="{FF2B5EF4-FFF2-40B4-BE49-F238E27FC236}">
-                    <a16:creationId xmlns:a16="http://schemas.microsoft.com/office/drawing/2014/main" id="{F525BAD8-AB53-4F0D-987D-B558917BFC5D}"/>
-                  </a:ext>
-                </a:extLst>
-              </p:cNvPr>
-              <p:cNvSpPr txBox="1"/>
-              <p:nvPr/>
-            </p:nvSpPr>
-            <p:spPr>
-              <a:xfrm rot="469087">
-                <a:off x="5272529" y="1764739"/>
-                <a:ext cx="686406" cy="230832"/>
-              </a:xfrm>
-              <a:prstGeom prst="rect">
-                <a:avLst/>
-              </a:prstGeom>
-              <a:noFill/>
-            </p:spPr>
-            <p:txBody>
-              <a:bodyPr wrap="square" rtlCol="0">
-                <a:spAutoFit/>
-              </a:bodyPr>
-              <a:lstStyle/>
-              <a:p>
-                <a:r>
-                  <a:rPr lang="en-US" sz="900" dirty="0" err="1"/>
-                  <a:t>sendSlope</a:t>
-                </a:r>
-                <a:endParaRPr lang="en-US" sz="900" dirty="0"/>
-              </a:p>
-            </p:txBody>
-          </p:sp>
-          <p:cxnSp>
-            <p:nvCxnSpPr>
-              <p:cNvPr id="200" name="Straight Connector 199">
-                <a:extLst>
-                  <a:ext uri="{FF2B5EF4-FFF2-40B4-BE49-F238E27FC236}">
-                    <a16:creationId xmlns:a16="http://schemas.microsoft.com/office/drawing/2014/main" id="{96D32AC1-3E6A-44BD-A68A-1A26C0533FDE}"/>
-                  </a:ext>
-                </a:extLst>
-              </p:cNvPr>
-              <p:cNvCxnSpPr>
-                <a:cxnSpLocks/>
-              </p:cNvCxnSpPr>
-              <p:nvPr/>
-            </p:nvCxnSpPr>
-            <p:spPr>
-              <a:xfrm>
-                <a:off x="10872954" y="985179"/>
-                <a:ext cx="0" cy="2061599"/>
-              </a:xfrm>
-              <a:prstGeom prst="line">
-                <a:avLst/>
-              </a:prstGeom>
-              <a:ln w="9525" cap="flat" cmpd="sng" algn="ctr">
-                <a:solidFill>
-                  <a:schemeClr val="accent1"/>
-                </a:solidFill>
-                <a:prstDash val="dash"/>
-                <a:round/>
-                <a:headEnd type="none" w="med" len="med"/>
-                <a:tailEnd type="none" w="med" len="med"/>
-              </a:ln>
-            </p:spPr>
-            <p:style>
-              <a:lnRef idx="0">
-                <a:scrgbClr r="0" g="0" b="0"/>
-              </a:lnRef>
-              <a:fillRef idx="0">
-                <a:scrgbClr r="0" g="0" b="0"/>
-              </a:fillRef>
-              <a:effectRef idx="0">
-                <a:scrgbClr r="0" g="0" b="0"/>
-              </a:effectRef>
-              <a:fontRef idx="minor">
-                <a:schemeClr val="tx1"/>
-              </a:fontRef>
-            </p:style>
-          </p:cxnSp>
-          <p:sp>
-            <p:nvSpPr>
-              <p:cNvPr id="201" name="Rectangle 200">
-                <a:extLst>
-                  <a:ext uri="{FF2B5EF4-FFF2-40B4-BE49-F238E27FC236}">
-                    <a16:creationId xmlns:a16="http://schemas.microsoft.com/office/drawing/2014/main" id="{07D3EDBF-DAE4-44C4-A778-739F0232A08C}"/>
-                  </a:ext>
-                </a:extLst>
-              </p:cNvPr>
-              <p:cNvSpPr/>
-              <p:nvPr/>
-            </p:nvSpPr>
-            <p:spPr>
-              <a:xfrm>
-                <a:off x="6860218" y="2854526"/>
-                <a:ext cx="843915" cy="178096"/>
-              </a:xfrm>
-              <a:prstGeom prst="rect">
-                <a:avLst/>
-              </a:prstGeom>
-            </p:spPr>
-            <p:style>
-              <a:lnRef idx="2">
-                <a:schemeClr val="accent1">
-                  <a:shade val="50000"/>
-                </a:schemeClr>
-              </a:lnRef>
-              <a:fillRef idx="1">
-                <a:schemeClr val="accent1"/>
-              </a:fillRef>
-              <a:effectRef idx="0">
-                <a:schemeClr val="accent1"/>
-              </a:effectRef>
-              <a:fontRef idx="minor">
-                <a:schemeClr val="lt1"/>
-              </a:fontRef>
-            </p:style>
-            <p:txBody>
-              <a:bodyPr rtlCol="0" anchor="ctr"/>
-              <a:lstStyle/>
-              <a:p>
-                <a:pPr algn="ctr"/>
-                <a:endParaRPr lang="en-US"/>
-              </a:p>
-            </p:txBody>
-          </p:sp>
-          <p:cxnSp>
-            <p:nvCxnSpPr>
-              <p:cNvPr id="203" name="Straight Connector 202">
-                <a:extLst>
-                  <a:ext uri="{FF2B5EF4-FFF2-40B4-BE49-F238E27FC236}">
-                    <a16:creationId xmlns:a16="http://schemas.microsoft.com/office/drawing/2014/main" id="{66B9FEF3-308E-4AE5-8451-02A29CBD0675}"/>
-                  </a:ext>
-                </a:extLst>
-              </p:cNvPr>
-              <p:cNvCxnSpPr>
-                <a:cxnSpLocks/>
-              </p:cNvCxnSpPr>
-              <p:nvPr/>
-            </p:nvCxnSpPr>
-            <p:spPr>
-              <a:xfrm>
-                <a:off x="6856602" y="1314802"/>
-                <a:ext cx="843094" cy="86159"/>
-              </a:xfrm>
-              <a:prstGeom prst="line">
-                <a:avLst/>
-              </a:prstGeom>
-            </p:spPr>
-            <p:style>
-              <a:lnRef idx="2">
-                <a:schemeClr val="accent1"/>
-              </a:lnRef>
-              <a:fillRef idx="0">
-                <a:schemeClr val="accent1"/>
-              </a:fillRef>
-              <a:effectRef idx="1">
-                <a:schemeClr val="accent1"/>
-              </a:effectRef>
-              <a:fontRef idx="minor">
-                <a:schemeClr val="tx1"/>
-              </a:fontRef>
-            </p:style>
-          </p:cxnSp>
-          <p:cxnSp>
-            <p:nvCxnSpPr>
-              <p:cNvPr id="204" name="Straight Connector 203">
-                <a:extLst>
-                  <a:ext uri="{FF2B5EF4-FFF2-40B4-BE49-F238E27FC236}">
-                    <a16:creationId xmlns:a16="http://schemas.microsoft.com/office/drawing/2014/main" id="{78BDA838-EA13-42DC-842C-655A2B4B69BE}"/>
-                  </a:ext>
-                </a:extLst>
-              </p:cNvPr>
-              <p:cNvCxnSpPr>
-                <a:cxnSpLocks/>
-                <a:endCxn id="201" idx="3"/>
-              </p:cNvCxnSpPr>
-              <p:nvPr/>
-            </p:nvCxnSpPr>
-            <p:spPr>
-              <a:xfrm>
-                <a:off x="7699696" y="1178129"/>
-                <a:ext cx="4437" cy="1765445"/>
-              </a:xfrm>
-              <a:prstGeom prst="line">
-                <a:avLst/>
-              </a:prstGeom>
-              <a:ln w="9525" cap="flat" cmpd="sng" algn="ctr">
-                <a:solidFill>
-                  <a:schemeClr val="accent3"/>
-                </a:solidFill>
-                <a:prstDash val="dash"/>
-                <a:round/>
-                <a:headEnd type="none" w="med" len="med"/>
-                <a:tailEnd type="none" w="med" len="med"/>
-              </a:ln>
-            </p:spPr>
-            <p:style>
-              <a:lnRef idx="0">
-                <a:scrgbClr r="0" g="0" b="0"/>
-              </a:lnRef>
-              <a:fillRef idx="0">
-                <a:scrgbClr r="0" g="0" b="0"/>
-              </a:fillRef>
-              <a:effectRef idx="0">
-                <a:scrgbClr r="0" g="0" b="0"/>
-              </a:effectRef>
-              <a:fontRef idx="minor">
-                <a:schemeClr val="tx1"/>
-              </a:fontRef>
-            </p:style>
-          </p:cxnSp>
-          <p:cxnSp>
-            <p:nvCxnSpPr>
-              <p:cNvPr id="215" name="Straight Connector 214">
-                <a:extLst>
-                  <a:ext uri="{FF2B5EF4-FFF2-40B4-BE49-F238E27FC236}">
-                    <a16:creationId xmlns:a16="http://schemas.microsoft.com/office/drawing/2014/main" id="{ACD8BED8-7A51-4D7F-8A3C-510EFBAE610C}"/>
-                  </a:ext>
-                </a:extLst>
-              </p:cNvPr>
-              <p:cNvCxnSpPr>
-                <a:cxnSpLocks/>
-              </p:cNvCxnSpPr>
-              <p:nvPr/>
-            </p:nvCxnSpPr>
-            <p:spPr>
-              <a:xfrm flipH="1">
-                <a:off x="2053203" y="1993434"/>
-                <a:ext cx="993397" cy="0"/>
-              </a:xfrm>
-              <a:prstGeom prst="line">
-                <a:avLst/>
-              </a:prstGeom>
-            </p:spPr>
-            <p:style>
-              <a:lnRef idx="2">
-                <a:schemeClr val="accent6"/>
-              </a:lnRef>
-              <a:fillRef idx="0">
-                <a:schemeClr val="accent6"/>
-              </a:fillRef>
-              <a:effectRef idx="1">
-                <a:schemeClr val="accent6"/>
-              </a:effectRef>
-              <a:fontRef idx="minor">
-                <a:schemeClr val="tx1"/>
-              </a:fontRef>
-            </p:style>
-          </p:cxnSp>
-          <p:cxnSp>
-            <p:nvCxnSpPr>
-              <p:cNvPr id="223" name="Straight Connector 222">
-                <a:extLst>
-                  <a:ext uri="{FF2B5EF4-FFF2-40B4-BE49-F238E27FC236}">
-                    <a16:creationId xmlns:a16="http://schemas.microsoft.com/office/drawing/2014/main" id="{5D74F371-622F-4A1D-8A52-20A9F2814751}"/>
-                  </a:ext>
-                </a:extLst>
-              </p:cNvPr>
-              <p:cNvCxnSpPr>
-                <a:cxnSpLocks/>
-              </p:cNvCxnSpPr>
-              <p:nvPr/>
-            </p:nvCxnSpPr>
-            <p:spPr>
-              <a:xfrm flipV="1">
-                <a:off x="7706346" y="1365748"/>
-                <a:ext cx="138182" cy="35039"/>
-              </a:xfrm>
-              <a:prstGeom prst="line">
-                <a:avLst/>
-              </a:prstGeom>
-            </p:spPr>
-            <p:style>
-              <a:lnRef idx="2">
-                <a:schemeClr val="accent1"/>
-              </a:lnRef>
-              <a:fillRef idx="0">
-                <a:schemeClr val="accent1"/>
-              </a:fillRef>
-              <a:effectRef idx="1">
-                <a:schemeClr val="accent1"/>
-              </a:effectRef>
-              <a:fontRef idx="minor">
-                <a:schemeClr val="tx1"/>
-              </a:fontRef>
-            </p:style>
-          </p:cxnSp>
-          <p:cxnSp>
-            <p:nvCxnSpPr>
-              <p:cNvPr id="225" name="Straight Connector 224">
-                <a:extLst>
-                  <a:ext uri="{FF2B5EF4-FFF2-40B4-BE49-F238E27FC236}">
-                    <a16:creationId xmlns:a16="http://schemas.microsoft.com/office/drawing/2014/main" id="{B563BE76-7D15-42B8-8CB2-F9744C2BF020}"/>
-                  </a:ext>
-                </a:extLst>
-              </p:cNvPr>
-              <p:cNvCxnSpPr>
-                <a:cxnSpLocks/>
-              </p:cNvCxnSpPr>
-              <p:nvPr/>
-            </p:nvCxnSpPr>
-            <p:spPr>
-              <a:xfrm>
-                <a:off x="6002324" y="1035688"/>
-                <a:ext cx="0" cy="2061599"/>
-              </a:xfrm>
-              <a:prstGeom prst="line">
-                <a:avLst/>
-              </a:prstGeom>
-              <a:ln w="9525" cap="flat" cmpd="sng" algn="ctr">
-                <a:solidFill>
-                  <a:schemeClr val="accent1"/>
-                </a:solidFill>
-                <a:prstDash val="dash"/>
-                <a:round/>
-                <a:headEnd type="none" w="med" len="med"/>
-                <a:tailEnd type="none" w="med" len="med"/>
-              </a:ln>
-            </p:spPr>
-            <p:style>
-              <a:lnRef idx="0">
-                <a:scrgbClr r="0" g="0" b="0"/>
-              </a:lnRef>
-              <a:fillRef idx="0">
-                <a:scrgbClr r="0" g="0" b="0"/>
-              </a:fillRef>
-              <a:effectRef idx="0">
-                <a:scrgbClr r="0" g="0" b="0"/>
-              </a:effectRef>
-              <a:fontRef idx="minor">
-                <a:schemeClr val="tx1"/>
-              </a:fontRef>
-            </p:style>
-          </p:cxnSp>
-          <p:cxnSp>
-            <p:nvCxnSpPr>
-              <p:cNvPr id="227" name="Straight Connector 226">
-                <a:extLst>
-                  <a:ext uri="{FF2B5EF4-FFF2-40B4-BE49-F238E27FC236}">
-                    <a16:creationId xmlns:a16="http://schemas.microsoft.com/office/drawing/2014/main" id="{A8254410-83C3-46E5-971E-40F30B8BCEF7}"/>
-                  </a:ext>
-                </a:extLst>
-              </p:cNvPr>
-              <p:cNvCxnSpPr>
-                <a:cxnSpLocks/>
-              </p:cNvCxnSpPr>
-              <p:nvPr/>
-            </p:nvCxnSpPr>
-            <p:spPr>
-              <a:xfrm>
-                <a:off x="6002324" y="2091655"/>
-                <a:ext cx="683702" cy="3977"/>
-              </a:xfrm>
-              <a:prstGeom prst="line">
-                <a:avLst/>
-              </a:prstGeom>
-            </p:spPr>
-            <p:style>
-              <a:lnRef idx="3">
-                <a:schemeClr val="accent6"/>
-              </a:lnRef>
-              <a:fillRef idx="0">
-                <a:schemeClr val="accent6"/>
-              </a:fillRef>
-              <a:effectRef idx="2">
-                <a:schemeClr val="accent6"/>
-              </a:effectRef>
-              <a:fontRef idx="minor">
-                <a:schemeClr val="tx1"/>
-              </a:fontRef>
-            </p:style>
-          </p:cxnSp>
-          <p:sp>
-            <p:nvSpPr>
-              <p:cNvPr id="240" name="Rectangle 239">
-                <a:extLst>
-                  <a:ext uri="{FF2B5EF4-FFF2-40B4-BE49-F238E27FC236}">
-                    <a16:creationId xmlns:a16="http://schemas.microsoft.com/office/drawing/2014/main" id="{EF54F1D5-C974-42CD-9A0B-500C3563EB18}"/>
-                  </a:ext>
-                </a:extLst>
-              </p:cNvPr>
-              <p:cNvSpPr/>
-              <p:nvPr/>
-            </p:nvSpPr>
-            <p:spPr>
-              <a:xfrm>
-                <a:off x="8820150" y="2855400"/>
-                <a:ext cx="145747" cy="184552"/>
-              </a:xfrm>
-              <a:prstGeom prst="rect">
-                <a:avLst/>
-              </a:prstGeom>
-            </p:spPr>
-            <p:style>
-              <a:lnRef idx="2">
-                <a:schemeClr val="accent3">
-                  <a:shade val="50000"/>
-                </a:schemeClr>
-              </a:lnRef>
-              <a:fillRef idx="1">
-                <a:schemeClr val="accent3"/>
-              </a:fillRef>
-              <a:effectRef idx="0">
-                <a:schemeClr val="accent3"/>
-              </a:effectRef>
-              <a:fontRef idx="minor">
-                <a:schemeClr val="lt1"/>
-              </a:fontRef>
-            </p:style>
-            <p:txBody>
-              <a:bodyPr rtlCol="0" anchor="ctr"/>
-              <a:lstStyle/>
-              <a:p>
-                <a:pPr algn="ctr"/>
-                <a:endParaRPr lang="en-US" sz="900" dirty="0"/>
-              </a:p>
-            </p:txBody>
-          </p:sp>
-          <p:sp>
-            <p:nvSpPr>
-              <p:cNvPr id="241" name="Rectangle 240">
-                <a:extLst>
-                  <a:ext uri="{FF2B5EF4-FFF2-40B4-BE49-F238E27FC236}">
-                    <a16:creationId xmlns:a16="http://schemas.microsoft.com/office/drawing/2014/main" id="{DA8E8D97-7A82-4207-9540-00D118CD1E1B}"/>
-                  </a:ext>
-                </a:extLst>
-              </p:cNvPr>
-              <p:cNvSpPr/>
-              <p:nvPr/>
-            </p:nvSpPr>
-            <p:spPr>
-              <a:xfrm>
-                <a:off x="8972587" y="2854531"/>
-                <a:ext cx="145757" cy="186480"/>
-              </a:xfrm>
-              <a:prstGeom prst="rect">
-                <a:avLst/>
-              </a:prstGeom>
-            </p:spPr>
-            <p:style>
-              <a:lnRef idx="2">
-                <a:schemeClr val="accent1">
-                  <a:shade val="50000"/>
-                </a:schemeClr>
-              </a:lnRef>
-              <a:fillRef idx="1">
-                <a:schemeClr val="accent1"/>
-              </a:fillRef>
-              <a:effectRef idx="0">
-                <a:schemeClr val="accent1"/>
-              </a:effectRef>
-              <a:fontRef idx="minor">
-                <a:schemeClr val="lt1"/>
-              </a:fontRef>
-            </p:style>
-            <p:txBody>
-              <a:bodyPr rtlCol="0" anchor="ctr"/>
-              <a:lstStyle/>
-              <a:p>
-                <a:pPr algn="ctr"/>
-                <a:endParaRPr lang="en-US" sz="900" dirty="0"/>
-              </a:p>
-            </p:txBody>
-          </p:sp>
-          <p:cxnSp>
-            <p:nvCxnSpPr>
-              <p:cNvPr id="242" name="Straight Connector 241">
-                <a:extLst>
-                  <a:ext uri="{FF2B5EF4-FFF2-40B4-BE49-F238E27FC236}">
-                    <a16:creationId xmlns:a16="http://schemas.microsoft.com/office/drawing/2014/main" id="{1A9B3DB3-9B59-4986-88A2-7D02077CF6F2}"/>
-                  </a:ext>
-                </a:extLst>
-              </p:cNvPr>
-              <p:cNvCxnSpPr/>
-              <p:nvPr/>
-            </p:nvCxnSpPr>
-            <p:spPr>
-              <a:xfrm flipV="1">
-                <a:off x="8830237" y="1341509"/>
-                <a:ext cx="138182" cy="35039"/>
-              </a:xfrm>
-              <a:prstGeom prst="line">
-                <a:avLst/>
-              </a:prstGeom>
-            </p:spPr>
-            <p:style>
-              <a:lnRef idx="2">
-                <a:schemeClr val="accent1"/>
-              </a:lnRef>
-              <a:fillRef idx="0">
-                <a:schemeClr val="accent1"/>
-              </a:fillRef>
-              <a:effectRef idx="1">
-                <a:schemeClr val="accent1"/>
-              </a:effectRef>
-              <a:fontRef idx="minor">
-                <a:schemeClr val="tx1"/>
-              </a:fontRef>
-            </p:style>
-          </p:cxnSp>
-          <p:cxnSp>
-            <p:nvCxnSpPr>
-              <p:cNvPr id="245" name="Straight Connector 244">
-                <a:extLst>
-                  <a:ext uri="{FF2B5EF4-FFF2-40B4-BE49-F238E27FC236}">
-                    <a16:creationId xmlns:a16="http://schemas.microsoft.com/office/drawing/2014/main" id="{7C4F911B-5692-4142-861A-E2ED6CA0FB87}"/>
-                  </a:ext>
-                </a:extLst>
-              </p:cNvPr>
-              <p:cNvCxnSpPr>
-                <a:cxnSpLocks/>
-                <a:endCxn id="165" idx="1"/>
-              </p:cNvCxnSpPr>
-              <p:nvPr/>
-            </p:nvCxnSpPr>
-            <p:spPr>
-              <a:xfrm>
-                <a:off x="9127554" y="1178129"/>
-                <a:ext cx="491" cy="1769381"/>
-              </a:xfrm>
-              <a:prstGeom prst="line">
-                <a:avLst/>
-              </a:prstGeom>
-              <a:ln w="9525" cap="flat" cmpd="sng" algn="ctr">
-                <a:solidFill>
-                  <a:schemeClr val="accent3"/>
-                </a:solidFill>
-                <a:prstDash val="dash"/>
-                <a:round/>
-                <a:headEnd type="none" w="med" len="med"/>
-                <a:tailEnd type="none" w="med" len="med"/>
-              </a:ln>
-            </p:spPr>
-            <p:style>
-              <a:lnRef idx="0">
-                <a:scrgbClr r="0" g="0" b="0"/>
-              </a:lnRef>
-              <a:fillRef idx="0">
-                <a:scrgbClr r="0" g="0" b="0"/>
-              </a:fillRef>
-              <a:effectRef idx="0">
-                <a:scrgbClr r="0" g="0" b="0"/>
-              </a:effectRef>
-              <a:fontRef idx="minor">
-                <a:schemeClr val="tx1"/>
-              </a:fontRef>
-            </p:style>
-          </p:cxnSp>
-          <p:cxnSp>
-            <p:nvCxnSpPr>
-              <p:cNvPr id="249" name="Straight Connector 248">
-                <a:extLst>
-                  <a:ext uri="{FF2B5EF4-FFF2-40B4-BE49-F238E27FC236}">
-                    <a16:creationId xmlns:a16="http://schemas.microsoft.com/office/drawing/2014/main" id="{A964D7E5-F55D-4355-B4AD-4743BDC8963D}"/>
-                  </a:ext>
-                </a:extLst>
-              </p:cNvPr>
-              <p:cNvCxnSpPr>
-                <a:cxnSpLocks/>
-              </p:cNvCxnSpPr>
-              <p:nvPr/>
-            </p:nvCxnSpPr>
-            <p:spPr>
-              <a:xfrm>
-                <a:off x="8968419" y="1346942"/>
-                <a:ext cx="159135" cy="70623"/>
-              </a:xfrm>
-              <a:prstGeom prst="line">
-                <a:avLst/>
-              </a:prstGeom>
-            </p:spPr>
-            <p:style>
-              <a:lnRef idx="2">
-                <a:schemeClr val="accent1"/>
-              </a:lnRef>
-              <a:fillRef idx="0">
-                <a:schemeClr val="accent1"/>
-              </a:fillRef>
-              <a:effectRef idx="1">
-                <a:schemeClr val="accent1"/>
-              </a:effectRef>
-              <a:fontRef idx="minor">
-                <a:schemeClr val="tx1"/>
-              </a:fontRef>
-            </p:style>
-          </p:cxnSp>
-          <p:cxnSp>
-            <p:nvCxnSpPr>
-              <p:cNvPr id="252" name="Straight Connector 251">
-                <a:extLst>
-                  <a:ext uri="{FF2B5EF4-FFF2-40B4-BE49-F238E27FC236}">
-                    <a16:creationId xmlns:a16="http://schemas.microsoft.com/office/drawing/2014/main" id="{D601EAB4-924E-46A7-806F-A86AB7CEFC57}"/>
-                  </a:ext>
-                </a:extLst>
-              </p:cNvPr>
-              <p:cNvCxnSpPr>
-                <a:cxnSpLocks/>
-              </p:cNvCxnSpPr>
-              <p:nvPr/>
-            </p:nvCxnSpPr>
-            <p:spPr>
-              <a:xfrm>
-                <a:off x="9127554" y="1522486"/>
-                <a:ext cx="2045306" cy="15145"/>
-              </a:xfrm>
-              <a:prstGeom prst="line">
-                <a:avLst/>
-              </a:prstGeom>
-            </p:spPr>
-            <p:style>
-              <a:lnRef idx="3">
-                <a:schemeClr val="accent1"/>
-              </a:lnRef>
-              <a:fillRef idx="0">
-                <a:schemeClr val="accent1"/>
-              </a:fillRef>
-              <a:effectRef idx="2">
-                <a:schemeClr val="accent1"/>
-              </a:effectRef>
-              <a:fontRef idx="minor">
-                <a:schemeClr val="tx1"/>
-              </a:fontRef>
-            </p:style>
-          </p:cxnSp>
-          <p:cxnSp>
-            <p:nvCxnSpPr>
-              <p:cNvPr id="256" name="Straight Connector 255">
-                <a:extLst>
-                  <a:ext uri="{FF2B5EF4-FFF2-40B4-BE49-F238E27FC236}">
-                    <a16:creationId xmlns:a16="http://schemas.microsoft.com/office/drawing/2014/main" id="{5B7BEE56-0CC7-442A-AE62-942048B95F89}"/>
-                  </a:ext>
-                </a:extLst>
-              </p:cNvPr>
-              <p:cNvCxnSpPr>
-                <a:cxnSpLocks/>
-              </p:cNvCxnSpPr>
-              <p:nvPr/>
-            </p:nvCxnSpPr>
-            <p:spPr>
-              <a:xfrm>
-                <a:off x="10096639" y="2101458"/>
-                <a:ext cx="1076221" cy="1339"/>
-              </a:xfrm>
-              <a:prstGeom prst="line">
-                <a:avLst/>
-              </a:prstGeom>
-            </p:spPr>
-            <p:style>
-              <a:lnRef idx="3">
-                <a:schemeClr val="accent6"/>
-              </a:lnRef>
-              <a:fillRef idx="0">
-                <a:schemeClr val="accent6"/>
-              </a:fillRef>
-              <a:effectRef idx="2">
-                <a:schemeClr val="accent6"/>
-              </a:effectRef>
-              <a:fontRef idx="minor">
-                <a:schemeClr val="tx1"/>
-              </a:fontRef>
-            </p:style>
-          </p:cxnSp>
-          <p:cxnSp>
-            <p:nvCxnSpPr>
-              <p:cNvPr id="258" name="Straight Connector 257">
-                <a:extLst>
-                  <a:ext uri="{FF2B5EF4-FFF2-40B4-BE49-F238E27FC236}">
-                    <a16:creationId xmlns:a16="http://schemas.microsoft.com/office/drawing/2014/main" id="{886C87D2-DD20-4087-86EF-690D89F3983C}"/>
-                  </a:ext>
-                </a:extLst>
-              </p:cNvPr>
-              <p:cNvCxnSpPr>
-                <a:cxnSpLocks/>
-              </p:cNvCxnSpPr>
-              <p:nvPr/>
-            </p:nvCxnSpPr>
-            <p:spPr>
-              <a:xfrm>
-                <a:off x="5021586" y="1508604"/>
-                <a:ext cx="1638258" cy="3885"/>
-              </a:xfrm>
-              <a:prstGeom prst="line">
-                <a:avLst/>
-              </a:prstGeom>
-            </p:spPr>
-            <p:style>
-              <a:lnRef idx="3">
-                <a:schemeClr val="accent1"/>
-              </a:lnRef>
-              <a:fillRef idx="0">
-                <a:schemeClr val="accent1"/>
-              </a:fillRef>
-              <a:effectRef idx="2">
-                <a:schemeClr val="accent1"/>
-              </a:effectRef>
-              <a:fontRef idx="minor">
-                <a:schemeClr val="tx1"/>
-              </a:fontRef>
-            </p:style>
-          </p:cxnSp>
-          <p:cxnSp>
-            <p:nvCxnSpPr>
-              <p:cNvPr id="264" name="Straight Connector 263">
-                <a:extLst>
-                  <a:ext uri="{FF2B5EF4-FFF2-40B4-BE49-F238E27FC236}">
-                    <a16:creationId xmlns:a16="http://schemas.microsoft.com/office/drawing/2014/main" id="{72B2FC5D-6828-4D7B-9175-FC68D27E5389}"/>
-                  </a:ext>
-                </a:extLst>
-              </p:cNvPr>
-              <p:cNvCxnSpPr>
-                <a:cxnSpLocks/>
-              </p:cNvCxnSpPr>
-              <p:nvPr/>
-            </p:nvCxnSpPr>
-            <p:spPr>
-              <a:xfrm>
-                <a:off x="7835317" y="1367406"/>
-                <a:ext cx="1001762" cy="8617"/>
-              </a:xfrm>
-              <a:prstGeom prst="line">
-                <a:avLst/>
-              </a:prstGeom>
-            </p:spPr>
-            <p:style>
-              <a:lnRef idx="2">
-                <a:schemeClr val="accent1"/>
-              </a:lnRef>
-              <a:fillRef idx="0">
-                <a:schemeClr val="accent1"/>
-              </a:fillRef>
-              <a:effectRef idx="1">
-                <a:schemeClr val="accent1"/>
-              </a:effectRef>
-              <a:fontRef idx="minor">
-                <a:schemeClr val="tx1"/>
-              </a:fontRef>
-            </p:style>
-          </p:cxnSp>
-          <p:sp>
-            <p:nvSpPr>
-              <p:cNvPr id="269" name="Right Brace 268">
-                <a:extLst>
-                  <a:ext uri="{FF2B5EF4-FFF2-40B4-BE49-F238E27FC236}">
-                    <a16:creationId xmlns:a16="http://schemas.microsoft.com/office/drawing/2014/main" id="{96B10DA8-6CC3-436C-8655-30EF8702DD3F}"/>
-                  </a:ext>
-                </a:extLst>
-              </p:cNvPr>
-              <p:cNvSpPr/>
-              <p:nvPr/>
-            </p:nvSpPr>
-            <p:spPr>
-              <a:xfrm rot="16200000">
-                <a:off x="3865754" y="-2004098"/>
-                <a:ext cx="514877" cy="5276675"/>
-              </a:xfrm>
-              <a:prstGeom prst="rightBrace">
-                <a:avLst/>
-              </a:prstGeom>
-            </p:spPr>
-            <p:style>
-              <a:lnRef idx="1">
-                <a:schemeClr val="accent1"/>
-              </a:lnRef>
-              <a:fillRef idx="0">
-                <a:schemeClr val="accent1"/>
-              </a:fillRef>
-              <a:effectRef idx="0">
-                <a:schemeClr val="accent1"/>
-              </a:effectRef>
-              <a:fontRef idx="minor">
-                <a:schemeClr val="tx1"/>
-              </a:fontRef>
-            </p:style>
-            <p:txBody>
-              <a:bodyPr rtlCol="0" anchor="ctr"/>
-              <a:lstStyle/>
-              <a:p>
-                <a:pPr algn="ctr"/>
-                <a:endParaRPr lang="en-US"/>
-              </a:p>
-            </p:txBody>
-          </p:sp>
-          <p:sp>
-            <p:nvSpPr>
-              <p:cNvPr id="270" name="Right Brace 269">
-                <a:extLst>
-                  <a:ext uri="{FF2B5EF4-FFF2-40B4-BE49-F238E27FC236}">
-                    <a16:creationId xmlns:a16="http://schemas.microsoft.com/office/drawing/2014/main" id="{2C953851-9F20-4D45-9F57-452A1FED87ED}"/>
-                  </a:ext>
-                </a:extLst>
-              </p:cNvPr>
-              <p:cNvSpPr/>
-              <p:nvPr/>
-            </p:nvSpPr>
-            <p:spPr>
-              <a:xfrm rot="16200000">
-                <a:off x="8885751" y="-1541309"/>
-                <a:ext cx="438678" cy="4360879"/>
-              </a:xfrm>
-              <a:prstGeom prst="rightBrace">
-                <a:avLst/>
-              </a:prstGeom>
-            </p:spPr>
-            <p:style>
-              <a:lnRef idx="1">
-                <a:schemeClr val="accent1"/>
-              </a:lnRef>
-              <a:fillRef idx="0">
-                <a:schemeClr val="accent1"/>
-              </a:fillRef>
-              <a:effectRef idx="0">
-                <a:schemeClr val="accent1"/>
-              </a:effectRef>
-              <a:fontRef idx="minor">
-                <a:schemeClr val="tx1"/>
-              </a:fontRef>
-            </p:style>
-            <p:txBody>
-              <a:bodyPr rtlCol="0" anchor="ctr"/>
-              <a:lstStyle/>
-              <a:p>
-                <a:pPr algn="ctr"/>
-                <a:endParaRPr lang="en-US"/>
-              </a:p>
-            </p:txBody>
-          </p:sp>
-          <p:sp>
-            <p:nvSpPr>
-              <p:cNvPr id="271" name="TextBox 270">
-                <a:extLst>
-                  <a:ext uri="{FF2B5EF4-FFF2-40B4-BE49-F238E27FC236}">
-                    <a16:creationId xmlns:a16="http://schemas.microsoft.com/office/drawing/2014/main" id="{AC9627B7-A6BC-4F74-8E6B-947D4520F3C7}"/>
-                  </a:ext>
-                </a:extLst>
-              </p:cNvPr>
-              <p:cNvSpPr txBox="1"/>
-              <p:nvPr/>
-            </p:nvSpPr>
-            <p:spPr>
-              <a:xfrm>
-                <a:off x="3258628" y="32853"/>
-                <a:ext cx="2033698" cy="369332"/>
-              </a:xfrm>
-              <a:prstGeom prst="rect">
-                <a:avLst/>
-              </a:prstGeom>
-              <a:noFill/>
-            </p:spPr>
-            <p:txBody>
-              <a:bodyPr wrap="none" rtlCol="0">
-                <a:spAutoFit/>
-              </a:bodyPr>
-              <a:lstStyle/>
-              <a:p>
-                <a:r>
-                  <a:rPr lang="en-US" dirty="0"/>
-                  <a:t>(a) non-preemption</a:t>
-                </a:r>
-              </a:p>
-            </p:txBody>
-          </p:sp>
-          <p:sp>
-            <p:nvSpPr>
-              <p:cNvPr id="272" name="TextBox 271">
-                <a:extLst>
-                  <a:ext uri="{FF2B5EF4-FFF2-40B4-BE49-F238E27FC236}">
-                    <a16:creationId xmlns:a16="http://schemas.microsoft.com/office/drawing/2014/main" id="{883C86C3-5A31-413F-A70B-CC5DD47906FE}"/>
-                  </a:ext>
-                </a:extLst>
-              </p:cNvPr>
-              <p:cNvSpPr txBox="1"/>
-              <p:nvPr/>
-            </p:nvSpPr>
-            <p:spPr>
-              <a:xfrm>
-                <a:off x="8300639" y="-8090"/>
-                <a:ext cx="1608902" cy="369332"/>
-              </a:xfrm>
-              <a:prstGeom prst="rect">
-                <a:avLst/>
-              </a:prstGeom>
-              <a:noFill/>
-            </p:spPr>
-            <p:txBody>
-              <a:bodyPr wrap="none" rtlCol="0">
-                <a:spAutoFit/>
-              </a:bodyPr>
-              <a:lstStyle/>
-              <a:p>
-                <a:r>
-                  <a:rPr lang="en-US" dirty="0"/>
-                  <a:t>(b) preemption</a:t>
-                </a:r>
-              </a:p>
-            </p:txBody>
-          </p:sp>
-          <p:cxnSp>
-            <p:nvCxnSpPr>
-              <p:cNvPr id="278" name="Connector: Curved 277">
-                <a:extLst>
-                  <a:ext uri="{FF2B5EF4-FFF2-40B4-BE49-F238E27FC236}">
-                    <a16:creationId xmlns:a16="http://schemas.microsoft.com/office/drawing/2014/main" id="{C9264BFE-4F0D-4025-A57E-83D4F383AB0B}"/>
-                  </a:ext>
-                </a:extLst>
-              </p:cNvPr>
-              <p:cNvCxnSpPr>
-                <a:cxnSpLocks/>
-                <a:stCxn id="161" idx="2"/>
-                <a:endCxn id="281" idx="1"/>
-              </p:cNvCxnSpPr>
-              <p:nvPr/>
-            </p:nvCxnSpPr>
-            <p:spPr>
-              <a:xfrm rot="16200000" flipH="1">
-                <a:off x="7724558" y="3082442"/>
-                <a:ext cx="229606" cy="142892"/>
-              </a:xfrm>
-              <a:prstGeom prst="curvedConnector2">
-                <a:avLst/>
-              </a:prstGeom>
-              <a:ln>
-                <a:tailEnd type="triangle"/>
-              </a:ln>
-            </p:spPr>
-            <p:style>
-              <a:lnRef idx="1">
-                <a:schemeClr val="accent3"/>
-              </a:lnRef>
-              <a:fillRef idx="0">
-                <a:schemeClr val="accent3"/>
-              </a:fillRef>
-              <a:effectRef idx="0">
-                <a:schemeClr val="accent3"/>
-              </a:effectRef>
-              <a:fontRef idx="minor">
-                <a:schemeClr val="tx1"/>
-              </a:fontRef>
-            </p:style>
-          </p:cxnSp>
-          <p:sp>
-            <p:nvSpPr>
-              <p:cNvPr id="280" name="TextBox 279">
-                <a:extLst>
-                  <a:ext uri="{FF2B5EF4-FFF2-40B4-BE49-F238E27FC236}">
-                    <a16:creationId xmlns:a16="http://schemas.microsoft.com/office/drawing/2014/main" id="{A5BB2757-066C-4A73-BBCA-C8E5F87A607E}"/>
-                  </a:ext>
-                </a:extLst>
-              </p:cNvPr>
-              <p:cNvSpPr txBox="1"/>
-              <p:nvPr/>
-            </p:nvSpPr>
-            <p:spPr>
-              <a:xfrm rot="469087">
-                <a:off x="7043175" y="1153356"/>
-                <a:ext cx="686406" cy="230832"/>
-              </a:xfrm>
-              <a:prstGeom prst="rect">
-                <a:avLst/>
-              </a:prstGeom>
-              <a:noFill/>
-            </p:spPr>
-            <p:txBody>
-              <a:bodyPr wrap="square" rtlCol="0">
-                <a:spAutoFit/>
-              </a:bodyPr>
-              <a:lstStyle/>
-              <a:p>
-                <a:r>
-                  <a:rPr lang="en-US" sz="900" dirty="0" err="1"/>
-                  <a:t>sendSlope</a:t>
-                </a:r>
-                <a:endParaRPr lang="en-US" sz="900" dirty="0"/>
-              </a:p>
-            </p:txBody>
-          </p:sp>
-          <p:sp>
-            <p:nvSpPr>
-              <p:cNvPr id="281" name="TextBox 280">
-                <a:extLst>
-                  <a:ext uri="{FF2B5EF4-FFF2-40B4-BE49-F238E27FC236}">
-                    <a16:creationId xmlns:a16="http://schemas.microsoft.com/office/drawing/2014/main" id="{75583047-E418-4885-8A73-8B02C03587EA}"/>
-                  </a:ext>
-                </a:extLst>
-              </p:cNvPr>
-              <p:cNvSpPr txBox="1"/>
-              <p:nvPr/>
-            </p:nvSpPr>
-            <p:spPr>
-              <a:xfrm>
-                <a:off x="7910807" y="3153275"/>
-                <a:ext cx="1212191" cy="230832"/>
-              </a:xfrm>
-              <a:prstGeom prst="rect">
-                <a:avLst/>
-              </a:prstGeom>
-              <a:noFill/>
-            </p:spPr>
-            <p:txBody>
-              <a:bodyPr wrap="none" rtlCol="0">
-                <a:spAutoFit/>
-              </a:bodyPr>
-              <a:lstStyle/>
-              <a:p>
-                <a:r>
-                  <a:rPr lang="en-US" sz="900" dirty="0"/>
-                  <a:t>Preemption overhead</a:t>
-                </a:r>
-              </a:p>
-            </p:txBody>
-          </p:sp>
-          <p:cxnSp>
-            <p:nvCxnSpPr>
-              <p:cNvPr id="284" name="Connector: Curved 283">
-                <a:extLst>
-                  <a:ext uri="{FF2B5EF4-FFF2-40B4-BE49-F238E27FC236}">
-                    <a16:creationId xmlns:a16="http://schemas.microsoft.com/office/drawing/2014/main" id="{807AB2F4-3973-4D65-8AAE-85C44BA207DF}"/>
-                  </a:ext>
-                </a:extLst>
-              </p:cNvPr>
-              <p:cNvCxnSpPr>
-                <a:cxnSpLocks/>
-                <a:stCxn id="240" idx="2"/>
-                <a:endCxn id="281" idx="3"/>
-              </p:cNvCxnSpPr>
-              <p:nvPr/>
-            </p:nvCxnSpPr>
-            <p:spPr>
-              <a:xfrm rot="16200000" flipH="1">
-                <a:off x="8893642" y="3039334"/>
-                <a:ext cx="228739" cy="229974"/>
-              </a:xfrm>
-              <a:prstGeom prst="curvedConnector4">
-                <a:avLst>
-                  <a:gd name="adj1" fmla="val 24771"/>
-                  <a:gd name="adj2" fmla="val 199403"/>
-                </a:avLst>
-              </a:prstGeom>
-              <a:ln>
-                <a:tailEnd type="triangle"/>
-              </a:ln>
-            </p:spPr>
-            <p:style>
-              <a:lnRef idx="1">
-                <a:schemeClr val="accent3"/>
-              </a:lnRef>
-              <a:fillRef idx="0">
-                <a:schemeClr val="accent3"/>
-              </a:fillRef>
-              <a:effectRef idx="0">
-                <a:schemeClr val="accent3"/>
-              </a:effectRef>
-              <a:fontRef idx="minor">
-                <a:schemeClr val="tx1"/>
-              </a:fontRef>
-            </p:style>
-          </p:cxnSp>
-          <p:cxnSp>
-            <p:nvCxnSpPr>
-              <p:cNvPr id="316" name="Connector: Curved 315">
-                <a:extLst>
-                  <a:ext uri="{FF2B5EF4-FFF2-40B4-BE49-F238E27FC236}">
-                    <a16:creationId xmlns:a16="http://schemas.microsoft.com/office/drawing/2014/main" id="{17C2B029-FAF5-4D47-A043-C331FDD827CD}"/>
-                  </a:ext>
-                </a:extLst>
-              </p:cNvPr>
-              <p:cNvCxnSpPr/>
-              <p:nvPr/>
-            </p:nvCxnSpPr>
-            <p:spPr>
-              <a:xfrm rot="8195905" flipH="1" flipV="1">
-                <a:off x="1552016" y="1659958"/>
-                <a:ext cx="318219" cy="449871"/>
-              </a:xfrm>
-              <a:prstGeom prst="curvedConnector3">
-                <a:avLst/>
-              </a:prstGeom>
-            </p:spPr>
-            <p:style>
-              <a:lnRef idx="1">
-                <a:schemeClr val="dk1"/>
-              </a:lnRef>
-              <a:fillRef idx="0">
-                <a:schemeClr val="dk1"/>
-              </a:fillRef>
-              <a:effectRef idx="0">
-                <a:schemeClr val="dk1"/>
-              </a:effectRef>
-              <a:fontRef idx="minor">
-                <a:schemeClr val="tx1"/>
-              </a:fontRef>
-            </p:style>
-          </p:cxnSp>
-          <p:cxnSp>
-            <p:nvCxnSpPr>
-              <p:cNvPr id="317" name="Connector: Curved 316">
-                <a:extLst>
-                  <a:ext uri="{FF2B5EF4-FFF2-40B4-BE49-F238E27FC236}">
-                    <a16:creationId xmlns:a16="http://schemas.microsoft.com/office/drawing/2014/main" id="{80B2ADC6-E5AE-4751-9CC1-0D4CCA28A510}"/>
-                  </a:ext>
-                </a:extLst>
-              </p:cNvPr>
-              <p:cNvCxnSpPr>
-                <a:cxnSpLocks/>
-              </p:cNvCxnSpPr>
-              <p:nvPr/>
-            </p:nvCxnSpPr>
-            <p:spPr>
-              <a:xfrm rot="8195905" flipH="1" flipV="1">
-                <a:off x="1590856" y="1748682"/>
-                <a:ext cx="345781" cy="423824"/>
-              </a:xfrm>
-              <a:prstGeom prst="curvedConnector3">
-                <a:avLst>
-                  <a:gd name="adj1" fmla="val 50000"/>
-                </a:avLst>
-              </a:prstGeom>
-            </p:spPr>
-            <p:style>
-              <a:lnRef idx="1">
-                <a:schemeClr val="dk1"/>
-              </a:lnRef>
-              <a:fillRef idx="0">
-                <a:schemeClr val="dk1"/>
-              </a:fillRef>
-              <a:effectRef idx="0">
-                <a:schemeClr val="dk1"/>
-              </a:effectRef>
-              <a:fontRef idx="minor">
-                <a:schemeClr val="tx1"/>
-              </a:fontRef>
-            </p:style>
-          </p:cxnSp>
-          <p:cxnSp>
-            <p:nvCxnSpPr>
-              <p:cNvPr id="319" name="Connector: Curved 318">
-                <a:extLst>
-                  <a:ext uri="{FF2B5EF4-FFF2-40B4-BE49-F238E27FC236}">
-                    <a16:creationId xmlns:a16="http://schemas.microsoft.com/office/drawing/2014/main" id="{CB29B047-2E56-403B-9D99-D68E07CBD1AC}"/>
-                  </a:ext>
-                </a:extLst>
-              </p:cNvPr>
-              <p:cNvCxnSpPr/>
-              <p:nvPr/>
-            </p:nvCxnSpPr>
-            <p:spPr>
-              <a:xfrm rot="8195905" flipH="1" flipV="1">
-                <a:off x="1511525" y="2224560"/>
-                <a:ext cx="318219" cy="449871"/>
-              </a:xfrm>
-              <a:prstGeom prst="curvedConnector3">
-                <a:avLst/>
-              </a:prstGeom>
-            </p:spPr>
-            <p:style>
-              <a:lnRef idx="1">
-                <a:schemeClr val="dk1"/>
-              </a:lnRef>
-              <a:fillRef idx="0">
-                <a:schemeClr val="dk1"/>
-              </a:fillRef>
-              <a:effectRef idx="0">
-                <a:schemeClr val="dk1"/>
-              </a:effectRef>
-              <a:fontRef idx="minor">
-                <a:schemeClr val="tx1"/>
-              </a:fontRef>
-            </p:style>
-          </p:cxnSp>
-          <p:cxnSp>
-            <p:nvCxnSpPr>
-              <p:cNvPr id="320" name="Connector: Curved 319">
-                <a:extLst>
-                  <a:ext uri="{FF2B5EF4-FFF2-40B4-BE49-F238E27FC236}">
-                    <a16:creationId xmlns:a16="http://schemas.microsoft.com/office/drawing/2014/main" id="{F4C96A70-81EB-4F74-B5FB-4FF152450219}"/>
-                  </a:ext>
-                </a:extLst>
-              </p:cNvPr>
-              <p:cNvCxnSpPr>
-                <a:cxnSpLocks/>
-              </p:cNvCxnSpPr>
-              <p:nvPr/>
-            </p:nvCxnSpPr>
-            <p:spPr>
-              <a:xfrm rot="8195905" flipH="1" flipV="1">
-                <a:off x="1550365" y="2313284"/>
-                <a:ext cx="345781" cy="423824"/>
-              </a:xfrm>
-              <a:prstGeom prst="curvedConnector3">
-                <a:avLst>
-                  <a:gd name="adj1" fmla="val 50000"/>
-                </a:avLst>
-              </a:prstGeom>
-            </p:spPr>
-            <p:style>
-              <a:lnRef idx="1">
-                <a:schemeClr val="dk1"/>
-              </a:lnRef>
-              <a:fillRef idx="0">
-                <a:schemeClr val="dk1"/>
-              </a:fillRef>
-              <a:effectRef idx="0">
-                <a:schemeClr val="dk1"/>
-              </a:effectRef>
-              <a:fontRef idx="minor">
-                <a:schemeClr val="tx1"/>
-              </a:fontRef>
-            </p:style>
-          </p:cxnSp>
-          <p:cxnSp>
-            <p:nvCxnSpPr>
-              <p:cNvPr id="322" name="Connector: Curved 321">
-                <a:extLst>
-                  <a:ext uri="{FF2B5EF4-FFF2-40B4-BE49-F238E27FC236}">
-                    <a16:creationId xmlns:a16="http://schemas.microsoft.com/office/drawing/2014/main" id="{0DED0BA8-17ED-48B8-B682-F705630F336D}"/>
-                  </a:ext>
-                </a:extLst>
-              </p:cNvPr>
-              <p:cNvCxnSpPr/>
-              <p:nvPr/>
-            </p:nvCxnSpPr>
-            <p:spPr>
-              <a:xfrm rot="8195905" flipH="1" flipV="1">
-                <a:off x="1543939" y="2582479"/>
-                <a:ext cx="318219" cy="449871"/>
-              </a:xfrm>
-              <a:prstGeom prst="curvedConnector3">
-                <a:avLst/>
-              </a:prstGeom>
-            </p:spPr>
-            <p:style>
-              <a:lnRef idx="1">
-                <a:schemeClr val="dk1"/>
-              </a:lnRef>
-              <a:fillRef idx="0">
-                <a:schemeClr val="dk1"/>
-              </a:fillRef>
-              <a:effectRef idx="0">
-                <a:schemeClr val="dk1"/>
-              </a:effectRef>
-              <a:fontRef idx="minor">
-                <a:schemeClr val="tx1"/>
-              </a:fontRef>
-            </p:style>
-          </p:cxnSp>
-          <p:cxnSp>
-            <p:nvCxnSpPr>
-              <p:cNvPr id="323" name="Connector: Curved 322">
-                <a:extLst>
-                  <a:ext uri="{FF2B5EF4-FFF2-40B4-BE49-F238E27FC236}">
-                    <a16:creationId xmlns:a16="http://schemas.microsoft.com/office/drawing/2014/main" id="{7AD25494-A1ED-4F83-B9E9-7F757DFA7F03}"/>
-                  </a:ext>
-                </a:extLst>
-              </p:cNvPr>
-              <p:cNvCxnSpPr>
-                <a:cxnSpLocks/>
-              </p:cNvCxnSpPr>
-              <p:nvPr/>
-            </p:nvCxnSpPr>
-            <p:spPr>
-              <a:xfrm rot="8195905" flipH="1" flipV="1">
-                <a:off x="1582779" y="2671203"/>
-                <a:ext cx="345781" cy="423824"/>
-              </a:xfrm>
-              <a:prstGeom prst="curvedConnector3">
-                <a:avLst>
-                  <a:gd name="adj1" fmla="val 50000"/>
-                </a:avLst>
-              </a:prstGeom>
-            </p:spPr>
-            <p:style>
-              <a:lnRef idx="1">
-                <a:schemeClr val="dk1"/>
-              </a:lnRef>
-              <a:fillRef idx="0">
-                <a:schemeClr val="dk1"/>
-              </a:fillRef>
-              <a:effectRef idx="0">
-                <a:schemeClr val="dk1"/>
-              </a:effectRef>
-              <a:fontRef idx="minor">
-                <a:schemeClr val="tx1"/>
-              </a:fontRef>
-            </p:style>
-          </p:cxnSp>
-        </p:grpSp>
-        <p:grpSp>
-          <p:nvGrpSpPr>
-            <p:cNvPr id="326" name="Group 325">
-              <a:extLst>
-                <a:ext uri="{FF2B5EF4-FFF2-40B4-BE49-F238E27FC236}">
-                  <a16:creationId xmlns:a16="http://schemas.microsoft.com/office/drawing/2014/main" id="{2E3DD7F7-F817-47C8-981D-6468FE059988}"/>
-                </a:ext>
-              </a:extLst>
-            </p:cNvPr>
-            <p:cNvGrpSpPr/>
-            <p:nvPr/>
-          </p:nvGrpSpPr>
-          <p:grpSpPr>
-            <a:xfrm>
-              <a:off x="1563358" y="786778"/>
+              <a:off x="1563358" y="793128"/>
               <a:ext cx="384621" cy="512548"/>
               <a:chOff x="1542858" y="1095092"/>
               <a:chExt cx="384621" cy="512548"/>
@@ -7364,6 +7657,168 @@
             </p:style>
           </p:cxnSp>
         </p:grpSp>
+        <p:cxnSp>
+          <p:nvCxnSpPr>
+            <p:cNvPr id="6" name="Straight Connector 5">
+              <a:extLst>
+                <a:ext uri="{FF2B5EF4-FFF2-40B4-BE49-F238E27FC236}">
+                  <a16:creationId xmlns:a16="http://schemas.microsoft.com/office/drawing/2014/main" id="{94810DDF-FFAC-477C-A3C7-C1770FE8A93F}"/>
+                </a:ext>
+              </a:extLst>
+            </p:cNvPr>
+            <p:cNvCxnSpPr>
+              <a:cxnSpLocks/>
+            </p:cNvCxnSpPr>
+            <p:nvPr/>
+          </p:nvCxnSpPr>
+          <p:spPr>
+            <a:xfrm>
+              <a:off x="8823242" y="1415529"/>
+              <a:ext cx="304312" cy="113307"/>
+            </a:xfrm>
+            <a:prstGeom prst="line">
+              <a:avLst/>
+            </a:prstGeom>
+          </p:spPr>
+          <p:style>
+            <a:lnRef idx="2">
+              <a:schemeClr val="accent1"/>
+            </a:lnRef>
+            <a:fillRef idx="0">
+              <a:schemeClr val="accent1"/>
+            </a:fillRef>
+            <a:effectRef idx="1">
+              <a:schemeClr val="accent1"/>
+            </a:effectRef>
+            <a:fontRef idx="minor">
+              <a:schemeClr val="tx1"/>
+            </a:fontRef>
+          </p:style>
+        </p:cxnSp>
+        <p:sp>
+          <p:nvSpPr>
+            <p:cNvPr id="136" name="Rectangle 135">
+              <a:extLst>
+                <a:ext uri="{FF2B5EF4-FFF2-40B4-BE49-F238E27FC236}">
+                  <a16:creationId xmlns:a16="http://schemas.microsoft.com/office/drawing/2014/main" id="{EA275C38-21E8-46A9-A03A-2CAF5E2CCAD4}"/>
+                </a:ext>
+              </a:extLst>
+            </p:cNvPr>
+            <p:cNvSpPr/>
+            <p:nvPr/>
+          </p:nvSpPr>
+          <p:spPr>
+            <a:xfrm>
+              <a:off x="7623618" y="2745460"/>
+              <a:ext cx="211355" cy="104740"/>
+            </a:xfrm>
+            <a:prstGeom prst="rect">
+              <a:avLst/>
+            </a:prstGeom>
+          </p:spPr>
+          <p:style>
+            <a:lnRef idx="2">
+              <a:schemeClr val="accent3">
+                <a:shade val="50000"/>
+              </a:schemeClr>
+            </a:lnRef>
+            <a:fillRef idx="1">
+              <a:schemeClr val="accent3"/>
+            </a:fillRef>
+            <a:effectRef idx="0">
+              <a:schemeClr val="accent3"/>
+            </a:effectRef>
+            <a:fontRef idx="minor">
+              <a:schemeClr val="lt1"/>
+            </a:fontRef>
+          </p:style>
+          <p:txBody>
+            <a:bodyPr rtlCol="0" anchor="ctr"/>
+            <a:lstStyle/>
+            <a:p>
+              <a:pPr algn="ctr"/>
+              <a:endParaRPr lang="en-US" sz="900" dirty="0"/>
+            </a:p>
+          </p:txBody>
+        </p:sp>
+        <p:sp>
+          <p:nvSpPr>
+            <p:cNvPr id="243" name="TextBox 242">
+              <a:extLst>
+                <a:ext uri="{FF2B5EF4-FFF2-40B4-BE49-F238E27FC236}">
+                  <a16:creationId xmlns:a16="http://schemas.microsoft.com/office/drawing/2014/main" id="{62044018-4F86-4D07-9A9D-E92F451C6998}"/>
+                </a:ext>
+              </a:extLst>
+            </p:cNvPr>
+            <p:cNvSpPr txBox="1"/>
+            <p:nvPr/>
+          </p:nvSpPr>
+          <p:spPr>
+            <a:xfrm>
+              <a:off x="6774940" y="2672726"/>
+              <a:ext cx="678036" cy="215444"/>
+            </a:xfrm>
+            <a:prstGeom prst="rect">
+              <a:avLst/>
+            </a:prstGeom>
+            <a:noFill/>
+          </p:spPr>
+          <p:txBody>
+            <a:bodyPr wrap="square" rtlCol="0">
+              <a:spAutoFit/>
+            </a:bodyPr>
+            <a:lstStyle/>
+            <a:p>
+              <a:r>
+                <a:rPr lang="en-US" sz="800" dirty="0"/>
+                <a:t>Guard Band</a:t>
+              </a:r>
+            </a:p>
+          </p:txBody>
+        </p:sp>
+        <p:cxnSp>
+          <p:nvCxnSpPr>
+            <p:cNvPr id="251" name="Connector: Curved 250">
+              <a:extLst>
+                <a:ext uri="{FF2B5EF4-FFF2-40B4-BE49-F238E27FC236}">
+                  <a16:creationId xmlns:a16="http://schemas.microsoft.com/office/drawing/2014/main" id="{DD3AE6E9-9E58-4743-995B-A7DF293B42CF}"/>
+                </a:ext>
+              </a:extLst>
+            </p:cNvPr>
+            <p:cNvCxnSpPr>
+              <a:cxnSpLocks/>
+              <a:stCxn id="136" idx="1"/>
+              <a:endCxn id="243" idx="3"/>
+            </p:cNvCxnSpPr>
+            <p:nvPr/>
+          </p:nvCxnSpPr>
+          <p:spPr>
+            <a:xfrm rot="10800000">
+              <a:off x="7452976" y="2780448"/>
+              <a:ext cx="170642" cy="17382"/>
+            </a:xfrm>
+            <a:prstGeom prst="curvedConnector3">
+              <a:avLst/>
+            </a:prstGeom>
+            <a:ln>
+              <a:tailEnd type="triangle"/>
+            </a:ln>
+          </p:spPr>
+          <p:style>
+            <a:lnRef idx="1">
+              <a:schemeClr val="accent3"/>
+            </a:lnRef>
+            <a:fillRef idx="0">
+              <a:schemeClr val="accent3"/>
+            </a:fillRef>
+            <a:effectRef idx="0">
+              <a:schemeClr val="accent3"/>
+            </a:effectRef>
+            <a:fontRef idx="minor">
+              <a:schemeClr val="tx1"/>
+            </a:fontRef>
+          </p:style>
+        </p:cxnSp>
       </p:grpSp>
     </p:spTree>
     <p:extLst>
@@ -8563,4 +9018,299 @@
     </a:ext>
   </a:extLst>
 </a:theme>
+</file>
+
+<file path=ppt/theme/theme2.xml><?xml version="1.0" encoding="utf-8"?>
+<a:theme xmlns:a="http://schemas.openxmlformats.org/drawingml/2006/main" name="Office Theme">
+  <a:themeElements>
+    <a:clrScheme name="Office">
+      <a:dk1>
+        <a:sysClr val="windowText" lastClr="000000"/>
+      </a:dk1>
+      <a:lt1>
+        <a:sysClr val="window" lastClr="FFFFFF"/>
+      </a:lt1>
+      <a:dk2>
+        <a:srgbClr val="44546A"/>
+      </a:dk2>
+      <a:lt2>
+        <a:srgbClr val="E7E6E6"/>
+      </a:lt2>
+      <a:accent1>
+        <a:srgbClr val="4472C4"/>
+      </a:accent1>
+      <a:accent2>
+        <a:srgbClr val="ED7D31"/>
+      </a:accent2>
+      <a:accent3>
+        <a:srgbClr val="A5A5A5"/>
+      </a:accent3>
+      <a:accent4>
+        <a:srgbClr val="FFC000"/>
+      </a:accent4>
+      <a:accent5>
+        <a:srgbClr val="5B9BD5"/>
+      </a:accent5>
+      <a:accent6>
+        <a:srgbClr val="70AD47"/>
+      </a:accent6>
+      <a:hlink>
+        <a:srgbClr val="0563C1"/>
+      </a:hlink>
+      <a:folHlink>
+        <a:srgbClr val="954F72"/>
+      </a:folHlink>
+    </a:clrScheme>
+    <a:fontScheme name="Office">
+      <a:majorFont>
+        <a:latin typeface="Calibri Light" panose="020F0302020204030204"/>
+        <a:ea typeface=""/>
+        <a:cs typeface=""/>
+        <a:font script="Jpan" typeface="游ゴシック Light"/>
+        <a:font script="Hang" typeface="맑은 고딕"/>
+        <a:font script="Hans" typeface="等线 Light"/>
+        <a:font script="Hant" typeface="新細明體"/>
+        <a:font script="Arab" typeface="Times New Roman"/>
+        <a:font script="Hebr" typeface="Times New Roman"/>
+        <a:font script="Thai" typeface="Angsana New"/>
+        <a:font script="Ethi" typeface="Nyala"/>
+        <a:font script="Beng" typeface="Vrinda"/>
+        <a:font script="Gujr" typeface="Shruti"/>
+        <a:font script="Khmr" typeface="MoolBoran"/>
+        <a:font script="Knda" typeface="Tunga"/>
+        <a:font script="Guru" typeface="Raavi"/>
+        <a:font script="Cans" typeface="Euphemia"/>
+        <a:font script="Cher" typeface="Plantagenet Cherokee"/>
+        <a:font script="Yiii" typeface="Microsoft Yi Baiti"/>
+        <a:font script="Tibt" typeface="Microsoft Himalaya"/>
+        <a:font script="Thaa" typeface="MV Boli"/>
+        <a:font script="Deva" typeface="Mangal"/>
+        <a:font script="Telu" typeface="Gautami"/>
+        <a:font script="Taml" typeface="Latha"/>
+        <a:font script="Syrc" typeface="Estrangelo Edessa"/>
+        <a:font script="Orya" typeface="Kalinga"/>
+        <a:font script="Mlym" typeface="Kartika"/>
+        <a:font script="Laoo" typeface="DokChampa"/>
+        <a:font script="Sinh" typeface="Iskoola Pota"/>
+        <a:font script="Mong" typeface="Mongolian Baiti"/>
+        <a:font script="Viet" typeface="Times New Roman"/>
+        <a:font script="Uigh" typeface="Microsoft Uighur"/>
+        <a:font script="Geor" typeface="Sylfaen"/>
+        <a:font script="Armn" typeface="Arial"/>
+        <a:font script="Bugi" typeface="Leelawadee UI"/>
+        <a:font script="Bopo" typeface="Microsoft JhengHei"/>
+        <a:font script="Java" typeface="Javanese Text"/>
+        <a:font script="Lisu" typeface="Segoe UI"/>
+        <a:font script="Mymr" typeface="Myanmar Text"/>
+        <a:font script="Nkoo" typeface="Ebrima"/>
+        <a:font script="Olck" typeface="Nirmala UI"/>
+        <a:font script="Osma" typeface="Ebrima"/>
+        <a:font script="Phag" typeface="Phagspa"/>
+        <a:font script="Syrn" typeface="Estrangelo Edessa"/>
+        <a:font script="Syrj" typeface="Estrangelo Edessa"/>
+        <a:font script="Syre" typeface="Estrangelo Edessa"/>
+        <a:font script="Sora" typeface="Nirmala UI"/>
+        <a:font script="Tale" typeface="Microsoft Tai Le"/>
+        <a:font script="Talu" typeface="Microsoft New Tai Lue"/>
+        <a:font script="Tfng" typeface="Ebrima"/>
+      </a:majorFont>
+      <a:minorFont>
+        <a:latin typeface="Calibri" panose="020F0502020204030204"/>
+        <a:ea typeface=""/>
+        <a:cs typeface=""/>
+        <a:font script="Jpan" typeface="游ゴシック"/>
+        <a:font script="Hang" typeface="맑은 고딕"/>
+        <a:font script="Hans" typeface="等线"/>
+        <a:font script="Hant" typeface="新細明體"/>
+        <a:font script="Arab" typeface="Arial"/>
+        <a:font script="Hebr" typeface="Arial"/>
+        <a:font script="Thai" typeface="Cordia New"/>
+        <a:font script="Ethi" typeface="Nyala"/>
+        <a:font script="Beng" typeface="Vrinda"/>
+        <a:font script="Gujr" typeface="Shruti"/>
+        <a:font script="Khmr" typeface="DaunPenh"/>
+        <a:font script="Knda" typeface="Tunga"/>
+        <a:font script="Guru" typeface="Raavi"/>
+        <a:font script="Cans" typeface="Euphemia"/>
+        <a:font script="Cher" typeface="Plantagenet Cherokee"/>
+        <a:font script="Yiii" typeface="Microsoft Yi Baiti"/>
+        <a:font script="Tibt" typeface="Microsoft Himalaya"/>
+        <a:font script="Thaa" typeface="MV Boli"/>
+        <a:font script="Deva" typeface="Mangal"/>
+        <a:font script="Telu" typeface="Gautami"/>
+        <a:font script="Taml" typeface="Latha"/>
+        <a:font script="Syrc" typeface="Estrangelo Edessa"/>
+        <a:font script="Orya" typeface="Kalinga"/>
+        <a:font script="Mlym" typeface="Kartika"/>
+        <a:font script="Laoo" typeface="DokChampa"/>
+        <a:font script="Sinh" typeface="Iskoola Pota"/>
+        <a:font script="Mong" typeface="Mongolian Baiti"/>
+        <a:font script="Viet" typeface="Arial"/>
+        <a:font script="Uigh" typeface="Microsoft Uighur"/>
+        <a:font script="Geor" typeface="Sylfaen"/>
+        <a:font script="Armn" typeface="Arial"/>
+        <a:font script="Bugi" typeface="Leelawadee UI"/>
+        <a:font script="Bopo" typeface="Microsoft JhengHei"/>
+        <a:font script="Java" typeface="Javanese Text"/>
+        <a:font script="Lisu" typeface="Segoe UI"/>
+        <a:font script="Mymr" typeface="Myanmar Text"/>
+        <a:font script="Nkoo" typeface="Ebrima"/>
+        <a:font script="Olck" typeface="Nirmala UI"/>
+        <a:font script="Osma" typeface="Ebrima"/>
+        <a:font script="Phag" typeface="Phagspa"/>
+        <a:font script="Syrn" typeface="Estrangelo Edessa"/>
+        <a:font script="Syrj" typeface="Estrangelo Edessa"/>
+        <a:font script="Syre" typeface="Estrangelo Edessa"/>
+        <a:font script="Sora" typeface="Nirmala UI"/>
+        <a:font script="Tale" typeface="Microsoft Tai Le"/>
+        <a:font script="Talu" typeface="Microsoft New Tai Lue"/>
+        <a:font script="Tfng" typeface="Ebrima"/>
+      </a:minorFont>
+    </a:fontScheme>
+    <a:fmtScheme name="Office">
+      <a:fillStyleLst>
+        <a:solidFill>
+          <a:schemeClr val="phClr"/>
+        </a:solidFill>
+        <a:gradFill rotWithShape="1">
+          <a:gsLst>
+            <a:gs pos="0">
+              <a:schemeClr val="phClr">
+                <a:lumMod val="110000"/>
+                <a:satMod val="105000"/>
+                <a:tint val="67000"/>
+              </a:schemeClr>
+            </a:gs>
+            <a:gs pos="50000">
+              <a:schemeClr val="phClr">
+                <a:lumMod val="105000"/>
+                <a:satMod val="103000"/>
+                <a:tint val="73000"/>
+              </a:schemeClr>
+            </a:gs>
+            <a:gs pos="100000">
+              <a:schemeClr val="phClr">
+                <a:lumMod val="105000"/>
+                <a:satMod val="109000"/>
+                <a:tint val="81000"/>
+              </a:schemeClr>
+            </a:gs>
+          </a:gsLst>
+          <a:lin ang="5400000" scaled="0"/>
+        </a:gradFill>
+        <a:gradFill rotWithShape="1">
+          <a:gsLst>
+            <a:gs pos="0">
+              <a:schemeClr val="phClr">
+                <a:satMod val="103000"/>
+                <a:lumMod val="102000"/>
+                <a:tint val="94000"/>
+              </a:schemeClr>
+            </a:gs>
+            <a:gs pos="50000">
+              <a:schemeClr val="phClr">
+                <a:satMod val="110000"/>
+                <a:lumMod val="100000"/>
+                <a:shade val="100000"/>
+              </a:schemeClr>
+            </a:gs>
+            <a:gs pos="100000">
+              <a:schemeClr val="phClr">
+                <a:lumMod val="99000"/>
+                <a:satMod val="120000"/>
+                <a:shade val="78000"/>
+              </a:schemeClr>
+            </a:gs>
+          </a:gsLst>
+          <a:lin ang="5400000" scaled="0"/>
+        </a:gradFill>
+      </a:fillStyleLst>
+      <a:lnStyleLst>
+        <a:ln w="6350" cap="flat" cmpd="sng" algn="ctr">
+          <a:solidFill>
+            <a:schemeClr val="phClr"/>
+          </a:solidFill>
+          <a:prstDash val="solid"/>
+          <a:miter lim="800000"/>
+        </a:ln>
+        <a:ln w="12700" cap="flat" cmpd="sng" algn="ctr">
+          <a:solidFill>
+            <a:schemeClr val="phClr"/>
+          </a:solidFill>
+          <a:prstDash val="solid"/>
+          <a:miter lim="800000"/>
+        </a:ln>
+        <a:ln w="19050" cap="flat" cmpd="sng" algn="ctr">
+          <a:solidFill>
+            <a:schemeClr val="phClr"/>
+          </a:solidFill>
+          <a:prstDash val="solid"/>
+          <a:miter lim="800000"/>
+        </a:ln>
+      </a:lnStyleLst>
+      <a:effectStyleLst>
+        <a:effectStyle>
+          <a:effectLst/>
+        </a:effectStyle>
+        <a:effectStyle>
+          <a:effectLst/>
+        </a:effectStyle>
+        <a:effectStyle>
+          <a:effectLst>
+            <a:outerShdw blurRad="57150" dist="19050" dir="5400000" algn="ctr" rotWithShape="0">
+              <a:srgbClr val="000000">
+                <a:alpha val="63000"/>
+              </a:srgbClr>
+            </a:outerShdw>
+          </a:effectLst>
+        </a:effectStyle>
+      </a:effectStyleLst>
+      <a:bgFillStyleLst>
+        <a:solidFill>
+          <a:schemeClr val="phClr"/>
+        </a:solidFill>
+        <a:solidFill>
+          <a:schemeClr val="phClr">
+            <a:tint val="95000"/>
+            <a:satMod val="170000"/>
+          </a:schemeClr>
+        </a:solidFill>
+        <a:gradFill rotWithShape="1">
+          <a:gsLst>
+            <a:gs pos="0">
+              <a:schemeClr val="phClr">
+                <a:tint val="93000"/>
+                <a:satMod val="150000"/>
+                <a:shade val="98000"/>
+                <a:lumMod val="102000"/>
+              </a:schemeClr>
+            </a:gs>
+            <a:gs pos="50000">
+              <a:schemeClr val="phClr">
+                <a:tint val="98000"/>
+                <a:satMod val="130000"/>
+                <a:shade val="90000"/>
+                <a:lumMod val="103000"/>
+              </a:schemeClr>
+            </a:gs>
+            <a:gs pos="100000">
+              <a:schemeClr val="phClr">
+                <a:shade val="63000"/>
+                <a:satMod val="120000"/>
+              </a:schemeClr>
+            </a:gs>
+          </a:gsLst>
+          <a:lin ang="5400000" scaled="0"/>
+        </a:gradFill>
+      </a:bgFillStyleLst>
+    </a:fmtScheme>
+  </a:themeElements>
+  <a:objectDefaults/>
+  <a:extraClrSchemeLst/>
+  <a:extLst>
+    <a:ext uri="{05A4C25C-085E-4340-85A3-A5531E510DB2}">
+      <thm15:themeFamily xmlns:thm15="http://schemas.microsoft.com/office/thememl/2012/main" name="Office Theme" id="{62F939B6-93AF-4DB8-9C6B-D6C7DFDC589F}" vid="{4A3C46E8-61CC-4603-A589-7422A47A8E4A}"/>
+    </a:ext>
+  </a:extLst>
+</a:theme>
 </file>
--- a/Figures.pptx
+++ b/Figures.pptx
@@ -198,7 +198,7 @@
           <a:p>
             <a:fld id="{DEFAA967-0ABF-4065-B760-47CF75B8387E}" type="datetimeFigureOut">
               <a:rPr lang="en-US" smtClean="0"/>
-              <a:t>6/15/2020</a:t>
+              <a:t>6/17/2020</a:t>
             </a:fld>
             <a:endParaRPr lang="en-US"/>
           </a:p>
@@ -696,7 +696,7 @@
           <a:p>
             <a:fld id="{827ADAB3-46CF-49B2-A95A-71DC14D6E9D6}" type="datetimeFigureOut">
               <a:rPr lang="en-US" smtClean="0"/>
-              <a:t>6/15/2020</a:t>
+              <a:t>6/17/2020</a:t>
             </a:fld>
             <a:endParaRPr lang="en-US"/>
           </a:p>
@@ -894,7 +894,7 @@
           <a:p>
             <a:fld id="{827ADAB3-46CF-49B2-A95A-71DC14D6E9D6}" type="datetimeFigureOut">
               <a:rPr lang="en-US" smtClean="0"/>
-              <a:t>6/15/2020</a:t>
+              <a:t>6/17/2020</a:t>
             </a:fld>
             <a:endParaRPr lang="en-US"/>
           </a:p>
@@ -1102,7 +1102,7 @@
           <a:p>
             <a:fld id="{827ADAB3-46CF-49B2-A95A-71DC14D6E9D6}" type="datetimeFigureOut">
               <a:rPr lang="en-US" smtClean="0"/>
-              <a:t>6/15/2020</a:t>
+              <a:t>6/17/2020</a:t>
             </a:fld>
             <a:endParaRPr lang="en-US"/>
           </a:p>
@@ -1300,7 +1300,7 @@
           <a:p>
             <a:fld id="{827ADAB3-46CF-49B2-A95A-71DC14D6E9D6}" type="datetimeFigureOut">
               <a:rPr lang="en-US" smtClean="0"/>
-              <a:t>6/15/2020</a:t>
+              <a:t>6/17/2020</a:t>
             </a:fld>
             <a:endParaRPr lang="en-US"/>
           </a:p>
@@ -1575,7 +1575,7 @@
           <a:p>
             <a:fld id="{827ADAB3-46CF-49B2-A95A-71DC14D6E9D6}" type="datetimeFigureOut">
               <a:rPr lang="en-US" smtClean="0"/>
-              <a:t>6/15/2020</a:t>
+              <a:t>6/17/2020</a:t>
             </a:fld>
             <a:endParaRPr lang="en-US"/>
           </a:p>
@@ -1840,7 +1840,7 @@
           <a:p>
             <a:fld id="{827ADAB3-46CF-49B2-A95A-71DC14D6E9D6}" type="datetimeFigureOut">
               <a:rPr lang="en-US" smtClean="0"/>
-              <a:t>6/15/2020</a:t>
+              <a:t>6/17/2020</a:t>
             </a:fld>
             <a:endParaRPr lang="en-US"/>
           </a:p>
@@ -2252,7 +2252,7 @@
           <a:p>
             <a:fld id="{827ADAB3-46CF-49B2-A95A-71DC14D6E9D6}" type="datetimeFigureOut">
               <a:rPr lang="en-US" smtClean="0"/>
-              <a:t>6/15/2020</a:t>
+              <a:t>6/17/2020</a:t>
             </a:fld>
             <a:endParaRPr lang="en-US"/>
           </a:p>
@@ -2393,7 +2393,7 @@
           <a:p>
             <a:fld id="{827ADAB3-46CF-49B2-A95A-71DC14D6E9D6}" type="datetimeFigureOut">
               <a:rPr lang="en-US" smtClean="0"/>
-              <a:t>6/15/2020</a:t>
+              <a:t>6/17/2020</a:t>
             </a:fld>
             <a:endParaRPr lang="en-US"/>
           </a:p>
@@ -2506,7 +2506,7 @@
           <a:p>
             <a:fld id="{827ADAB3-46CF-49B2-A95A-71DC14D6E9D6}" type="datetimeFigureOut">
               <a:rPr lang="en-US" smtClean="0"/>
-              <a:t>6/15/2020</a:t>
+              <a:t>6/17/2020</a:t>
             </a:fld>
             <a:endParaRPr lang="en-US"/>
           </a:p>
@@ -2817,7 +2817,7 @@
           <a:p>
             <a:fld id="{827ADAB3-46CF-49B2-A95A-71DC14D6E9D6}" type="datetimeFigureOut">
               <a:rPr lang="en-US" smtClean="0"/>
-              <a:t>6/15/2020</a:t>
+              <a:t>6/17/2020</a:t>
             </a:fld>
             <a:endParaRPr lang="en-US"/>
           </a:p>
@@ -3105,7 +3105,7 @@
           <a:p>
             <a:fld id="{827ADAB3-46CF-49B2-A95A-71DC14D6E9D6}" type="datetimeFigureOut">
               <a:rPr lang="en-US" smtClean="0"/>
-              <a:t>6/15/2020</a:t>
+              <a:t>6/17/2020</a:t>
             </a:fld>
             <a:endParaRPr lang="en-US"/>
           </a:p>
@@ -3346,7 +3346,7 @@
           <a:p>
             <a:fld id="{827ADAB3-46CF-49B2-A95A-71DC14D6E9D6}" type="datetimeFigureOut">
               <a:rPr lang="en-US" smtClean="0"/>
-              <a:t>6/15/2020</a:t>
+              <a:t>6/17/2020</a:t>
             </a:fld>
             <a:endParaRPr lang="en-US"/>
           </a:p>
@@ -7852,10 +7852,10 @@
       </p:grpSpPr>
       <p:grpSp>
         <p:nvGrpSpPr>
-          <p:cNvPr id="45" name="Group 44">
+          <p:cNvPr id="3" name="Group 2">
             <a:extLst>
               <a:ext uri="{FF2B5EF4-FFF2-40B4-BE49-F238E27FC236}">
-                <a16:creationId xmlns:a16="http://schemas.microsoft.com/office/drawing/2014/main" id="{87A4E8B3-09F8-47DC-AB37-125AD6ACBB7C}"/>
+                <a16:creationId xmlns:a16="http://schemas.microsoft.com/office/drawing/2014/main" id="{32C784F1-8E36-421E-8068-51569F9EBE5C}"/>
               </a:ext>
             </a:extLst>
           </p:cNvPr>
@@ -7864,10 +7864,10 @@
         </p:nvGrpSpPr>
         <p:grpSpPr>
           <a:xfrm>
-            <a:off x="2095722" y="1387931"/>
-            <a:ext cx="4792758" cy="2766057"/>
-            <a:chOff x="2248609" y="1318262"/>
-            <a:chExt cx="5610696" cy="3653610"/>
+            <a:off x="2095723" y="1387930"/>
+            <a:ext cx="4792757" cy="2766058"/>
+            <a:chOff x="2095723" y="1387930"/>
+            <a:chExt cx="4792757" cy="2766058"/>
           </a:xfrm>
         </p:grpSpPr>
         <p:cxnSp>
@@ -7886,8 +7886,8 @@
           </p:nvCxnSpPr>
           <p:spPr>
             <a:xfrm flipH="1">
-              <a:off x="2664622" y="1319884"/>
-              <a:ext cx="7137" cy="3273858"/>
+              <a:off x="2451088" y="1389159"/>
+              <a:ext cx="6097" cy="2478556"/>
             </a:xfrm>
             <a:prstGeom prst="line">
               <a:avLst/>
@@ -7924,8 +7924,8 @@
           </p:nvCxnSpPr>
           <p:spPr>
             <a:xfrm>
-              <a:off x="2664622" y="4593742"/>
-              <a:ext cx="5008718" cy="0"/>
+              <a:off x="2451088" y="3867715"/>
+              <a:ext cx="4278538" cy="0"/>
             </a:xfrm>
             <a:prstGeom prst="line">
               <a:avLst/>
@@ -7946,328 +7946,6 @@
             </a:fontRef>
           </p:style>
         </p:cxnSp>
-        <p:sp>
-          <p:nvSpPr>
-            <p:cNvPr id="9" name="Isosceles Triangle 8">
-              <a:extLst>
-                <a:ext uri="{FF2B5EF4-FFF2-40B4-BE49-F238E27FC236}">
-                  <a16:creationId xmlns:a16="http://schemas.microsoft.com/office/drawing/2014/main" id="{DB7F5119-B5BD-4C18-9059-869778922DC4}"/>
-                </a:ext>
-              </a:extLst>
-            </p:cNvPr>
-            <p:cNvSpPr/>
-            <p:nvPr/>
-          </p:nvSpPr>
-          <p:spPr>
-            <a:xfrm>
-              <a:off x="6514943" y="2224757"/>
-              <a:ext cx="371115" cy="452538"/>
-            </a:xfrm>
-            <a:prstGeom prst="triangle">
-              <a:avLst/>
-            </a:prstGeom>
-          </p:spPr>
-          <p:style>
-            <a:lnRef idx="2">
-              <a:schemeClr val="accent1">
-                <a:shade val="50000"/>
-              </a:schemeClr>
-            </a:lnRef>
-            <a:fillRef idx="1">
-              <a:schemeClr val="accent1"/>
-            </a:fillRef>
-            <a:effectRef idx="0">
-              <a:schemeClr val="accent1"/>
-            </a:effectRef>
-            <a:fontRef idx="minor">
-              <a:schemeClr val="lt1"/>
-            </a:fontRef>
-          </p:style>
-          <p:txBody>
-            <a:bodyPr rtlCol="0" anchor="ctr"/>
-            <a:lstStyle/>
-            <a:p>
-              <a:pPr algn="ctr"/>
-              <a:endParaRPr lang="en-US"/>
-            </a:p>
-          </p:txBody>
-        </p:sp>
-        <p:sp>
-          <p:nvSpPr>
-            <p:cNvPr id="11" name="Isosceles Triangle 10">
-              <a:extLst>
-                <a:ext uri="{FF2B5EF4-FFF2-40B4-BE49-F238E27FC236}">
-                  <a16:creationId xmlns:a16="http://schemas.microsoft.com/office/drawing/2014/main" id="{4AE3C191-C22A-44DC-ADDC-517779F0DE82}"/>
-                </a:ext>
-              </a:extLst>
-            </p:cNvPr>
-            <p:cNvSpPr/>
-            <p:nvPr/>
-          </p:nvSpPr>
-          <p:spPr>
-            <a:xfrm>
-              <a:off x="5281618" y="2550994"/>
-              <a:ext cx="371115" cy="452538"/>
-            </a:xfrm>
-            <a:prstGeom prst="triangle">
-              <a:avLst/>
-            </a:prstGeom>
-          </p:spPr>
-          <p:style>
-            <a:lnRef idx="2">
-              <a:schemeClr val="accent1">
-                <a:shade val="50000"/>
-              </a:schemeClr>
-            </a:lnRef>
-            <a:fillRef idx="1">
-              <a:schemeClr val="accent1"/>
-            </a:fillRef>
-            <a:effectRef idx="0">
-              <a:schemeClr val="accent1"/>
-            </a:effectRef>
-            <a:fontRef idx="minor">
-              <a:schemeClr val="lt1"/>
-            </a:fontRef>
-          </p:style>
-          <p:txBody>
-            <a:bodyPr rtlCol="0" anchor="ctr"/>
-            <a:lstStyle/>
-            <a:p>
-              <a:pPr algn="ctr"/>
-              <a:endParaRPr lang="en-US"/>
-            </a:p>
-          </p:txBody>
-        </p:sp>
-        <p:sp>
-          <p:nvSpPr>
-            <p:cNvPr id="12" name="Isosceles Triangle 11">
-              <a:extLst>
-                <a:ext uri="{FF2B5EF4-FFF2-40B4-BE49-F238E27FC236}">
-                  <a16:creationId xmlns:a16="http://schemas.microsoft.com/office/drawing/2014/main" id="{7D59D00F-8653-4D92-B88F-A36AC882D238}"/>
-                </a:ext>
-              </a:extLst>
-            </p:cNvPr>
-            <p:cNvSpPr/>
-            <p:nvPr/>
-          </p:nvSpPr>
-          <p:spPr>
-            <a:xfrm>
-              <a:off x="5759431" y="2035532"/>
-              <a:ext cx="371115" cy="452538"/>
-            </a:xfrm>
-            <a:prstGeom prst="triangle">
-              <a:avLst/>
-            </a:prstGeom>
-          </p:spPr>
-          <p:style>
-            <a:lnRef idx="2">
-              <a:schemeClr val="accent1">
-                <a:shade val="50000"/>
-              </a:schemeClr>
-            </a:lnRef>
-            <a:fillRef idx="1">
-              <a:schemeClr val="accent1"/>
-            </a:fillRef>
-            <a:effectRef idx="0">
-              <a:schemeClr val="accent1"/>
-            </a:effectRef>
-            <a:fontRef idx="minor">
-              <a:schemeClr val="lt1"/>
-            </a:fontRef>
-          </p:style>
-          <p:txBody>
-            <a:bodyPr rtlCol="0" anchor="ctr"/>
-            <a:lstStyle/>
-            <a:p>
-              <a:pPr algn="ctr"/>
-              <a:endParaRPr lang="en-US"/>
-            </a:p>
-          </p:txBody>
-        </p:sp>
-        <p:sp>
-          <p:nvSpPr>
-            <p:cNvPr id="13" name="Oval 12">
-              <a:extLst>
-                <a:ext uri="{FF2B5EF4-FFF2-40B4-BE49-F238E27FC236}">
-                  <a16:creationId xmlns:a16="http://schemas.microsoft.com/office/drawing/2014/main" id="{91E44E92-CB34-46C1-A070-A91CA2EA2B72}"/>
-                </a:ext>
-              </a:extLst>
-            </p:cNvPr>
-            <p:cNvSpPr/>
-            <p:nvPr/>
-          </p:nvSpPr>
-          <p:spPr>
-            <a:xfrm>
-              <a:off x="3766025" y="2839916"/>
-              <a:ext cx="449620" cy="360611"/>
-            </a:xfrm>
-            <a:prstGeom prst="ellipse">
-              <a:avLst/>
-            </a:prstGeom>
-          </p:spPr>
-          <p:style>
-            <a:lnRef idx="2">
-              <a:schemeClr val="accent6">
-                <a:shade val="50000"/>
-              </a:schemeClr>
-            </a:lnRef>
-            <a:fillRef idx="1">
-              <a:schemeClr val="accent6"/>
-            </a:fillRef>
-            <a:effectRef idx="0">
-              <a:schemeClr val="accent6"/>
-            </a:effectRef>
-            <a:fontRef idx="minor">
-              <a:schemeClr val="lt1"/>
-            </a:fontRef>
-          </p:style>
-          <p:txBody>
-            <a:bodyPr rtlCol="0" anchor="ctr"/>
-            <a:lstStyle/>
-            <a:p>
-              <a:pPr algn="ctr"/>
-              <a:endParaRPr lang="en-US"/>
-            </a:p>
-          </p:txBody>
-        </p:sp>
-        <p:sp>
-          <p:nvSpPr>
-            <p:cNvPr id="14" name="Oval 13">
-              <a:extLst>
-                <a:ext uri="{FF2B5EF4-FFF2-40B4-BE49-F238E27FC236}">
-                  <a16:creationId xmlns:a16="http://schemas.microsoft.com/office/drawing/2014/main" id="{13179CF5-BAEF-49A6-BD1E-883A4FA5CEF6}"/>
-                </a:ext>
-              </a:extLst>
-            </p:cNvPr>
-            <p:cNvSpPr/>
-            <p:nvPr/>
-          </p:nvSpPr>
-          <p:spPr>
-            <a:xfrm>
-              <a:off x="2798438" y="2638516"/>
-              <a:ext cx="449620" cy="360611"/>
-            </a:xfrm>
-            <a:prstGeom prst="ellipse">
-              <a:avLst/>
-            </a:prstGeom>
-          </p:spPr>
-          <p:style>
-            <a:lnRef idx="2">
-              <a:schemeClr val="accent6">
-                <a:shade val="50000"/>
-              </a:schemeClr>
-            </a:lnRef>
-            <a:fillRef idx="1">
-              <a:schemeClr val="accent6"/>
-            </a:fillRef>
-            <a:effectRef idx="0">
-              <a:schemeClr val="accent6"/>
-            </a:effectRef>
-            <a:fontRef idx="minor">
-              <a:schemeClr val="lt1"/>
-            </a:fontRef>
-          </p:style>
-          <p:txBody>
-            <a:bodyPr rtlCol="0" anchor="ctr"/>
-            <a:lstStyle/>
-            <a:p>
-              <a:pPr algn="ctr"/>
-              <a:endParaRPr lang="en-US"/>
-            </a:p>
-          </p:txBody>
-        </p:sp>
-        <p:sp>
-          <p:nvSpPr>
-            <p:cNvPr id="15" name="Oval 14">
-              <a:extLst>
-                <a:ext uri="{FF2B5EF4-FFF2-40B4-BE49-F238E27FC236}">
-                  <a16:creationId xmlns:a16="http://schemas.microsoft.com/office/drawing/2014/main" id="{54DBC496-D38B-4F7E-AAEC-CB4FF812C86E}"/>
-                </a:ext>
-              </a:extLst>
-            </p:cNvPr>
-            <p:cNvSpPr/>
-            <p:nvPr/>
-          </p:nvSpPr>
-          <p:spPr>
-            <a:xfrm>
-              <a:off x="3358060" y="3320871"/>
-              <a:ext cx="449620" cy="360611"/>
-            </a:xfrm>
-            <a:prstGeom prst="ellipse">
-              <a:avLst/>
-            </a:prstGeom>
-          </p:spPr>
-          <p:style>
-            <a:lnRef idx="2">
-              <a:schemeClr val="accent6">
-                <a:shade val="50000"/>
-              </a:schemeClr>
-            </a:lnRef>
-            <a:fillRef idx="1">
-              <a:schemeClr val="accent6"/>
-            </a:fillRef>
-            <a:effectRef idx="0">
-              <a:schemeClr val="accent6"/>
-            </a:effectRef>
-            <a:fontRef idx="minor">
-              <a:schemeClr val="lt1"/>
-            </a:fontRef>
-          </p:style>
-          <p:txBody>
-            <a:bodyPr rtlCol="0" anchor="ctr"/>
-            <a:lstStyle/>
-            <a:p>
-              <a:pPr algn="ctr"/>
-              <a:endParaRPr lang="en-US"/>
-            </a:p>
-          </p:txBody>
-        </p:sp>
-        <p:sp>
-          <p:nvSpPr>
-            <p:cNvPr id="16" name="Oval 15">
-              <a:extLst>
-                <a:ext uri="{FF2B5EF4-FFF2-40B4-BE49-F238E27FC236}">
-                  <a16:creationId xmlns:a16="http://schemas.microsoft.com/office/drawing/2014/main" id="{EA46D5E7-9EF4-4A27-A362-F46899673BEE}"/>
-                </a:ext>
-              </a:extLst>
-            </p:cNvPr>
-            <p:cNvSpPr/>
-            <p:nvPr/>
-          </p:nvSpPr>
-          <p:spPr>
-            <a:xfrm>
-              <a:off x="2871590" y="3985594"/>
-              <a:ext cx="449620" cy="360611"/>
-            </a:xfrm>
-            <a:prstGeom prst="ellipse">
-              <a:avLst/>
-            </a:prstGeom>
-          </p:spPr>
-          <p:style>
-            <a:lnRef idx="2">
-              <a:schemeClr val="accent6">
-                <a:shade val="50000"/>
-              </a:schemeClr>
-            </a:lnRef>
-            <a:fillRef idx="1">
-              <a:schemeClr val="accent6"/>
-            </a:fillRef>
-            <a:effectRef idx="0">
-              <a:schemeClr val="accent6"/>
-            </a:effectRef>
-            <a:fontRef idx="minor">
-              <a:schemeClr val="lt1"/>
-            </a:fontRef>
-          </p:style>
-          <p:txBody>
-            <a:bodyPr rtlCol="0" anchor="ctr"/>
-            <a:lstStyle/>
-            <a:p>
-              <a:pPr algn="ctr"/>
-              <a:endParaRPr lang="en-US"/>
-            </a:p>
-          </p:txBody>
-        </p:sp>
         <p:pic>
           <p:nvPicPr>
             <p:cNvPr id="18" name="Graphic 17" descr="Help">
@@ -8299,8 +7977,8 @@
           </p:blipFill>
           <p:spPr>
             <a:xfrm>
-              <a:off x="4920603" y="2435898"/>
-              <a:ext cx="456755" cy="452538"/>
+              <a:off x="4378188" y="2234065"/>
+              <a:ext cx="390168" cy="342605"/>
             </a:xfrm>
             <a:prstGeom prst="rect">
               <a:avLst/>
@@ -8321,8 +7999,8 @@
           </p:nvSpPr>
           <p:spPr>
             <a:xfrm>
-              <a:off x="6574667" y="4629151"/>
-              <a:ext cx="1007233" cy="342721"/>
+              <a:off x="5791119" y="3894522"/>
+              <a:ext cx="860397" cy="259466"/>
             </a:xfrm>
             <a:prstGeom prst="rect">
               <a:avLst/>
@@ -8356,8 +8034,8 @@
           </p:nvSpPr>
           <p:spPr>
             <a:xfrm rot="16200000">
-              <a:off x="1679704" y="1887167"/>
-              <a:ext cx="1570174" cy="432363"/>
+              <a:off x="1686019" y="1797634"/>
+              <a:ext cx="1188740" cy="369332"/>
             </a:xfrm>
             <a:prstGeom prst="rect">
               <a:avLst/>
@@ -8391,8 +8069,8 @@
           </p:nvSpPr>
           <p:spPr>
             <a:xfrm>
-              <a:off x="4596302" y="2224758"/>
-              <a:ext cx="1173230" cy="975771"/>
+              <a:off x="4101164" y="2074217"/>
+              <a:ext cx="1002194" cy="738732"/>
             </a:xfrm>
             <a:prstGeom prst="ellipse">
               <a:avLst/>
@@ -8452,8 +8130,8 @@
           </p:nvSpPr>
           <p:spPr>
             <a:xfrm>
-              <a:off x="4146682" y="1641780"/>
-              <a:ext cx="2016648" cy="1993737"/>
+              <a:off x="3717090" y="1632858"/>
+              <a:ext cx="1722657" cy="1509409"/>
             </a:xfrm>
             <a:prstGeom prst="ellipse">
               <a:avLst/>
@@ -8497,10 +8175,10 @@
         </p:sp>
         <p:sp>
           <p:nvSpPr>
-            <p:cNvPr id="37" name="Isosceles Triangle 36">
-              <a:extLst>
-                <a:ext uri="{FF2B5EF4-FFF2-40B4-BE49-F238E27FC236}">
-                  <a16:creationId xmlns:a16="http://schemas.microsoft.com/office/drawing/2014/main" id="{C4EAE8B9-EB91-455F-8CFA-40125BC67631}"/>
+            <p:cNvPr id="38" name="Rectangle: Single Corner Rounded 37">
+              <a:extLst>
+                <a:ext uri="{FF2B5EF4-FFF2-40B4-BE49-F238E27FC236}">
+                  <a16:creationId xmlns:a16="http://schemas.microsoft.com/office/drawing/2014/main" id="{D12019E1-B744-46CD-A54F-7F65801D7570}"/>
                 </a:ext>
               </a:extLst>
             </p:cNvPr>
@@ -8509,10 +8187,134 @@
           </p:nvSpPr>
           <p:spPr>
             <a:xfrm>
-              <a:off x="5923042" y="3596694"/>
-              <a:ext cx="345915" cy="360612"/>
-            </a:xfrm>
-            <a:prstGeom prst="triangle">
+              <a:off x="5145703" y="2985918"/>
+              <a:ext cx="1533500" cy="868394"/>
+            </a:xfrm>
+            <a:prstGeom prst="round1Rect">
+              <a:avLst/>
+            </a:prstGeom>
+            <a:noFill/>
+            <a:ln w="9525" cap="flat" cmpd="sng" algn="ctr">
+              <a:solidFill>
+                <a:schemeClr val="dk1"/>
+              </a:solidFill>
+              <a:prstDash val="solid"/>
+              <a:round/>
+              <a:headEnd type="none" w="med" len="med"/>
+              <a:tailEnd type="none" w="med" len="med"/>
+            </a:ln>
+          </p:spPr>
+          <p:style>
+            <a:lnRef idx="0">
+              <a:scrgbClr r="0" g="0" b="0"/>
+            </a:lnRef>
+            <a:fillRef idx="0">
+              <a:scrgbClr r="0" g="0" b="0"/>
+            </a:fillRef>
+            <a:effectRef idx="0">
+              <a:scrgbClr r="0" g="0" b="0"/>
+            </a:effectRef>
+            <a:fontRef idx="minor">
+              <a:schemeClr val="dk1"/>
+            </a:fontRef>
+          </p:style>
+          <p:txBody>
+            <a:bodyPr rtlCol="0" anchor="ctr"/>
+            <a:lstStyle/>
+            <a:p>
+              <a:pPr algn="ctr"/>
+              <a:endParaRPr lang="en-US"/>
+            </a:p>
+          </p:txBody>
+        </p:sp>
+        <p:sp>
+          <p:nvSpPr>
+            <p:cNvPr id="40" name="TextBox 39">
+              <a:extLst>
+                <a:ext uri="{FF2B5EF4-FFF2-40B4-BE49-F238E27FC236}">
+                  <a16:creationId xmlns:a16="http://schemas.microsoft.com/office/drawing/2014/main" id="{9C5310E6-F01A-47F1-A3F8-768C0A79AD1B}"/>
+                </a:ext>
+              </a:extLst>
+            </p:cNvPr>
+            <p:cNvSpPr txBox="1"/>
+            <p:nvPr/>
+          </p:nvSpPr>
+          <p:spPr>
+            <a:xfrm>
+              <a:off x="5479907" y="3113666"/>
+              <a:ext cx="1364547" cy="285320"/>
+            </a:xfrm>
+            <a:prstGeom prst="rect">
+              <a:avLst/>
+            </a:prstGeom>
+            <a:noFill/>
+          </p:spPr>
+          <p:txBody>
+            <a:bodyPr wrap="square" rtlCol="0">
+              <a:spAutoFit/>
+            </a:bodyPr>
+            <a:lstStyle/>
+            <a:p>
+              <a:r>
+                <a:rPr lang="en-US" sz="1400" dirty="0"/>
+                <a:t>= Feasible</a:t>
+              </a:r>
+            </a:p>
+          </p:txBody>
+        </p:sp>
+        <p:sp>
+          <p:nvSpPr>
+            <p:cNvPr id="43" name="TextBox 42">
+              <a:extLst>
+                <a:ext uri="{FF2B5EF4-FFF2-40B4-BE49-F238E27FC236}">
+                  <a16:creationId xmlns:a16="http://schemas.microsoft.com/office/drawing/2014/main" id="{EBC449F2-0243-41F7-842F-7F6364176726}"/>
+                </a:ext>
+              </a:extLst>
+            </p:cNvPr>
+            <p:cNvSpPr txBox="1"/>
+            <p:nvPr/>
+          </p:nvSpPr>
+          <p:spPr>
+            <a:xfrm>
+              <a:off x="5529977" y="3454275"/>
+              <a:ext cx="1358503" cy="285320"/>
+            </a:xfrm>
+            <a:prstGeom prst="rect">
+              <a:avLst/>
+            </a:prstGeom>
+            <a:noFill/>
+          </p:spPr>
+          <p:txBody>
+            <a:bodyPr wrap="square" rtlCol="0">
+              <a:spAutoFit/>
+            </a:bodyPr>
+            <a:lstStyle/>
+            <a:p>
+              <a:r>
+                <a:rPr lang="en-US" sz="1400" dirty="0"/>
+                <a:t>= Not Feasible</a:t>
+              </a:r>
+            </a:p>
+          </p:txBody>
+        </p:sp>
+        <p:sp>
+          <p:nvSpPr>
+            <p:cNvPr id="24" name="Oval 23">
+              <a:extLst>
+                <a:ext uri="{FF2B5EF4-FFF2-40B4-BE49-F238E27FC236}">
+                  <a16:creationId xmlns:a16="http://schemas.microsoft.com/office/drawing/2014/main" id="{74D23144-5ED4-4A5F-857C-AFCA04E1EB53}"/>
+                </a:ext>
+              </a:extLst>
+            </p:cNvPr>
+            <p:cNvSpPr/>
+            <p:nvPr/>
+          </p:nvSpPr>
+          <p:spPr>
+            <a:xfrm>
+              <a:off x="4778112" y="2303613"/>
+              <a:ext cx="315489" cy="294427"/>
+            </a:xfrm>
+            <a:prstGeom prst="ellipse">
               <a:avLst/>
             </a:prstGeom>
           </p:spPr>
@@ -8543,10 +8345,10 @@
         </p:sp>
         <p:sp>
           <p:nvSpPr>
-            <p:cNvPr id="38" name="Rectangle: Single Corner Rounded 37">
-              <a:extLst>
-                <a:ext uri="{FF2B5EF4-FFF2-40B4-BE49-F238E27FC236}">
-                  <a16:creationId xmlns:a16="http://schemas.microsoft.com/office/drawing/2014/main" id="{D12019E1-B744-46CD-A54F-7F65801D7570}"/>
+            <p:cNvPr id="25" name="Oval 24">
+              <a:extLst>
+                <a:ext uri="{FF2B5EF4-FFF2-40B4-BE49-F238E27FC236}">
+                  <a16:creationId xmlns:a16="http://schemas.microsoft.com/office/drawing/2014/main" id="{BDCAC600-3FCF-4777-9D48-26AE32995944}"/>
                 </a:ext>
               </a:extLst>
             </p:cNvPr>
@@ -8555,35 +8357,73 @@
           </p:nvSpPr>
           <p:spPr>
             <a:xfrm>
-              <a:off x="5819103" y="3429000"/>
-              <a:ext cx="1795209" cy="1147038"/>
-            </a:xfrm>
-            <a:prstGeom prst="round1Rect">
-              <a:avLst/>
-            </a:prstGeom>
-            <a:noFill/>
-            <a:ln w="9525" cap="flat" cmpd="sng" algn="ctr">
-              <a:solidFill>
-                <a:schemeClr val="dk1"/>
-              </a:solidFill>
-              <a:prstDash val="solid"/>
-              <a:round/>
-              <a:headEnd type="none" w="med" len="med"/>
-              <a:tailEnd type="none" w="med" len="med"/>
-            </a:ln>
+              <a:off x="5049236" y="2026359"/>
+              <a:ext cx="315489" cy="294427"/>
+            </a:xfrm>
+            <a:prstGeom prst="ellipse">
+              <a:avLst/>
+            </a:prstGeom>
           </p:spPr>
           <p:style>
-            <a:lnRef idx="0">
-              <a:scrgbClr r="0" g="0" b="0"/>
+            <a:lnRef idx="2">
+              <a:schemeClr val="accent1">
+                <a:shade val="50000"/>
+              </a:schemeClr>
             </a:lnRef>
-            <a:fillRef idx="0">
-              <a:scrgbClr r="0" g="0" b="0"/>
+            <a:fillRef idx="1">
+              <a:schemeClr val="accent1"/>
             </a:fillRef>
             <a:effectRef idx="0">
-              <a:scrgbClr r="0" g="0" b="0"/>
+              <a:schemeClr val="accent1"/>
             </a:effectRef>
             <a:fontRef idx="minor">
-              <a:schemeClr val="dk1"/>
+              <a:schemeClr val="lt1"/>
+            </a:fontRef>
+          </p:style>
+          <p:txBody>
+            <a:bodyPr rtlCol="0" anchor="ctr"/>
+            <a:lstStyle/>
+            <a:p>
+              <a:pPr algn="ctr"/>
+              <a:endParaRPr lang="en-US" dirty="0"/>
+            </a:p>
+          </p:txBody>
+        </p:sp>
+        <p:sp>
+          <p:nvSpPr>
+            <p:cNvPr id="26" name="Oval 25">
+              <a:extLst>
+                <a:ext uri="{FF2B5EF4-FFF2-40B4-BE49-F238E27FC236}">
+                  <a16:creationId xmlns:a16="http://schemas.microsoft.com/office/drawing/2014/main" id="{9FB9403B-6D91-416C-8485-5DD9C079C8A6}"/>
+                </a:ext>
+              </a:extLst>
+            </p:cNvPr>
+            <p:cNvSpPr/>
+            <p:nvPr/>
+          </p:nvSpPr>
+          <p:spPr>
+            <a:xfrm>
+              <a:off x="5710871" y="2076467"/>
+              <a:ext cx="300776" cy="273011"/>
+            </a:xfrm>
+            <a:prstGeom prst="ellipse">
+              <a:avLst/>
+            </a:prstGeom>
+          </p:spPr>
+          <p:style>
+            <a:lnRef idx="2">
+              <a:schemeClr val="accent1">
+                <a:shade val="50000"/>
+              </a:schemeClr>
+            </a:lnRef>
+            <a:fillRef idx="1">
+              <a:schemeClr val="accent1"/>
+            </a:fillRef>
+            <a:effectRef idx="0">
+              <a:schemeClr val="accent1"/>
+            </a:effectRef>
+            <a:fontRef idx="minor">
+              <a:schemeClr val="lt1"/>
             </a:fontRef>
           </p:style>
           <p:txBody>
@@ -8597,45 +8437,56 @@
         </p:sp>
         <p:sp>
           <p:nvSpPr>
-            <p:cNvPr id="40" name="TextBox 39">
-              <a:extLst>
-                <a:ext uri="{FF2B5EF4-FFF2-40B4-BE49-F238E27FC236}">
-                  <a16:creationId xmlns:a16="http://schemas.microsoft.com/office/drawing/2014/main" id="{9C5310E6-F01A-47F1-A3F8-768C0A79AD1B}"/>
-                </a:ext>
-              </a:extLst>
-            </p:cNvPr>
-            <p:cNvSpPr txBox="1"/>
+            <p:cNvPr id="28" name="Oval 27">
+              <a:extLst>
+                <a:ext uri="{FF2B5EF4-FFF2-40B4-BE49-F238E27FC236}">
+                  <a16:creationId xmlns:a16="http://schemas.microsoft.com/office/drawing/2014/main" id="{BF2AC757-289C-4648-AE74-5BE370928D67}"/>
+                </a:ext>
+              </a:extLst>
+            </p:cNvPr>
+            <p:cNvSpPr/>
             <p:nvPr/>
           </p:nvSpPr>
           <p:spPr>
             <a:xfrm>
-              <a:off x="6210343" y="3597739"/>
-              <a:ext cx="1597422" cy="376871"/>
-            </a:xfrm>
-            <a:prstGeom prst="rect">
-              <a:avLst/>
-            </a:prstGeom>
-            <a:noFill/>
-          </p:spPr>
+              <a:off x="5214337" y="3142267"/>
+              <a:ext cx="300776" cy="273011"/>
+            </a:xfrm>
+            <a:prstGeom prst="ellipse">
+              <a:avLst/>
+            </a:prstGeom>
+          </p:spPr>
+          <p:style>
+            <a:lnRef idx="2">
+              <a:schemeClr val="accent1">
+                <a:shade val="50000"/>
+              </a:schemeClr>
+            </a:lnRef>
+            <a:fillRef idx="1">
+              <a:schemeClr val="accent1"/>
+            </a:fillRef>
+            <a:effectRef idx="0">
+              <a:schemeClr val="accent1"/>
+            </a:effectRef>
+            <a:fontRef idx="minor">
+              <a:schemeClr val="lt1"/>
+            </a:fontRef>
+          </p:style>
           <p:txBody>
-            <a:bodyPr wrap="square" rtlCol="0">
-              <a:spAutoFit/>
-            </a:bodyPr>
+            <a:bodyPr rtlCol="0" anchor="ctr"/>
             <a:lstStyle/>
             <a:p>
-              <a:r>
-                <a:rPr lang="en-US" sz="1400" dirty="0"/>
-                <a:t>= Feasible</a:t>
-              </a:r>
+              <a:pPr algn="ctr"/>
+              <a:endParaRPr lang="en-US"/>
             </a:p>
           </p:txBody>
         </p:sp>
         <p:sp>
           <p:nvSpPr>
-            <p:cNvPr id="41" name="Oval 40">
-              <a:extLst>
-                <a:ext uri="{FF2B5EF4-FFF2-40B4-BE49-F238E27FC236}">
-                  <a16:creationId xmlns:a16="http://schemas.microsoft.com/office/drawing/2014/main" id="{14B75359-2B39-4E44-B832-8F56390F44A3}"/>
+            <p:cNvPr id="29" name="Oval 28">
+              <a:extLst>
+                <a:ext uri="{FF2B5EF4-FFF2-40B4-BE49-F238E27FC236}">
+                  <a16:creationId xmlns:a16="http://schemas.microsoft.com/office/drawing/2014/main" id="{CFE4DBBA-D7B9-4A55-A6C6-A9EA43ADBA86}"/>
                 </a:ext>
               </a:extLst>
             </p:cNvPr>
@@ -8644,8 +8495,8 @@
           </p:nvSpPr>
           <p:spPr>
             <a:xfrm>
-              <a:off x="5871189" y="4125000"/>
-              <a:ext cx="449620" cy="360611"/>
+              <a:off x="5206980" y="3512855"/>
+              <a:ext cx="300776" cy="273011"/>
             </a:xfrm>
             <a:prstGeom prst="ellipse">
               <a:avLst/>
@@ -8678,36 +8529,185 @@
         </p:sp>
         <p:sp>
           <p:nvSpPr>
-            <p:cNvPr id="43" name="TextBox 42">
-              <a:extLst>
-                <a:ext uri="{FF2B5EF4-FFF2-40B4-BE49-F238E27FC236}">
-                  <a16:creationId xmlns:a16="http://schemas.microsoft.com/office/drawing/2014/main" id="{EBC449F2-0243-41F7-842F-7F6364176726}"/>
-                </a:ext>
-              </a:extLst>
-            </p:cNvPr>
-            <p:cNvSpPr txBox="1"/>
+            <p:cNvPr id="34" name="Oval 33">
+              <a:extLst>
+                <a:ext uri="{FF2B5EF4-FFF2-40B4-BE49-F238E27FC236}">
+                  <a16:creationId xmlns:a16="http://schemas.microsoft.com/office/drawing/2014/main" id="{AF10640C-791D-4814-8D08-10684F8B0742}"/>
+                </a:ext>
+              </a:extLst>
+            </p:cNvPr>
+            <p:cNvSpPr/>
             <p:nvPr/>
           </p:nvSpPr>
           <p:spPr>
             <a:xfrm>
-              <a:off x="6268958" y="4047640"/>
-              <a:ext cx="1590347" cy="376871"/>
-            </a:xfrm>
-            <a:prstGeom prst="rect">
-              <a:avLst/>
-            </a:prstGeom>
-            <a:noFill/>
-          </p:spPr>
+              <a:off x="3416314" y="2598040"/>
+              <a:ext cx="300776" cy="273011"/>
+            </a:xfrm>
+            <a:prstGeom prst="ellipse">
+              <a:avLst/>
+            </a:prstGeom>
+          </p:spPr>
+          <p:style>
+            <a:lnRef idx="2">
+              <a:schemeClr val="accent6">
+                <a:shade val="50000"/>
+              </a:schemeClr>
+            </a:lnRef>
+            <a:fillRef idx="1">
+              <a:schemeClr val="accent6"/>
+            </a:fillRef>
+            <a:effectRef idx="0">
+              <a:schemeClr val="accent6"/>
+            </a:effectRef>
+            <a:fontRef idx="minor">
+              <a:schemeClr val="lt1"/>
+            </a:fontRef>
+          </p:style>
           <p:txBody>
-            <a:bodyPr wrap="square" rtlCol="0">
-              <a:spAutoFit/>
-            </a:bodyPr>
+            <a:bodyPr rtlCol="0" anchor="ctr"/>
             <a:lstStyle/>
             <a:p>
-              <a:r>
-                <a:rPr lang="en-US" sz="1400" dirty="0"/>
-                <a:t>= Not Feasible</a:t>
-              </a:r>
+              <a:pPr algn="ctr"/>
+              <a:endParaRPr lang="en-US"/>
+            </a:p>
+          </p:txBody>
+        </p:sp>
+        <p:sp>
+          <p:nvSpPr>
+            <p:cNvPr id="35" name="Oval 34">
+              <a:extLst>
+                <a:ext uri="{FF2B5EF4-FFF2-40B4-BE49-F238E27FC236}">
+                  <a16:creationId xmlns:a16="http://schemas.microsoft.com/office/drawing/2014/main" id="{E6C46457-A773-42AF-A2F7-39A90383AF18}"/>
+                </a:ext>
+              </a:extLst>
+            </p:cNvPr>
+            <p:cNvSpPr/>
+            <p:nvPr/>
+          </p:nvSpPr>
+          <p:spPr>
+            <a:xfrm>
+              <a:off x="3145190" y="2977160"/>
+              <a:ext cx="300776" cy="273011"/>
+            </a:xfrm>
+            <a:prstGeom prst="ellipse">
+              <a:avLst/>
+            </a:prstGeom>
+          </p:spPr>
+          <p:style>
+            <a:lnRef idx="2">
+              <a:schemeClr val="accent6">
+                <a:shade val="50000"/>
+              </a:schemeClr>
+            </a:lnRef>
+            <a:fillRef idx="1">
+              <a:schemeClr val="accent6"/>
+            </a:fillRef>
+            <a:effectRef idx="0">
+              <a:schemeClr val="accent6"/>
+            </a:effectRef>
+            <a:fontRef idx="minor">
+              <a:schemeClr val="lt1"/>
+            </a:fontRef>
+          </p:style>
+          <p:txBody>
+            <a:bodyPr rtlCol="0" anchor="ctr"/>
+            <a:lstStyle/>
+            <a:p>
+              <a:pPr algn="ctr"/>
+              <a:endParaRPr lang="en-US"/>
+            </a:p>
+          </p:txBody>
+        </p:sp>
+        <p:sp>
+          <p:nvSpPr>
+            <p:cNvPr id="36" name="Oval 35">
+              <a:extLst>
+                <a:ext uri="{FF2B5EF4-FFF2-40B4-BE49-F238E27FC236}">
+                  <a16:creationId xmlns:a16="http://schemas.microsoft.com/office/drawing/2014/main" id="{7D4FD33F-1CF4-408E-9174-69591E1BB496}"/>
+                </a:ext>
+              </a:extLst>
+            </p:cNvPr>
+            <p:cNvSpPr/>
+            <p:nvPr/>
+          </p:nvSpPr>
+          <p:spPr>
+            <a:xfrm>
+              <a:off x="2717362" y="3317769"/>
+              <a:ext cx="300776" cy="273011"/>
+            </a:xfrm>
+            <a:prstGeom prst="ellipse">
+              <a:avLst/>
+            </a:prstGeom>
+          </p:spPr>
+          <p:style>
+            <a:lnRef idx="2">
+              <a:schemeClr val="accent6">
+                <a:shade val="50000"/>
+              </a:schemeClr>
+            </a:lnRef>
+            <a:fillRef idx="1">
+              <a:schemeClr val="accent6"/>
+            </a:fillRef>
+            <a:effectRef idx="0">
+              <a:schemeClr val="accent6"/>
+            </a:effectRef>
+            <a:fontRef idx="minor">
+              <a:schemeClr val="lt1"/>
+            </a:fontRef>
+          </p:style>
+          <p:txBody>
+            <a:bodyPr rtlCol="0" anchor="ctr"/>
+            <a:lstStyle/>
+            <a:p>
+              <a:pPr algn="ctr"/>
+              <a:endParaRPr lang="en-US"/>
+            </a:p>
+          </p:txBody>
+        </p:sp>
+        <p:sp>
+          <p:nvSpPr>
+            <p:cNvPr id="39" name="Oval 38">
+              <a:extLst>
+                <a:ext uri="{FF2B5EF4-FFF2-40B4-BE49-F238E27FC236}">
+                  <a16:creationId xmlns:a16="http://schemas.microsoft.com/office/drawing/2014/main" id="{FAF4D9D7-2A8B-47F3-8159-5633ED6A5F8A}"/>
+                </a:ext>
+              </a:extLst>
+            </p:cNvPr>
+            <p:cNvSpPr/>
+            <p:nvPr/>
+          </p:nvSpPr>
+          <p:spPr>
+            <a:xfrm>
+              <a:off x="2733525" y="2491931"/>
+              <a:ext cx="300776" cy="273011"/>
+            </a:xfrm>
+            <a:prstGeom prst="ellipse">
+              <a:avLst/>
+            </a:prstGeom>
+          </p:spPr>
+          <p:style>
+            <a:lnRef idx="2">
+              <a:schemeClr val="accent6">
+                <a:shade val="50000"/>
+              </a:schemeClr>
+            </a:lnRef>
+            <a:fillRef idx="1">
+              <a:schemeClr val="accent6"/>
+            </a:fillRef>
+            <a:effectRef idx="0">
+              <a:schemeClr val="accent6"/>
+            </a:effectRef>
+            <a:fontRef idx="minor">
+              <a:schemeClr val="lt1"/>
+            </a:fontRef>
+          </p:style>
+          <p:txBody>
+            <a:bodyPr rtlCol="0" anchor="ctr"/>
+            <a:lstStyle/>
+            <a:p>
+              <a:pPr algn="ctr"/>
+              <a:endParaRPr lang="en-US"/>
             </a:p>
           </p:txBody>
         </p:sp>
